--- a/paper/fig-ppt/path_vs_path.pptx
+++ b/paper/fig-ppt/path_vs_path.pptx
@@ -4239,6 +4239,1526 @@
           </p:sp>
         </p:grpSp>
       </p:grpSp>
+      <p:cxnSp>
+        <p:nvCxnSpPr>
+          <p:cNvPr id="311" name="直接连接符 87">
+            <a:extLst>
+              <a:ext uri="{FF2B5EF4-FFF2-40B4-BE49-F238E27FC236}">
+                <a16:creationId xmlns:a16="http://schemas.microsoft.com/office/drawing/2014/main" id="{E23CDD1C-F00C-00F0-CB02-9E5A634EA340}"/>
+              </a:ext>
+            </a:extLst>
+          </p:cNvPr>
+          <p:cNvCxnSpPr>
+            <a:cxnSpLocks/>
+          </p:cNvCxnSpPr>
+          <p:nvPr/>
+        </p:nvCxnSpPr>
+        <p:spPr>
+          <a:xfrm>
+            <a:off x="11410585" y="1117780"/>
+            <a:ext cx="1" cy="232456"/>
+          </a:xfrm>
+          <a:prstGeom prst="line">
+            <a:avLst/>
+          </a:prstGeom>
+          <a:ln w="19050">
+            <a:solidFill>
+              <a:schemeClr val="tx1"/>
+            </a:solidFill>
+          </a:ln>
+        </p:spPr>
+        <p:style>
+          <a:lnRef idx="1">
+            <a:schemeClr val="accent1"/>
+          </a:lnRef>
+          <a:fillRef idx="0">
+            <a:schemeClr val="accent1"/>
+          </a:fillRef>
+          <a:effectRef idx="0">
+            <a:schemeClr val="accent1"/>
+          </a:effectRef>
+          <a:fontRef idx="minor">
+            <a:schemeClr val="tx1"/>
+          </a:fontRef>
+        </p:style>
+      </p:cxnSp>
+      <p:cxnSp>
+        <p:nvCxnSpPr>
+          <p:cNvPr id="312" name="直接连接符 88">
+            <a:extLst>
+              <a:ext uri="{FF2B5EF4-FFF2-40B4-BE49-F238E27FC236}">
+                <a16:creationId xmlns:a16="http://schemas.microsoft.com/office/drawing/2014/main" id="{F3170C23-59ED-B1F8-63B3-4457270383A1}"/>
+              </a:ext>
+            </a:extLst>
+          </p:cNvPr>
+          <p:cNvCxnSpPr>
+            <a:cxnSpLocks/>
+          </p:cNvCxnSpPr>
+          <p:nvPr/>
+        </p:nvCxnSpPr>
+        <p:spPr>
+          <a:xfrm>
+            <a:off x="7699209" y="1266639"/>
+            <a:ext cx="3707496" cy="0"/>
+          </a:xfrm>
+          <a:prstGeom prst="line">
+            <a:avLst/>
+          </a:prstGeom>
+          <a:ln w="19050">
+            <a:solidFill>
+              <a:schemeClr val="tx1"/>
+            </a:solidFill>
+            <a:headEnd type="stealth"/>
+            <a:tailEnd type="stealth"/>
+          </a:ln>
+        </p:spPr>
+        <p:style>
+          <a:lnRef idx="1">
+            <a:schemeClr val="accent1"/>
+          </a:lnRef>
+          <a:fillRef idx="0">
+            <a:schemeClr val="accent1"/>
+          </a:fillRef>
+          <a:effectRef idx="0">
+            <a:schemeClr val="accent1"/>
+          </a:effectRef>
+          <a:fontRef idx="minor">
+            <a:schemeClr val="tx1"/>
+          </a:fontRef>
+        </p:style>
+      </p:cxnSp>
+      <p:cxnSp>
+        <p:nvCxnSpPr>
+          <p:cNvPr id="313" name="直接连接符 94">
+            <a:extLst>
+              <a:ext uri="{FF2B5EF4-FFF2-40B4-BE49-F238E27FC236}">
+                <a16:creationId xmlns:a16="http://schemas.microsoft.com/office/drawing/2014/main" id="{7F6B61A5-8674-9C6E-BC58-88DABC65DEB6}"/>
+              </a:ext>
+            </a:extLst>
+          </p:cNvPr>
+          <p:cNvCxnSpPr>
+            <a:cxnSpLocks/>
+          </p:cNvCxnSpPr>
+          <p:nvPr/>
+        </p:nvCxnSpPr>
+        <p:spPr>
+          <a:xfrm>
+            <a:off x="7694127" y="1091369"/>
+            <a:ext cx="1" cy="232456"/>
+          </a:xfrm>
+          <a:prstGeom prst="line">
+            <a:avLst/>
+          </a:prstGeom>
+          <a:ln w="19050">
+            <a:solidFill>
+              <a:schemeClr val="tx1"/>
+            </a:solidFill>
+          </a:ln>
+        </p:spPr>
+        <p:style>
+          <a:lnRef idx="1">
+            <a:schemeClr val="accent1"/>
+          </a:lnRef>
+          <a:fillRef idx="0">
+            <a:schemeClr val="accent1"/>
+          </a:fillRef>
+          <a:effectRef idx="0">
+            <a:schemeClr val="accent1"/>
+          </a:effectRef>
+          <a:fontRef idx="minor">
+            <a:schemeClr val="tx1"/>
+          </a:fontRef>
+        </p:style>
+      </p:cxnSp>
+      <p:sp>
+        <p:nvSpPr>
+          <p:cNvPr id="315" name="文本框 9">
+            <a:extLst>
+              <a:ext uri="{FF2B5EF4-FFF2-40B4-BE49-F238E27FC236}">
+                <a16:creationId xmlns:a16="http://schemas.microsoft.com/office/drawing/2014/main" id="{7E9D32F3-1F35-94F3-F8B5-44895BFF4BF9}"/>
+              </a:ext>
+            </a:extLst>
+          </p:cNvPr>
+          <p:cNvSpPr txBox="1"/>
+          <p:nvPr/>
+        </p:nvSpPr>
+        <p:spPr>
+          <a:xfrm>
+            <a:off x="202603" y="0"/>
+            <a:ext cx="384744" cy="338554"/>
+          </a:xfrm>
+          <a:prstGeom prst="rect">
+            <a:avLst/>
+          </a:prstGeom>
+          <a:noFill/>
+          <a:ln>
+            <a:noFill/>
+          </a:ln>
+        </p:spPr>
+        <p:txBody>
+          <a:bodyPr wrap="square" rtlCol="0">
+            <a:spAutoFit/>
+          </a:bodyPr>
+          <a:lstStyle/>
+          <a:p>
+            <a:pPr algn="ctr"/>
+            <a:r>
+              <a:rPr lang="en-US" altLang="zh-CN" sz="1600" b="1" dirty="0">
+                <a:latin typeface="Calibri" panose="020F0502020204030204" pitchFamily="34" charset="0"/>
+                <a:cs typeface="Calibri" panose="020F0502020204030204" pitchFamily="34" charset="0"/>
+              </a:rPr>
+              <a:t>(a)</a:t>
+            </a:r>
+            <a:endParaRPr lang="zh-CN" altLang="en-US" sz="1600" b="1" dirty="0">
+              <a:latin typeface="Calibri" panose="020F0502020204030204" pitchFamily="34" charset="0"/>
+              <a:cs typeface="Calibri" panose="020F0502020204030204" pitchFamily="34" charset="0"/>
+            </a:endParaRPr>
+          </a:p>
+        </p:txBody>
+      </p:sp>
+      <p:sp>
+        <p:nvSpPr>
+          <p:cNvPr id="316" name="文本框 9">
+            <a:extLst>
+              <a:ext uri="{FF2B5EF4-FFF2-40B4-BE49-F238E27FC236}">
+                <a16:creationId xmlns:a16="http://schemas.microsoft.com/office/drawing/2014/main" id="{7CDECA39-B239-85DD-F799-74F575BF425B}"/>
+              </a:ext>
+            </a:extLst>
+          </p:cNvPr>
+          <p:cNvSpPr txBox="1"/>
+          <p:nvPr/>
+        </p:nvSpPr>
+        <p:spPr>
+          <a:xfrm>
+            <a:off x="202603" y="1880036"/>
+            <a:ext cx="384744" cy="338554"/>
+          </a:xfrm>
+          <a:prstGeom prst="rect">
+            <a:avLst/>
+          </a:prstGeom>
+          <a:noFill/>
+          <a:ln>
+            <a:noFill/>
+          </a:ln>
+        </p:spPr>
+        <p:txBody>
+          <a:bodyPr wrap="square" rtlCol="0">
+            <a:spAutoFit/>
+          </a:bodyPr>
+          <a:lstStyle/>
+          <a:p>
+            <a:pPr algn="ctr"/>
+            <a:r>
+              <a:rPr lang="en-US" altLang="zh-CN" sz="1600" b="1" dirty="0">
+                <a:latin typeface="Calibri" panose="020F0502020204030204" pitchFamily="34" charset="0"/>
+                <a:cs typeface="Calibri" panose="020F0502020204030204" pitchFamily="34" charset="0"/>
+              </a:rPr>
+              <a:t>(b)</a:t>
+            </a:r>
+            <a:endParaRPr lang="zh-CN" altLang="en-US" sz="1600" b="1" dirty="0">
+              <a:latin typeface="Calibri" panose="020F0502020204030204" pitchFamily="34" charset="0"/>
+              <a:cs typeface="Calibri" panose="020F0502020204030204" pitchFamily="34" charset="0"/>
+            </a:endParaRPr>
+          </a:p>
+        </p:txBody>
+      </p:sp>
+      <p:sp>
+        <p:nvSpPr>
+          <p:cNvPr id="317" name="文本框 9">
+            <a:extLst>
+              <a:ext uri="{FF2B5EF4-FFF2-40B4-BE49-F238E27FC236}">
+                <a16:creationId xmlns:a16="http://schemas.microsoft.com/office/drawing/2014/main" id="{13A0A11E-10F5-047F-E46A-3C97C78FA125}"/>
+              </a:ext>
+            </a:extLst>
+          </p:cNvPr>
+          <p:cNvSpPr txBox="1"/>
+          <p:nvPr/>
+        </p:nvSpPr>
+        <p:spPr>
+          <a:xfrm>
+            <a:off x="202603" y="3544563"/>
+            <a:ext cx="384744" cy="338554"/>
+          </a:xfrm>
+          <a:prstGeom prst="rect">
+            <a:avLst/>
+          </a:prstGeom>
+          <a:noFill/>
+          <a:ln>
+            <a:noFill/>
+          </a:ln>
+        </p:spPr>
+        <p:txBody>
+          <a:bodyPr wrap="square" rtlCol="0">
+            <a:spAutoFit/>
+          </a:bodyPr>
+          <a:lstStyle/>
+          <a:p>
+            <a:pPr algn="ctr"/>
+            <a:r>
+              <a:rPr lang="en-US" altLang="zh-CN" sz="1600" b="1" dirty="0">
+                <a:latin typeface="Calibri" panose="020F0502020204030204" pitchFamily="34" charset="0"/>
+                <a:cs typeface="Calibri" panose="020F0502020204030204" pitchFamily="34" charset="0"/>
+              </a:rPr>
+              <a:t>(c)</a:t>
+            </a:r>
+            <a:endParaRPr lang="zh-CN" altLang="en-US" sz="1600" b="1" dirty="0">
+              <a:latin typeface="Calibri" panose="020F0502020204030204" pitchFamily="34" charset="0"/>
+              <a:cs typeface="Calibri" panose="020F0502020204030204" pitchFamily="34" charset="0"/>
+            </a:endParaRPr>
+          </a:p>
+        </p:txBody>
+      </p:sp>
+      <p:sp>
+        <p:nvSpPr>
+          <p:cNvPr id="318" name="文本框 9">
+            <a:extLst>
+              <a:ext uri="{FF2B5EF4-FFF2-40B4-BE49-F238E27FC236}">
+                <a16:creationId xmlns:a16="http://schemas.microsoft.com/office/drawing/2014/main" id="{9EEDA0D1-D527-86A6-7B5E-940ACD47BEEC}"/>
+              </a:ext>
+            </a:extLst>
+          </p:cNvPr>
+          <p:cNvSpPr txBox="1"/>
+          <p:nvPr/>
+        </p:nvSpPr>
+        <p:spPr>
+          <a:xfrm>
+            <a:off x="7612017" y="160270"/>
+            <a:ext cx="384744" cy="338554"/>
+          </a:xfrm>
+          <a:prstGeom prst="rect">
+            <a:avLst/>
+          </a:prstGeom>
+          <a:noFill/>
+          <a:ln>
+            <a:noFill/>
+          </a:ln>
+        </p:spPr>
+        <p:txBody>
+          <a:bodyPr wrap="square" rtlCol="0">
+            <a:spAutoFit/>
+          </a:bodyPr>
+          <a:lstStyle/>
+          <a:p>
+            <a:pPr algn="ctr"/>
+            <a:r>
+              <a:rPr lang="en-US" altLang="zh-CN" sz="1600" b="1" dirty="0">
+                <a:latin typeface="Calibri" panose="020F0502020204030204" pitchFamily="34" charset="0"/>
+                <a:cs typeface="Calibri" panose="020F0502020204030204" pitchFamily="34" charset="0"/>
+              </a:rPr>
+              <a:t>(e)</a:t>
+            </a:r>
+            <a:endParaRPr lang="zh-CN" altLang="en-US" sz="1600" b="1" dirty="0">
+              <a:latin typeface="Calibri" panose="020F0502020204030204" pitchFamily="34" charset="0"/>
+              <a:cs typeface="Calibri" panose="020F0502020204030204" pitchFamily="34" charset="0"/>
+            </a:endParaRPr>
+          </a:p>
+        </p:txBody>
+      </p:sp>
+      <p:grpSp>
+        <p:nvGrpSpPr>
+          <p:cNvPr id="418" name="Group 417">
+            <a:extLst>
+              <a:ext uri="{FF2B5EF4-FFF2-40B4-BE49-F238E27FC236}">
+                <a16:creationId xmlns:a16="http://schemas.microsoft.com/office/drawing/2014/main" id="{89D179F4-745D-A00C-9B3B-0B59A6EBE198}"/>
+              </a:ext>
+            </a:extLst>
+          </p:cNvPr>
+          <p:cNvGrpSpPr/>
+          <p:nvPr/>
+        </p:nvGrpSpPr>
+        <p:grpSpPr>
+          <a:xfrm>
+            <a:off x="4470015" y="302171"/>
+            <a:ext cx="2970079" cy="4792136"/>
+            <a:chOff x="4470015" y="302171"/>
+            <a:chExt cx="2970079" cy="4792136"/>
+          </a:xfrm>
+        </p:grpSpPr>
+        <p:grpSp>
+          <p:nvGrpSpPr>
+            <p:cNvPr id="413" name="Group 412">
+              <a:extLst>
+                <a:ext uri="{FF2B5EF4-FFF2-40B4-BE49-F238E27FC236}">
+                  <a16:creationId xmlns:a16="http://schemas.microsoft.com/office/drawing/2014/main" id="{C1D1131E-9C93-8907-6535-E41E7B66E86C}"/>
+                </a:ext>
+              </a:extLst>
+            </p:cNvPr>
+            <p:cNvGrpSpPr/>
+            <p:nvPr/>
+          </p:nvGrpSpPr>
+          <p:grpSpPr>
+            <a:xfrm>
+              <a:off x="4470015" y="302171"/>
+              <a:ext cx="2970079" cy="4792136"/>
+              <a:chOff x="4470015" y="216446"/>
+              <a:chExt cx="2970079" cy="4792136"/>
+            </a:xfrm>
+          </p:grpSpPr>
+          <p:grpSp>
+            <p:nvGrpSpPr>
+              <p:cNvPr id="411" name="Group 410">
+                <a:extLst>
+                  <a:ext uri="{FF2B5EF4-FFF2-40B4-BE49-F238E27FC236}">
+                    <a16:creationId xmlns:a16="http://schemas.microsoft.com/office/drawing/2014/main" id="{2D54A503-E5DF-9E9E-48FD-B87111CF9D8C}"/>
+                  </a:ext>
+                </a:extLst>
+              </p:cNvPr>
+              <p:cNvGrpSpPr/>
+              <p:nvPr/>
+            </p:nvGrpSpPr>
+            <p:grpSpPr>
+              <a:xfrm>
+                <a:off x="4519004" y="276345"/>
+                <a:ext cx="2921090" cy="4732237"/>
+                <a:chOff x="4423754" y="276345"/>
+                <a:chExt cx="2921090" cy="4732237"/>
+              </a:xfrm>
+            </p:grpSpPr>
+            <p:grpSp>
+              <p:nvGrpSpPr>
+                <p:cNvPr id="410" name="Group 409">
+                  <a:extLst>
+                    <a:ext uri="{FF2B5EF4-FFF2-40B4-BE49-F238E27FC236}">
+                      <a16:creationId xmlns:a16="http://schemas.microsoft.com/office/drawing/2014/main" id="{89A0D433-B7D6-F8AD-F4C3-D34C1917B652}"/>
+                    </a:ext>
+                  </a:extLst>
+                </p:cNvPr>
+                <p:cNvGrpSpPr/>
+                <p:nvPr/>
+              </p:nvGrpSpPr>
+              <p:grpSpPr>
+                <a:xfrm>
+                  <a:off x="4423754" y="276345"/>
+                  <a:ext cx="2921090" cy="4732237"/>
+                  <a:chOff x="4423754" y="276345"/>
+                  <a:chExt cx="2921090" cy="4732237"/>
+                </a:xfrm>
+              </p:grpSpPr>
+              <p:grpSp>
+                <p:nvGrpSpPr>
+                  <p:cNvPr id="409" name="Group 408">
+                    <a:extLst>
+                      <a:ext uri="{FF2B5EF4-FFF2-40B4-BE49-F238E27FC236}">
+                        <a16:creationId xmlns:a16="http://schemas.microsoft.com/office/drawing/2014/main" id="{C76AD50C-3FC5-9CF1-51DE-9A18FAC98AC1}"/>
+                      </a:ext>
+                    </a:extLst>
+                  </p:cNvPr>
+                  <p:cNvGrpSpPr/>
+                  <p:nvPr/>
+                </p:nvGrpSpPr>
+                <p:grpSpPr>
+                  <a:xfrm>
+                    <a:off x="4445159" y="2500293"/>
+                    <a:ext cx="2899685" cy="2508289"/>
+                    <a:chOff x="4445159" y="2500293"/>
+                    <a:chExt cx="2899685" cy="2508289"/>
+                  </a:xfrm>
+                </p:grpSpPr>
+                <p:pic>
+                  <p:nvPicPr>
+                    <p:cNvPr id="396" name="Picture 395">
+                      <a:extLst>
+                        <a:ext uri="{FF2B5EF4-FFF2-40B4-BE49-F238E27FC236}">
+                          <a16:creationId xmlns:a16="http://schemas.microsoft.com/office/drawing/2014/main" id="{4E2859FE-1760-2667-26B4-E33D2D8526B0}"/>
+                        </a:ext>
+                      </a:extLst>
+                    </p:cNvPr>
+                    <p:cNvPicPr>
+                      <a:picLocks noChangeAspect="1"/>
+                    </p:cNvPicPr>
+                    <p:nvPr/>
+                  </p:nvPicPr>
+                  <p:blipFill rotWithShape="1">
+                    <a:blip r:embed="rId6"/>
+                    <a:srcRect l="840" r="7473"/>
+                    <a:stretch/>
+                  </p:blipFill>
+                  <p:spPr>
+                    <a:xfrm>
+                      <a:off x="4445159" y="2608282"/>
+                      <a:ext cx="2812086" cy="2400300"/>
+                    </a:xfrm>
+                    <a:prstGeom prst="rect">
+                      <a:avLst/>
+                    </a:prstGeom>
+                  </p:spPr>
+                </p:pic>
+                <p:sp>
+                  <p:nvSpPr>
+                    <p:cNvPr id="362" name="文本框 9">
+                      <a:extLst>
+                        <a:ext uri="{FF2B5EF4-FFF2-40B4-BE49-F238E27FC236}">
+                          <a16:creationId xmlns:a16="http://schemas.microsoft.com/office/drawing/2014/main" id="{34C547BF-123F-8DE7-DECA-963F4BD82056}"/>
+                        </a:ext>
+                      </a:extLst>
+                    </p:cNvPr>
+                    <p:cNvSpPr txBox="1"/>
+                    <p:nvPr/>
+                  </p:nvSpPr>
+                  <p:spPr>
+                    <a:xfrm>
+                      <a:off x="4967582" y="2500293"/>
+                      <a:ext cx="2221305" cy="338554"/>
+                    </a:xfrm>
+                    <a:prstGeom prst="rect">
+                      <a:avLst/>
+                    </a:prstGeom>
+                    <a:noFill/>
+                    <a:ln>
+                      <a:noFill/>
+                    </a:ln>
+                  </p:spPr>
+                  <p:txBody>
+                    <a:bodyPr wrap="square" rtlCol="0">
+                      <a:spAutoFit/>
+                    </a:bodyPr>
+                    <a:lstStyle/>
+                    <a:p>
+                      <a:pPr algn="ctr"/>
+                      <a:r>
+                        <a:rPr lang="en-US" altLang="zh-CN" sz="1600" dirty="0">
+                          <a:latin typeface="Calibri" panose="020F0502020204030204" pitchFamily="34" charset="0"/>
+                          <a:cs typeface="Calibri" panose="020F0502020204030204" pitchFamily="34" charset="0"/>
+                        </a:rPr>
+                        <a:t>Velocities in </a:t>
+                      </a:r>
+                      <a:r>
+                        <a:rPr lang="en-US" altLang="zh-CN" sz="1600" i="1" dirty="0">
+                          <a:latin typeface="Calibri" panose="020F0502020204030204" pitchFamily="34" charset="0"/>
+                          <a:cs typeface="Calibri" panose="020F0502020204030204" pitchFamily="34" charset="0"/>
+                        </a:rPr>
+                        <a:t>y</a:t>
+                      </a:r>
+                      <a:r>
+                        <a:rPr lang="en-US" altLang="zh-CN" sz="1600" dirty="0">
+                          <a:latin typeface="Calibri" panose="020F0502020204030204" pitchFamily="34" charset="0"/>
+                          <a:cs typeface="Calibri" panose="020F0502020204030204" pitchFamily="34" charset="0"/>
+                        </a:rPr>
+                        <a:t> direction</a:t>
+                      </a:r>
+                      <a:endParaRPr lang="zh-CN" altLang="en-US" sz="1600" dirty="0">
+                        <a:latin typeface="Calibri" panose="020F0502020204030204" pitchFamily="34" charset="0"/>
+                        <a:cs typeface="Calibri" panose="020F0502020204030204" pitchFamily="34" charset="0"/>
+                      </a:endParaRPr>
+                    </a:p>
+                  </p:txBody>
+                </p:sp>
+                <p:grpSp>
+                  <p:nvGrpSpPr>
+                    <p:cNvPr id="397" name="Group 396">
+                      <a:extLst>
+                        <a:ext uri="{FF2B5EF4-FFF2-40B4-BE49-F238E27FC236}">
+                          <a16:creationId xmlns:a16="http://schemas.microsoft.com/office/drawing/2014/main" id="{80C5289E-732B-923B-C1AE-55A35E35A705}"/>
+                        </a:ext>
+                      </a:extLst>
+                    </p:cNvPr>
+                    <p:cNvGrpSpPr/>
+                    <p:nvPr/>
+                  </p:nvGrpSpPr>
+                  <p:grpSpPr>
+                    <a:xfrm>
+                      <a:off x="4981656" y="4424885"/>
+                      <a:ext cx="2363188" cy="307777"/>
+                      <a:chOff x="4995798" y="4310585"/>
+                      <a:chExt cx="2363188" cy="307777"/>
+                    </a:xfrm>
+                  </p:grpSpPr>
+                  <p:grpSp>
+                    <p:nvGrpSpPr>
+                      <p:cNvPr id="349" name="Group 348">
+                        <a:extLst>
+                          <a:ext uri="{FF2B5EF4-FFF2-40B4-BE49-F238E27FC236}">
+                            <a16:creationId xmlns:a16="http://schemas.microsoft.com/office/drawing/2014/main" id="{6FF64147-9671-9C48-0E25-130492E68A1D}"/>
+                          </a:ext>
+                        </a:extLst>
+                      </p:cNvPr>
+                      <p:cNvGrpSpPr/>
+                      <p:nvPr/>
+                    </p:nvGrpSpPr>
+                    <p:grpSpPr>
+                      <a:xfrm>
+                        <a:off x="4995798" y="4310585"/>
+                        <a:ext cx="827750" cy="307777"/>
+                        <a:chOff x="5433443" y="4249705"/>
+                        <a:chExt cx="826516" cy="307777"/>
+                      </a:xfrm>
+                    </p:grpSpPr>
+                    <p:cxnSp>
+                      <p:nvCxnSpPr>
+                        <p:cNvPr id="356" name="Straight Connector 355">
+                          <a:extLst>
+                            <a:ext uri="{FF2B5EF4-FFF2-40B4-BE49-F238E27FC236}">
+                              <a16:creationId xmlns:a16="http://schemas.microsoft.com/office/drawing/2014/main" id="{D0CF5FD6-8F2F-1CC9-D5D0-D6FF2C83B19E}"/>
+                            </a:ext>
+                          </a:extLst>
+                        </p:cNvPr>
+                        <p:cNvCxnSpPr>
+                          <a:cxnSpLocks/>
+                        </p:cNvCxnSpPr>
+                        <p:nvPr/>
+                      </p:nvCxnSpPr>
+                      <p:spPr>
+                        <a:xfrm>
+                          <a:off x="5433443" y="4397729"/>
+                          <a:ext cx="251021" cy="0"/>
+                        </a:xfrm>
+                        <a:prstGeom prst="line">
+                          <a:avLst/>
+                        </a:prstGeom>
+                        <a:ln w="19050">
+                          <a:solidFill>
+                            <a:srgbClr val="0A00F5"/>
+                          </a:solidFill>
+                        </a:ln>
+                      </p:spPr>
+                      <p:style>
+                        <a:lnRef idx="1">
+                          <a:schemeClr val="accent1"/>
+                        </a:lnRef>
+                        <a:fillRef idx="0">
+                          <a:schemeClr val="accent1"/>
+                        </a:fillRef>
+                        <a:effectRef idx="0">
+                          <a:schemeClr val="accent1"/>
+                        </a:effectRef>
+                        <a:fontRef idx="minor">
+                          <a:schemeClr val="tx1"/>
+                        </a:fontRef>
+                      </p:style>
+                    </p:cxnSp>
+                    <p:sp>
+                      <p:nvSpPr>
+                        <p:cNvPr id="357" name="文本框 9">
+                          <a:extLst>
+                            <a:ext uri="{FF2B5EF4-FFF2-40B4-BE49-F238E27FC236}">
+                              <a16:creationId xmlns:a16="http://schemas.microsoft.com/office/drawing/2014/main" id="{26E36D16-F10E-063C-4887-37CAD621824A}"/>
+                            </a:ext>
+                          </a:extLst>
+                        </p:cNvPr>
+                        <p:cNvSpPr txBox="1"/>
+                        <p:nvPr/>
+                      </p:nvSpPr>
+                      <p:spPr>
+                        <a:xfrm>
+                          <a:off x="5585564" y="4249705"/>
+                          <a:ext cx="674395" cy="307777"/>
+                        </a:xfrm>
+                        <a:prstGeom prst="rect">
+                          <a:avLst/>
+                        </a:prstGeom>
+                        <a:noFill/>
+                        <a:ln>
+                          <a:noFill/>
+                        </a:ln>
+                      </p:spPr>
+                      <p:txBody>
+                        <a:bodyPr wrap="square" rtlCol="0">
+                          <a:spAutoFit/>
+                        </a:bodyPr>
+                        <a:lstStyle/>
+                        <a:p>
+                          <a:pPr algn="ctr"/>
+                          <a:r>
+                            <a:rPr lang="en-US" altLang="zh-CN" sz="1400" dirty="0">
+                              <a:latin typeface="Calibri" panose="020F0502020204030204" pitchFamily="34" charset="0"/>
+                              <a:cs typeface="Calibri" panose="020F0502020204030204" pitchFamily="34" charset="0"/>
+                            </a:rPr>
+                            <a:t>Raster</a:t>
+                          </a:r>
+                          <a:endParaRPr lang="zh-CN" altLang="en-US" sz="1400" dirty="0">
+                            <a:latin typeface="Calibri" panose="020F0502020204030204" pitchFamily="34" charset="0"/>
+                            <a:cs typeface="Calibri" panose="020F0502020204030204" pitchFamily="34" charset="0"/>
+                          </a:endParaRPr>
+                        </a:p>
+                      </p:txBody>
+                    </p:sp>
+                  </p:grpSp>
+                  <p:grpSp>
+                    <p:nvGrpSpPr>
+                      <p:cNvPr id="350" name="Group 349">
+                        <a:extLst>
+                          <a:ext uri="{FF2B5EF4-FFF2-40B4-BE49-F238E27FC236}">
+                            <a16:creationId xmlns:a16="http://schemas.microsoft.com/office/drawing/2014/main" id="{68D6BB7F-EEE7-2EF8-596D-A46384A44719}"/>
+                          </a:ext>
+                        </a:extLst>
+                      </p:cNvPr>
+                      <p:cNvGrpSpPr/>
+                      <p:nvPr/>
+                    </p:nvGrpSpPr>
+                    <p:grpSpPr>
+                      <a:xfrm>
+                        <a:off x="5808217" y="4310585"/>
+                        <a:ext cx="806694" cy="307777"/>
+                        <a:chOff x="6178525" y="4249705"/>
+                        <a:chExt cx="805490" cy="307777"/>
+                      </a:xfrm>
+                    </p:grpSpPr>
+                    <p:cxnSp>
+                      <p:nvCxnSpPr>
+                        <p:cNvPr id="354" name="Straight Connector 353">
+                          <a:extLst>
+                            <a:ext uri="{FF2B5EF4-FFF2-40B4-BE49-F238E27FC236}">
+                              <a16:creationId xmlns:a16="http://schemas.microsoft.com/office/drawing/2014/main" id="{93127DE2-7B18-57FD-A058-E9D5EF2F4EF2}"/>
+                            </a:ext>
+                          </a:extLst>
+                        </p:cNvPr>
+                        <p:cNvCxnSpPr>
+                          <a:cxnSpLocks/>
+                        </p:cNvCxnSpPr>
+                        <p:nvPr/>
+                      </p:nvCxnSpPr>
+                      <p:spPr>
+                        <a:xfrm>
+                          <a:off x="6178525" y="4397729"/>
+                          <a:ext cx="251021" cy="0"/>
+                        </a:xfrm>
+                        <a:prstGeom prst="line">
+                          <a:avLst/>
+                        </a:prstGeom>
+                        <a:ln w="19050">
+                          <a:solidFill>
+                            <a:srgbClr val="FF0000"/>
+                          </a:solidFill>
+                        </a:ln>
+                      </p:spPr>
+                      <p:style>
+                        <a:lnRef idx="1">
+                          <a:schemeClr val="accent1"/>
+                        </a:lnRef>
+                        <a:fillRef idx="0">
+                          <a:schemeClr val="accent1"/>
+                        </a:fillRef>
+                        <a:effectRef idx="0">
+                          <a:schemeClr val="accent1"/>
+                        </a:effectRef>
+                        <a:fontRef idx="minor">
+                          <a:schemeClr val="tx1"/>
+                        </a:fontRef>
+                      </p:style>
+                    </p:cxnSp>
+                    <p:sp>
+                      <p:nvSpPr>
+                        <p:cNvPr id="355" name="文本框 9">
+                          <a:extLst>
+                            <a:ext uri="{FF2B5EF4-FFF2-40B4-BE49-F238E27FC236}">
+                              <a16:creationId xmlns:a16="http://schemas.microsoft.com/office/drawing/2014/main" id="{A75A07B0-F862-5153-6487-45858DF92CFC}"/>
+                            </a:ext>
+                          </a:extLst>
+                        </p:cNvPr>
+                        <p:cNvSpPr txBox="1"/>
+                        <p:nvPr/>
+                      </p:nvSpPr>
+                      <p:spPr>
+                        <a:xfrm>
+                          <a:off x="6309620" y="4249705"/>
+                          <a:ext cx="674395" cy="307777"/>
+                        </a:xfrm>
+                        <a:prstGeom prst="rect">
+                          <a:avLst/>
+                        </a:prstGeom>
+                        <a:noFill/>
+                        <a:ln>
+                          <a:noFill/>
+                        </a:ln>
+                      </p:spPr>
+                      <p:txBody>
+                        <a:bodyPr wrap="square" rtlCol="0">
+                          <a:spAutoFit/>
+                        </a:bodyPr>
+                        <a:lstStyle/>
+                        <a:p>
+                          <a:pPr algn="ctr"/>
+                          <a:r>
+                            <a:rPr lang="en-US" altLang="zh-CN" sz="1400" dirty="0">
+                              <a:latin typeface="Calibri" panose="020F0502020204030204" pitchFamily="34" charset="0"/>
+                              <a:cs typeface="Calibri" panose="020F0502020204030204" pitchFamily="34" charset="0"/>
+                            </a:rPr>
+                            <a:t>Maze</a:t>
+                          </a:r>
+                          <a:endParaRPr lang="zh-CN" altLang="en-US" sz="1400" dirty="0">
+                            <a:latin typeface="Calibri" panose="020F0502020204030204" pitchFamily="34" charset="0"/>
+                            <a:cs typeface="Calibri" panose="020F0502020204030204" pitchFamily="34" charset="0"/>
+                          </a:endParaRPr>
+                        </a:p>
+                      </p:txBody>
+                    </p:sp>
+                  </p:grpSp>
+                  <p:grpSp>
+                    <p:nvGrpSpPr>
+                      <p:cNvPr id="351" name="Group 350">
+                        <a:extLst>
+                          <a:ext uri="{FF2B5EF4-FFF2-40B4-BE49-F238E27FC236}">
+                            <a16:creationId xmlns:a16="http://schemas.microsoft.com/office/drawing/2014/main" id="{75BC9875-D6F4-D26D-C2E5-0D29DCAF1551}"/>
+                          </a:ext>
+                        </a:extLst>
+                      </p:cNvPr>
+                      <p:cNvGrpSpPr/>
+                      <p:nvPr/>
+                    </p:nvGrpSpPr>
+                    <p:grpSpPr>
+                      <a:xfrm>
+                        <a:off x="6599580" y="4310585"/>
+                        <a:ext cx="759406" cy="307777"/>
+                        <a:chOff x="6923607" y="4249705"/>
+                        <a:chExt cx="758274" cy="307777"/>
+                      </a:xfrm>
+                    </p:grpSpPr>
+                    <p:cxnSp>
+                      <p:nvCxnSpPr>
+                        <p:cNvPr id="352" name="Straight Connector 351">
+                          <a:extLst>
+                            <a:ext uri="{FF2B5EF4-FFF2-40B4-BE49-F238E27FC236}">
+                              <a16:creationId xmlns:a16="http://schemas.microsoft.com/office/drawing/2014/main" id="{D46177B7-C128-F199-E78C-EA1F830FCD69}"/>
+                            </a:ext>
+                          </a:extLst>
+                        </p:cNvPr>
+                        <p:cNvCxnSpPr>
+                          <a:cxnSpLocks/>
+                        </p:cNvCxnSpPr>
+                        <p:nvPr/>
+                      </p:nvCxnSpPr>
+                      <p:spPr>
+                        <a:xfrm>
+                          <a:off x="6923607" y="4397729"/>
+                          <a:ext cx="251021" cy="0"/>
+                        </a:xfrm>
+                        <a:prstGeom prst="line">
+                          <a:avLst/>
+                        </a:prstGeom>
+                        <a:ln w="19050">
+                          <a:solidFill>
+                            <a:srgbClr val="BEBE00"/>
+                          </a:solidFill>
+                        </a:ln>
+                      </p:spPr>
+                      <p:style>
+                        <a:lnRef idx="1">
+                          <a:schemeClr val="accent1"/>
+                        </a:lnRef>
+                        <a:fillRef idx="0">
+                          <a:schemeClr val="accent1"/>
+                        </a:fillRef>
+                        <a:effectRef idx="0">
+                          <a:schemeClr val="accent1"/>
+                        </a:effectRef>
+                        <a:fontRef idx="minor">
+                          <a:schemeClr val="tx1"/>
+                        </a:fontRef>
+                      </p:style>
+                    </p:cxnSp>
+                    <p:sp>
+                      <p:nvSpPr>
+                        <p:cNvPr id="353" name="文本框 9">
+                          <a:extLst>
+                            <a:ext uri="{FF2B5EF4-FFF2-40B4-BE49-F238E27FC236}">
+                              <a16:creationId xmlns:a16="http://schemas.microsoft.com/office/drawing/2014/main" id="{0F9FDA67-E811-6F4A-3E4C-629C11E86AF8}"/>
+                            </a:ext>
+                          </a:extLst>
+                        </p:cNvPr>
+                        <p:cNvSpPr txBox="1"/>
+                        <p:nvPr/>
+                      </p:nvSpPr>
+                      <p:spPr>
+                        <a:xfrm>
+                          <a:off x="7007486" y="4249705"/>
+                          <a:ext cx="674395" cy="307777"/>
+                        </a:xfrm>
+                        <a:prstGeom prst="rect">
+                          <a:avLst/>
+                        </a:prstGeom>
+                        <a:noFill/>
+                        <a:ln>
+                          <a:noFill/>
+                        </a:ln>
+                      </p:spPr>
+                      <p:txBody>
+                        <a:bodyPr wrap="square" rtlCol="0">
+                          <a:spAutoFit/>
+                        </a:bodyPr>
+                        <a:lstStyle/>
+                        <a:p>
+                          <a:pPr algn="ctr"/>
+                          <a:r>
+                            <a:rPr lang="en-US" altLang="zh-CN" sz="1400" dirty="0">
+                              <a:latin typeface="Calibri" panose="020F0502020204030204" pitchFamily="34" charset="0"/>
+                              <a:cs typeface="Calibri" panose="020F0502020204030204" pitchFamily="34" charset="0"/>
+                            </a:rPr>
+                            <a:t>RAP</a:t>
+                          </a:r>
+                          <a:endParaRPr lang="zh-CN" altLang="en-US" sz="1400" dirty="0">
+                            <a:latin typeface="Calibri" panose="020F0502020204030204" pitchFamily="34" charset="0"/>
+                            <a:cs typeface="Calibri" panose="020F0502020204030204" pitchFamily="34" charset="0"/>
+                          </a:endParaRPr>
+                        </a:p>
+                      </p:txBody>
+                    </p:sp>
+                  </p:grpSp>
+                </p:grpSp>
+              </p:grpSp>
+              <p:grpSp>
+                <p:nvGrpSpPr>
+                  <p:cNvPr id="408" name="Group 407">
+                    <a:extLst>
+                      <a:ext uri="{FF2B5EF4-FFF2-40B4-BE49-F238E27FC236}">
+                        <a16:creationId xmlns:a16="http://schemas.microsoft.com/office/drawing/2014/main" id="{D4BE1EC2-3238-ECE2-B54F-E85FF86C0B8E}"/>
+                      </a:ext>
+                    </a:extLst>
+                  </p:cNvPr>
+                  <p:cNvGrpSpPr/>
+                  <p:nvPr/>
+                </p:nvGrpSpPr>
+                <p:grpSpPr>
+                  <a:xfrm>
+                    <a:off x="4423754" y="276345"/>
+                    <a:ext cx="2921090" cy="2256295"/>
+                    <a:chOff x="4423754" y="276345"/>
+                    <a:chExt cx="2921090" cy="2256295"/>
+                  </a:xfrm>
+                </p:grpSpPr>
+                <p:pic>
+                  <p:nvPicPr>
+                    <p:cNvPr id="394" name="Picture 393">
+                      <a:extLst>
+                        <a:ext uri="{FF2B5EF4-FFF2-40B4-BE49-F238E27FC236}">
+                          <a16:creationId xmlns:a16="http://schemas.microsoft.com/office/drawing/2014/main" id="{DDB1BECD-C161-A6BC-0592-965936DB23AA}"/>
+                        </a:ext>
+                      </a:extLst>
+                    </p:cNvPr>
+                    <p:cNvPicPr>
+                      <a:picLocks noChangeAspect="1"/>
+                    </p:cNvPicPr>
+                    <p:nvPr/>
+                  </p:nvPicPr>
+                  <p:blipFill rotWithShape="1">
+                    <a:blip r:embed="rId7"/>
+                    <a:srcRect r="8313" b="9864"/>
+                    <a:stretch/>
+                  </p:blipFill>
+                  <p:spPr>
+                    <a:xfrm>
+                      <a:off x="4423754" y="369120"/>
+                      <a:ext cx="2812086" cy="2163520"/>
+                    </a:xfrm>
+                    <a:prstGeom prst="rect">
+                      <a:avLst/>
+                    </a:prstGeom>
+                  </p:spPr>
+                </p:pic>
+                <p:sp>
+                  <p:nvSpPr>
+                    <p:cNvPr id="361" name="文本框 9">
+                      <a:extLst>
+                        <a:ext uri="{FF2B5EF4-FFF2-40B4-BE49-F238E27FC236}">
+                          <a16:creationId xmlns:a16="http://schemas.microsoft.com/office/drawing/2014/main" id="{74B2A516-30FA-FAC1-81B5-C149F86A26B1}"/>
+                        </a:ext>
+                      </a:extLst>
+                    </p:cNvPr>
+                    <p:cNvSpPr txBox="1"/>
+                    <p:nvPr/>
+                  </p:nvSpPr>
+                  <p:spPr>
+                    <a:xfrm>
+                      <a:off x="4954815" y="276345"/>
+                      <a:ext cx="2242516" cy="338554"/>
+                    </a:xfrm>
+                    <a:prstGeom prst="rect">
+                      <a:avLst/>
+                    </a:prstGeom>
+                    <a:noFill/>
+                    <a:ln>
+                      <a:noFill/>
+                    </a:ln>
+                  </p:spPr>
+                  <p:txBody>
+                    <a:bodyPr wrap="square" rtlCol="0">
+                      <a:spAutoFit/>
+                    </a:bodyPr>
+                    <a:lstStyle/>
+                    <a:p>
+                      <a:pPr algn="ctr"/>
+                      <a:r>
+                        <a:rPr lang="en-US" altLang="zh-CN" sz="1600" dirty="0">
+                          <a:latin typeface="Calibri" panose="020F0502020204030204" pitchFamily="34" charset="0"/>
+                          <a:cs typeface="Calibri" panose="020F0502020204030204" pitchFamily="34" charset="0"/>
+                        </a:rPr>
+                        <a:t>Velocities in </a:t>
+                      </a:r>
+                      <a:r>
+                        <a:rPr lang="en-US" altLang="zh-CN" sz="1600" i="1" dirty="0">
+                          <a:latin typeface="Calibri" panose="020F0502020204030204" pitchFamily="34" charset="0"/>
+                          <a:cs typeface="Calibri" panose="020F0502020204030204" pitchFamily="34" charset="0"/>
+                        </a:rPr>
+                        <a:t>x</a:t>
+                      </a:r>
+                      <a:r>
+                        <a:rPr lang="en-US" altLang="zh-CN" sz="1600" dirty="0">
+                          <a:latin typeface="Calibri" panose="020F0502020204030204" pitchFamily="34" charset="0"/>
+                          <a:cs typeface="Calibri" panose="020F0502020204030204" pitchFamily="34" charset="0"/>
+                        </a:rPr>
+                        <a:t> direction</a:t>
+                      </a:r>
+                      <a:endParaRPr lang="zh-CN" altLang="en-US" sz="1600" dirty="0">
+                        <a:latin typeface="Calibri" panose="020F0502020204030204" pitchFamily="34" charset="0"/>
+                        <a:cs typeface="Calibri" panose="020F0502020204030204" pitchFamily="34" charset="0"/>
+                      </a:endParaRPr>
+                    </a:p>
+                  </p:txBody>
+                </p:sp>
+                <p:grpSp>
+                  <p:nvGrpSpPr>
+                    <p:cNvPr id="398" name="Group 397">
+                      <a:extLst>
+                        <a:ext uri="{FF2B5EF4-FFF2-40B4-BE49-F238E27FC236}">
+                          <a16:creationId xmlns:a16="http://schemas.microsoft.com/office/drawing/2014/main" id="{070E85F3-3A14-F001-5CA9-844869EF56D8}"/>
+                        </a:ext>
+                      </a:extLst>
+                    </p:cNvPr>
+                    <p:cNvGrpSpPr/>
+                    <p:nvPr/>
+                  </p:nvGrpSpPr>
+                  <p:grpSpPr>
+                    <a:xfrm>
+                      <a:off x="4981656" y="2167395"/>
+                      <a:ext cx="2363188" cy="307777"/>
+                      <a:chOff x="4995798" y="4310585"/>
+                      <a:chExt cx="2363188" cy="307777"/>
+                    </a:xfrm>
+                  </p:grpSpPr>
+                  <p:grpSp>
+                    <p:nvGrpSpPr>
+                      <p:cNvPr id="399" name="Group 398">
+                        <a:extLst>
+                          <a:ext uri="{FF2B5EF4-FFF2-40B4-BE49-F238E27FC236}">
+                            <a16:creationId xmlns:a16="http://schemas.microsoft.com/office/drawing/2014/main" id="{EC83A912-26A2-28EF-7125-31281233105E}"/>
+                          </a:ext>
+                        </a:extLst>
+                      </p:cNvPr>
+                      <p:cNvGrpSpPr/>
+                      <p:nvPr/>
+                    </p:nvGrpSpPr>
+                    <p:grpSpPr>
+                      <a:xfrm>
+                        <a:off x="4995798" y="4310585"/>
+                        <a:ext cx="827750" cy="307777"/>
+                        <a:chOff x="5433443" y="4249705"/>
+                        <a:chExt cx="826516" cy="307777"/>
+                      </a:xfrm>
+                    </p:grpSpPr>
+                    <p:cxnSp>
+                      <p:nvCxnSpPr>
+                        <p:cNvPr id="406" name="Straight Connector 405">
+                          <a:extLst>
+                            <a:ext uri="{FF2B5EF4-FFF2-40B4-BE49-F238E27FC236}">
+                              <a16:creationId xmlns:a16="http://schemas.microsoft.com/office/drawing/2014/main" id="{0DCB7562-D606-A01F-4023-A01C49136651}"/>
+                            </a:ext>
+                          </a:extLst>
+                        </p:cNvPr>
+                        <p:cNvCxnSpPr>
+                          <a:cxnSpLocks/>
+                        </p:cNvCxnSpPr>
+                        <p:nvPr/>
+                      </p:nvCxnSpPr>
+                      <p:spPr>
+                        <a:xfrm>
+                          <a:off x="5433443" y="4397729"/>
+                          <a:ext cx="251021" cy="0"/>
+                        </a:xfrm>
+                        <a:prstGeom prst="line">
+                          <a:avLst/>
+                        </a:prstGeom>
+                        <a:ln w="19050">
+                          <a:solidFill>
+                            <a:srgbClr val="0A00F5"/>
+                          </a:solidFill>
+                        </a:ln>
+                      </p:spPr>
+                      <p:style>
+                        <a:lnRef idx="1">
+                          <a:schemeClr val="accent1"/>
+                        </a:lnRef>
+                        <a:fillRef idx="0">
+                          <a:schemeClr val="accent1"/>
+                        </a:fillRef>
+                        <a:effectRef idx="0">
+                          <a:schemeClr val="accent1"/>
+                        </a:effectRef>
+                        <a:fontRef idx="minor">
+                          <a:schemeClr val="tx1"/>
+                        </a:fontRef>
+                      </p:style>
+                    </p:cxnSp>
+                    <p:sp>
+                      <p:nvSpPr>
+                        <p:cNvPr id="407" name="文本框 9">
+                          <a:extLst>
+                            <a:ext uri="{FF2B5EF4-FFF2-40B4-BE49-F238E27FC236}">
+                              <a16:creationId xmlns:a16="http://schemas.microsoft.com/office/drawing/2014/main" id="{B97270B3-3BA8-6BCD-B5C8-AAB215977D62}"/>
+                            </a:ext>
+                          </a:extLst>
+                        </p:cNvPr>
+                        <p:cNvSpPr txBox="1"/>
+                        <p:nvPr/>
+                      </p:nvSpPr>
+                      <p:spPr>
+                        <a:xfrm>
+                          <a:off x="5585564" y="4249705"/>
+                          <a:ext cx="674395" cy="307777"/>
+                        </a:xfrm>
+                        <a:prstGeom prst="rect">
+                          <a:avLst/>
+                        </a:prstGeom>
+                        <a:noFill/>
+                        <a:ln>
+                          <a:noFill/>
+                        </a:ln>
+                      </p:spPr>
+                      <p:txBody>
+                        <a:bodyPr wrap="square" rtlCol="0">
+                          <a:spAutoFit/>
+                        </a:bodyPr>
+                        <a:lstStyle/>
+                        <a:p>
+                          <a:pPr algn="ctr"/>
+                          <a:r>
+                            <a:rPr lang="en-US" altLang="zh-CN" sz="1400" dirty="0">
+                              <a:latin typeface="Calibri" panose="020F0502020204030204" pitchFamily="34" charset="0"/>
+                              <a:cs typeface="Calibri" panose="020F0502020204030204" pitchFamily="34" charset="0"/>
+                            </a:rPr>
+                            <a:t>Raster</a:t>
+                          </a:r>
+                          <a:endParaRPr lang="zh-CN" altLang="en-US" sz="1400" dirty="0">
+                            <a:latin typeface="Calibri" panose="020F0502020204030204" pitchFamily="34" charset="0"/>
+                            <a:cs typeface="Calibri" panose="020F0502020204030204" pitchFamily="34" charset="0"/>
+                          </a:endParaRPr>
+                        </a:p>
+                      </p:txBody>
+                    </p:sp>
+                  </p:grpSp>
+                  <p:grpSp>
+                    <p:nvGrpSpPr>
+                      <p:cNvPr id="400" name="Group 399">
+                        <a:extLst>
+                          <a:ext uri="{FF2B5EF4-FFF2-40B4-BE49-F238E27FC236}">
+                            <a16:creationId xmlns:a16="http://schemas.microsoft.com/office/drawing/2014/main" id="{467C887D-5C88-716A-7105-285BC661A3F0}"/>
+                          </a:ext>
+                        </a:extLst>
+                      </p:cNvPr>
+                      <p:cNvGrpSpPr/>
+                      <p:nvPr/>
+                    </p:nvGrpSpPr>
+                    <p:grpSpPr>
+                      <a:xfrm>
+                        <a:off x="5808217" y="4310585"/>
+                        <a:ext cx="806694" cy="307777"/>
+                        <a:chOff x="6178525" y="4249705"/>
+                        <a:chExt cx="805490" cy="307777"/>
+                      </a:xfrm>
+                    </p:grpSpPr>
+                    <p:cxnSp>
+                      <p:nvCxnSpPr>
+                        <p:cNvPr id="404" name="Straight Connector 403">
+                          <a:extLst>
+                            <a:ext uri="{FF2B5EF4-FFF2-40B4-BE49-F238E27FC236}">
+                              <a16:creationId xmlns:a16="http://schemas.microsoft.com/office/drawing/2014/main" id="{6AE00896-AA58-2D22-D4AD-0C59E26E8DE3}"/>
+                            </a:ext>
+                          </a:extLst>
+                        </p:cNvPr>
+                        <p:cNvCxnSpPr>
+                          <a:cxnSpLocks/>
+                        </p:cNvCxnSpPr>
+                        <p:nvPr/>
+                      </p:nvCxnSpPr>
+                      <p:spPr>
+                        <a:xfrm>
+                          <a:off x="6178525" y="4397729"/>
+                          <a:ext cx="251021" cy="0"/>
+                        </a:xfrm>
+                        <a:prstGeom prst="line">
+                          <a:avLst/>
+                        </a:prstGeom>
+                        <a:ln w="19050">
+                          <a:solidFill>
+                            <a:srgbClr val="FF0000"/>
+                          </a:solidFill>
+                        </a:ln>
+                      </p:spPr>
+                      <p:style>
+                        <a:lnRef idx="1">
+                          <a:schemeClr val="accent1"/>
+                        </a:lnRef>
+                        <a:fillRef idx="0">
+                          <a:schemeClr val="accent1"/>
+                        </a:fillRef>
+                        <a:effectRef idx="0">
+                          <a:schemeClr val="accent1"/>
+                        </a:effectRef>
+                        <a:fontRef idx="minor">
+                          <a:schemeClr val="tx1"/>
+                        </a:fontRef>
+                      </p:style>
+                    </p:cxnSp>
+                    <p:sp>
+                      <p:nvSpPr>
+                        <p:cNvPr id="405" name="文本框 9">
+                          <a:extLst>
+                            <a:ext uri="{FF2B5EF4-FFF2-40B4-BE49-F238E27FC236}">
+                              <a16:creationId xmlns:a16="http://schemas.microsoft.com/office/drawing/2014/main" id="{65F192AA-EC41-52E1-99D9-41D3CA772278}"/>
+                            </a:ext>
+                          </a:extLst>
+                        </p:cNvPr>
+                        <p:cNvSpPr txBox="1"/>
+                        <p:nvPr/>
+                      </p:nvSpPr>
+                      <p:spPr>
+                        <a:xfrm>
+                          <a:off x="6309620" y="4249705"/>
+                          <a:ext cx="674395" cy="307777"/>
+                        </a:xfrm>
+                        <a:prstGeom prst="rect">
+                          <a:avLst/>
+                        </a:prstGeom>
+                        <a:noFill/>
+                        <a:ln>
+                          <a:noFill/>
+                        </a:ln>
+                      </p:spPr>
+                      <p:txBody>
+                        <a:bodyPr wrap="square" rtlCol="0">
+                          <a:spAutoFit/>
+                        </a:bodyPr>
+                        <a:lstStyle/>
+                        <a:p>
+                          <a:pPr algn="ctr"/>
+                          <a:r>
+                            <a:rPr lang="en-US" altLang="zh-CN" sz="1400" dirty="0">
+                              <a:latin typeface="Calibri" panose="020F0502020204030204" pitchFamily="34" charset="0"/>
+                              <a:cs typeface="Calibri" panose="020F0502020204030204" pitchFamily="34" charset="0"/>
+                            </a:rPr>
+                            <a:t>Maze</a:t>
+                          </a:r>
+                          <a:endParaRPr lang="zh-CN" altLang="en-US" sz="1400" dirty="0">
+                            <a:latin typeface="Calibri" panose="020F0502020204030204" pitchFamily="34" charset="0"/>
+                            <a:cs typeface="Calibri" panose="020F0502020204030204" pitchFamily="34" charset="0"/>
+                          </a:endParaRPr>
+                        </a:p>
+                      </p:txBody>
+                    </p:sp>
+                  </p:grpSp>
+                  <p:grpSp>
+                    <p:nvGrpSpPr>
+                      <p:cNvPr id="401" name="Group 400">
+                        <a:extLst>
+                          <a:ext uri="{FF2B5EF4-FFF2-40B4-BE49-F238E27FC236}">
+                            <a16:creationId xmlns:a16="http://schemas.microsoft.com/office/drawing/2014/main" id="{22E32A5F-9171-1209-1D76-123AE9CCE1E7}"/>
+                          </a:ext>
+                        </a:extLst>
+                      </p:cNvPr>
+                      <p:cNvGrpSpPr/>
+                      <p:nvPr/>
+                    </p:nvGrpSpPr>
+                    <p:grpSpPr>
+                      <a:xfrm>
+                        <a:off x="6599580" y="4310585"/>
+                        <a:ext cx="759406" cy="307777"/>
+                        <a:chOff x="6923607" y="4249705"/>
+                        <a:chExt cx="758274" cy="307777"/>
+                      </a:xfrm>
+                    </p:grpSpPr>
+                    <p:cxnSp>
+                      <p:nvCxnSpPr>
+                        <p:cNvPr id="402" name="Straight Connector 401">
+                          <a:extLst>
+                            <a:ext uri="{FF2B5EF4-FFF2-40B4-BE49-F238E27FC236}">
+                              <a16:creationId xmlns:a16="http://schemas.microsoft.com/office/drawing/2014/main" id="{859BF4A1-52A7-3F6B-2974-0AC184536964}"/>
+                            </a:ext>
+                          </a:extLst>
+                        </p:cNvPr>
+                        <p:cNvCxnSpPr>
+                          <a:cxnSpLocks/>
+                        </p:cNvCxnSpPr>
+                        <p:nvPr/>
+                      </p:nvCxnSpPr>
+                      <p:spPr>
+                        <a:xfrm>
+                          <a:off x="6923607" y="4397729"/>
+                          <a:ext cx="251021" cy="0"/>
+                        </a:xfrm>
+                        <a:prstGeom prst="line">
+                          <a:avLst/>
+                        </a:prstGeom>
+                        <a:ln w="19050">
+                          <a:solidFill>
+                            <a:srgbClr val="BEBE00"/>
+                          </a:solidFill>
+                        </a:ln>
+                      </p:spPr>
+                      <p:style>
+                        <a:lnRef idx="1">
+                          <a:schemeClr val="accent1"/>
+                        </a:lnRef>
+                        <a:fillRef idx="0">
+                          <a:schemeClr val="accent1"/>
+                        </a:fillRef>
+                        <a:effectRef idx="0">
+                          <a:schemeClr val="accent1"/>
+                        </a:effectRef>
+                        <a:fontRef idx="minor">
+                          <a:schemeClr val="tx1"/>
+                        </a:fontRef>
+                      </p:style>
+                    </p:cxnSp>
+                    <p:sp>
+                      <p:nvSpPr>
+                        <p:cNvPr id="403" name="文本框 9">
+                          <a:extLst>
+                            <a:ext uri="{FF2B5EF4-FFF2-40B4-BE49-F238E27FC236}">
+                              <a16:creationId xmlns:a16="http://schemas.microsoft.com/office/drawing/2014/main" id="{5EDE38A9-CDCC-AE1A-C663-028946949D21}"/>
+                            </a:ext>
+                          </a:extLst>
+                        </p:cNvPr>
+                        <p:cNvSpPr txBox="1"/>
+                        <p:nvPr/>
+                      </p:nvSpPr>
+                      <p:spPr>
+                        <a:xfrm>
+                          <a:off x="7007486" y="4249705"/>
+                          <a:ext cx="674395" cy="307777"/>
+                        </a:xfrm>
+                        <a:prstGeom prst="rect">
+                          <a:avLst/>
+                        </a:prstGeom>
+                        <a:noFill/>
+                        <a:ln>
+                          <a:noFill/>
+                        </a:ln>
+                      </p:spPr>
+                      <p:txBody>
+                        <a:bodyPr wrap="square" rtlCol="0">
+                          <a:spAutoFit/>
+                        </a:bodyPr>
+                        <a:lstStyle/>
+                        <a:p>
+                          <a:pPr algn="ctr"/>
+                          <a:r>
+                            <a:rPr lang="en-US" altLang="zh-CN" sz="1400" dirty="0">
+                              <a:latin typeface="Calibri" panose="020F0502020204030204" pitchFamily="34" charset="0"/>
+                              <a:cs typeface="Calibri" panose="020F0502020204030204" pitchFamily="34" charset="0"/>
+                            </a:rPr>
+                            <a:t>RAP</a:t>
+                          </a:r>
+                          <a:endParaRPr lang="zh-CN" altLang="en-US" sz="1400" dirty="0">
+                            <a:latin typeface="Calibri" panose="020F0502020204030204" pitchFamily="34" charset="0"/>
+                            <a:cs typeface="Calibri" panose="020F0502020204030204" pitchFamily="34" charset="0"/>
+                          </a:endParaRPr>
+                        </a:p>
+                      </p:txBody>
+                    </p:sp>
+                  </p:grpSp>
+                </p:grpSp>
+              </p:grpSp>
+            </p:grpSp>
+            <p:grpSp>
+              <p:nvGrpSpPr>
+                <p:cNvPr id="360" name="Group 359">
+                  <a:extLst>
+                    <a:ext uri="{FF2B5EF4-FFF2-40B4-BE49-F238E27FC236}">
+                      <a16:creationId xmlns:a16="http://schemas.microsoft.com/office/drawing/2014/main" id="{696973D9-38A5-B8BD-B7FB-851B4C06D1B3}"/>
+                    </a:ext>
+                  </a:extLst>
+                </p:cNvPr>
+                <p:cNvGrpSpPr/>
+                <p:nvPr/>
+              </p:nvGrpSpPr>
+              <p:grpSpPr>
+                <a:xfrm>
+                  <a:off x="4954815" y="276345"/>
+                  <a:ext cx="2383679" cy="4405159"/>
+                  <a:chOff x="5382175" y="1738760"/>
+                  <a:chExt cx="2383679" cy="2903471"/>
+                </a:xfrm>
+              </p:grpSpPr>
+              <p:cxnSp>
+                <p:nvCxnSpPr>
+                  <p:cNvPr id="365" name="Straight Arrow Connector 364">
+                    <a:extLst>
+                      <a:ext uri="{FF2B5EF4-FFF2-40B4-BE49-F238E27FC236}">
+                        <a16:creationId xmlns:a16="http://schemas.microsoft.com/office/drawing/2014/main" id="{E47FFEA4-DA8B-6E73-586D-FDB26D7B1EB4}"/>
+                      </a:ext>
+                    </a:extLst>
+                  </p:cNvPr>
+                  <p:cNvCxnSpPr>
+                    <a:cxnSpLocks/>
+                  </p:cNvCxnSpPr>
+                  <p:nvPr/>
+                </p:nvCxnSpPr>
+                <p:spPr>
+                  <a:xfrm>
+                    <a:off x="5385233" y="4642231"/>
+                    <a:ext cx="2380621" cy="0"/>
+                  </a:xfrm>
+                  <a:prstGeom prst="straightConnector1">
+                    <a:avLst/>
+                  </a:prstGeom>
+                  <a:ln w="12700">
+                    <a:solidFill>
+                      <a:schemeClr val="tx1"/>
+                    </a:solidFill>
+                    <a:tailEnd type="triangle"/>
+                  </a:ln>
+                </p:spPr>
+                <p:style>
+                  <a:lnRef idx="1">
+                    <a:schemeClr val="accent1"/>
+                  </a:lnRef>
+                  <a:fillRef idx="0">
+                    <a:schemeClr val="accent1"/>
+                  </a:fillRef>
+                  <a:effectRef idx="0">
+                    <a:schemeClr val="accent1"/>
+                  </a:effectRef>
+                  <a:fontRef idx="minor">
+                    <a:schemeClr val="tx1"/>
+                  </a:fontRef>
+                </p:style>
+              </p:cxnSp>
+              <p:cxnSp>
+                <p:nvCxnSpPr>
+                  <p:cNvPr id="366" name="Straight Arrow Connector 365">
+                    <a:extLst>
+                      <a:ext uri="{FF2B5EF4-FFF2-40B4-BE49-F238E27FC236}">
+                        <a16:creationId xmlns:a16="http://schemas.microsoft.com/office/drawing/2014/main" id="{0F7A9ECC-EACF-6997-EE73-751381699107}"/>
+                      </a:ext>
+                    </a:extLst>
+                  </p:cNvPr>
+                  <p:cNvCxnSpPr>
+                    <a:cxnSpLocks/>
+                  </p:cNvCxnSpPr>
+                  <p:nvPr/>
+                </p:nvCxnSpPr>
+                <p:spPr>
+                  <a:xfrm flipV="1">
+                    <a:off x="5382175" y="1738760"/>
+                    <a:ext cx="0" cy="1536996"/>
+                  </a:xfrm>
+                  <a:prstGeom prst="straightConnector1">
+                    <a:avLst/>
+                  </a:prstGeom>
+                  <a:ln w="12700">
+                    <a:solidFill>
+                      <a:schemeClr val="tx1"/>
+                    </a:solidFill>
+                    <a:tailEnd type="triangle"/>
+                  </a:ln>
+                </p:spPr>
+                <p:style>
+                  <a:lnRef idx="1">
+                    <a:schemeClr val="accent1"/>
+                  </a:lnRef>
+                  <a:fillRef idx="0">
+                    <a:schemeClr val="accent1"/>
+                  </a:fillRef>
+                  <a:effectRef idx="0">
+                    <a:schemeClr val="accent1"/>
+                  </a:effectRef>
+                  <a:fontRef idx="minor">
+                    <a:schemeClr val="tx1"/>
+                  </a:fontRef>
+                </p:style>
+              </p:cxnSp>
+            </p:grpSp>
+          </p:grpSp>
+          <p:sp>
+            <p:nvSpPr>
+              <p:cNvPr id="359" name="文本框 9">
+                <a:extLst>
+                  <a:ext uri="{FF2B5EF4-FFF2-40B4-BE49-F238E27FC236}">
+                    <a16:creationId xmlns:a16="http://schemas.microsoft.com/office/drawing/2014/main" id="{13443929-CE93-EDB3-66C7-F60DAC2ECF64}"/>
+                  </a:ext>
+                </a:extLst>
+              </p:cNvPr>
+              <p:cNvSpPr txBox="1"/>
+              <p:nvPr/>
+            </p:nvSpPr>
+            <p:spPr>
+              <a:xfrm>
+                <a:off x="4470015" y="216446"/>
+                <a:ext cx="384744" cy="338554"/>
+              </a:xfrm>
+              <a:prstGeom prst="rect">
+                <a:avLst/>
+              </a:prstGeom>
+              <a:noFill/>
+              <a:ln>
+                <a:noFill/>
+              </a:ln>
+            </p:spPr>
+            <p:txBody>
+              <a:bodyPr wrap="square" rtlCol="0">
+                <a:spAutoFit/>
+              </a:bodyPr>
+              <a:lstStyle/>
+              <a:p>
+                <a:pPr algn="ctr"/>
+                <a:r>
+                  <a:rPr lang="en-US" altLang="zh-CN" sz="1600" b="1" dirty="0">
+                    <a:latin typeface="Calibri" panose="020F0502020204030204" pitchFamily="34" charset="0"/>
+                    <a:cs typeface="Calibri" panose="020F0502020204030204" pitchFamily="34" charset="0"/>
+                  </a:rPr>
+                  <a:t>(d)</a:t>
+                </a:r>
+                <a:endParaRPr lang="zh-CN" altLang="en-US" sz="1600" b="1" dirty="0">
+                  <a:latin typeface="Calibri" panose="020F0502020204030204" pitchFamily="34" charset="0"/>
+                  <a:cs typeface="Calibri" panose="020F0502020204030204" pitchFamily="34" charset="0"/>
+                </a:endParaRPr>
+              </a:p>
+            </p:txBody>
+          </p:sp>
+        </p:grpSp>
+        <p:cxnSp>
+          <p:nvCxnSpPr>
+            <p:cNvPr id="414" name="Straight Arrow Connector 413">
+              <a:extLst>
+                <a:ext uri="{FF2B5EF4-FFF2-40B4-BE49-F238E27FC236}">
+                  <a16:creationId xmlns:a16="http://schemas.microsoft.com/office/drawing/2014/main" id="{B4359659-9662-3343-D7CD-FCF5E24E7C19}"/>
+                </a:ext>
+              </a:extLst>
+            </p:cNvPr>
+            <p:cNvCxnSpPr>
+              <a:cxnSpLocks/>
+            </p:cNvCxnSpPr>
+            <p:nvPr/>
+          </p:nvCxnSpPr>
+          <p:spPr>
+            <a:xfrm flipV="1">
+              <a:off x="5055157" y="2674937"/>
+              <a:ext cx="0" cy="2087627"/>
+            </a:xfrm>
+            <a:prstGeom prst="straightConnector1">
+              <a:avLst/>
+            </a:prstGeom>
+            <a:ln w="12700">
+              <a:solidFill>
+                <a:schemeClr val="tx1"/>
+              </a:solidFill>
+              <a:tailEnd type="triangle"/>
+            </a:ln>
+          </p:spPr>
+          <p:style>
+            <a:lnRef idx="1">
+              <a:schemeClr val="accent1"/>
+            </a:lnRef>
+            <a:fillRef idx="0">
+              <a:schemeClr val="accent1"/>
+            </a:fillRef>
+            <a:effectRef idx="0">
+              <a:schemeClr val="accent1"/>
+            </a:effectRef>
+            <a:fontRef idx="minor">
+              <a:schemeClr val="tx1"/>
+            </a:fontRef>
+          </p:style>
+        </p:cxnSp>
+      </p:grpSp>
       <p:grpSp>
         <p:nvGrpSpPr>
           <p:cNvPr id="310" name="Group 309">
@@ -4294,7 +5814,7 @@
               <p:nvPr/>
             </p:nvPicPr>
             <p:blipFill rotWithShape="1">
-              <a:blip r:embed="rId6"/>
+              <a:blip r:embed="rId8"/>
               <a:srcRect l="12517" t="28504" r="9387" b="44807"/>
               <a:stretch/>
             </p:blipFill>
@@ -4765,7 +6285,7 @@
               <p:nvPr/>
             </p:nvPicPr>
             <p:blipFill rotWithShape="1">
-              <a:blip r:embed="rId7"/>
+              <a:blip r:embed="rId9"/>
               <a:srcRect l="12653" t="28504" r="9252" b="44807"/>
               <a:stretch/>
             </p:blipFill>
@@ -4907,7 +6427,7 @@
               <p:nvPr/>
             </p:nvPicPr>
             <p:blipFill rotWithShape="1">
-              <a:blip r:embed="rId8"/>
+              <a:blip r:embed="rId10"/>
               <a:srcRect l="12857" t="28730" r="9048" b="40476"/>
               <a:stretch/>
             </p:blipFill>
@@ -5060,1526 +6580,6 @@
             </a:p>
           </p:txBody>
         </p:sp>
-      </p:grpSp>
-      <p:cxnSp>
-        <p:nvCxnSpPr>
-          <p:cNvPr id="311" name="直接连接符 87">
-            <a:extLst>
-              <a:ext uri="{FF2B5EF4-FFF2-40B4-BE49-F238E27FC236}">
-                <a16:creationId xmlns:a16="http://schemas.microsoft.com/office/drawing/2014/main" id="{E23CDD1C-F00C-00F0-CB02-9E5A634EA340}"/>
-              </a:ext>
-            </a:extLst>
-          </p:cNvPr>
-          <p:cNvCxnSpPr>
-            <a:cxnSpLocks/>
-          </p:cNvCxnSpPr>
-          <p:nvPr/>
-        </p:nvCxnSpPr>
-        <p:spPr>
-          <a:xfrm>
-            <a:off x="11410585" y="1117780"/>
-            <a:ext cx="1" cy="232456"/>
-          </a:xfrm>
-          <a:prstGeom prst="line">
-            <a:avLst/>
-          </a:prstGeom>
-          <a:ln w="19050">
-            <a:solidFill>
-              <a:schemeClr val="tx1"/>
-            </a:solidFill>
-          </a:ln>
-        </p:spPr>
-        <p:style>
-          <a:lnRef idx="1">
-            <a:schemeClr val="accent1"/>
-          </a:lnRef>
-          <a:fillRef idx="0">
-            <a:schemeClr val="accent1"/>
-          </a:fillRef>
-          <a:effectRef idx="0">
-            <a:schemeClr val="accent1"/>
-          </a:effectRef>
-          <a:fontRef idx="minor">
-            <a:schemeClr val="tx1"/>
-          </a:fontRef>
-        </p:style>
-      </p:cxnSp>
-      <p:cxnSp>
-        <p:nvCxnSpPr>
-          <p:cNvPr id="312" name="直接连接符 88">
-            <a:extLst>
-              <a:ext uri="{FF2B5EF4-FFF2-40B4-BE49-F238E27FC236}">
-                <a16:creationId xmlns:a16="http://schemas.microsoft.com/office/drawing/2014/main" id="{F3170C23-59ED-B1F8-63B3-4457270383A1}"/>
-              </a:ext>
-            </a:extLst>
-          </p:cNvPr>
-          <p:cNvCxnSpPr>
-            <a:cxnSpLocks/>
-          </p:cNvCxnSpPr>
-          <p:nvPr/>
-        </p:nvCxnSpPr>
-        <p:spPr>
-          <a:xfrm>
-            <a:off x="7699209" y="1266639"/>
-            <a:ext cx="3707496" cy="0"/>
-          </a:xfrm>
-          <a:prstGeom prst="line">
-            <a:avLst/>
-          </a:prstGeom>
-          <a:ln w="19050">
-            <a:solidFill>
-              <a:schemeClr val="tx1"/>
-            </a:solidFill>
-            <a:headEnd type="stealth"/>
-            <a:tailEnd type="stealth"/>
-          </a:ln>
-        </p:spPr>
-        <p:style>
-          <a:lnRef idx="1">
-            <a:schemeClr val="accent1"/>
-          </a:lnRef>
-          <a:fillRef idx="0">
-            <a:schemeClr val="accent1"/>
-          </a:fillRef>
-          <a:effectRef idx="0">
-            <a:schemeClr val="accent1"/>
-          </a:effectRef>
-          <a:fontRef idx="minor">
-            <a:schemeClr val="tx1"/>
-          </a:fontRef>
-        </p:style>
-      </p:cxnSp>
-      <p:cxnSp>
-        <p:nvCxnSpPr>
-          <p:cNvPr id="313" name="直接连接符 94">
-            <a:extLst>
-              <a:ext uri="{FF2B5EF4-FFF2-40B4-BE49-F238E27FC236}">
-                <a16:creationId xmlns:a16="http://schemas.microsoft.com/office/drawing/2014/main" id="{7F6B61A5-8674-9C6E-BC58-88DABC65DEB6}"/>
-              </a:ext>
-            </a:extLst>
-          </p:cNvPr>
-          <p:cNvCxnSpPr>
-            <a:cxnSpLocks/>
-          </p:cNvCxnSpPr>
-          <p:nvPr/>
-        </p:nvCxnSpPr>
-        <p:spPr>
-          <a:xfrm>
-            <a:off x="7694127" y="1091369"/>
-            <a:ext cx="1" cy="232456"/>
-          </a:xfrm>
-          <a:prstGeom prst="line">
-            <a:avLst/>
-          </a:prstGeom>
-          <a:ln w="19050">
-            <a:solidFill>
-              <a:schemeClr val="tx1"/>
-            </a:solidFill>
-          </a:ln>
-        </p:spPr>
-        <p:style>
-          <a:lnRef idx="1">
-            <a:schemeClr val="accent1"/>
-          </a:lnRef>
-          <a:fillRef idx="0">
-            <a:schemeClr val="accent1"/>
-          </a:fillRef>
-          <a:effectRef idx="0">
-            <a:schemeClr val="accent1"/>
-          </a:effectRef>
-          <a:fontRef idx="minor">
-            <a:schemeClr val="tx1"/>
-          </a:fontRef>
-        </p:style>
-      </p:cxnSp>
-      <p:sp>
-        <p:nvSpPr>
-          <p:cNvPr id="315" name="文本框 9">
-            <a:extLst>
-              <a:ext uri="{FF2B5EF4-FFF2-40B4-BE49-F238E27FC236}">
-                <a16:creationId xmlns:a16="http://schemas.microsoft.com/office/drawing/2014/main" id="{7E9D32F3-1F35-94F3-F8B5-44895BFF4BF9}"/>
-              </a:ext>
-            </a:extLst>
-          </p:cNvPr>
-          <p:cNvSpPr txBox="1"/>
-          <p:nvPr/>
-        </p:nvSpPr>
-        <p:spPr>
-          <a:xfrm>
-            <a:off x="202603" y="0"/>
-            <a:ext cx="384744" cy="338554"/>
-          </a:xfrm>
-          <a:prstGeom prst="rect">
-            <a:avLst/>
-          </a:prstGeom>
-          <a:noFill/>
-          <a:ln>
-            <a:noFill/>
-          </a:ln>
-        </p:spPr>
-        <p:txBody>
-          <a:bodyPr wrap="square" rtlCol="0">
-            <a:spAutoFit/>
-          </a:bodyPr>
-          <a:lstStyle/>
-          <a:p>
-            <a:pPr algn="ctr"/>
-            <a:r>
-              <a:rPr lang="en-US" altLang="zh-CN" sz="1600" b="1" dirty="0">
-                <a:latin typeface="Calibri" panose="020F0502020204030204" pitchFamily="34" charset="0"/>
-                <a:cs typeface="Calibri" panose="020F0502020204030204" pitchFamily="34" charset="0"/>
-              </a:rPr>
-              <a:t>(a)</a:t>
-            </a:r>
-            <a:endParaRPr lang="zh-CN" altLang="en-US" sz="1600" b="1" dirty="0">
-              <a:latin typeface="Calibri" panose="020F0502020204030204" pitchFamily="34" charset="0"/>
-              <a:cs typeface="Calibri" panose="020F0502020204030204" pitchFamily="34" charset="0"/>
-            </a:endParaRPr>
-          </a:p>
-        </p:txBody>
-      </p:sp>
-      <p:sp>
-        <p:nvSpPr>
-          <p:cNvPr id="316" name="文本框 9">
-            <a:extLst>
-              <a:ext uri="{FF2B5EF4-FFF2-40B4-BE49-F238E27FC236}">
-                <a16:creationId xmlns:a16="http://schemas.microsoft.com/office/drawing/2014/main" id="{7CDECA39-B239-85DD-F799-74F575BF425B}"/>
-              </a:ext>
-            </a:extLst>
-          </p:cNvPr>
-          <p:cNvSpPr txBox="1"/>
-          <p:nvPr/>
-        </p:nvSpPr>
-        <p:spPr>
-          <a:xfrm>
-            <a:off x="202603" y="1880036"/>
-            <a:ext cx="384744" cy="338554"/>
-          </a:xfrm>
-          <a:prstGeom prst="rect">
-            <a:avLst/>
-          </a:prstGeom>
-          <a:noFill/>
-          <a:ln>
-            <a:noFill/>
-          </a:ln>
-        </p:spPr>
-        <p:txBody>
-          <a:bodyPr wrap="square" rtlCol="0">
-            <a:spAutoFit/>
-          </a:bodyPr>
-          <a:lstStyle/>
-          <a:p>
-            <a:pPr algn="ctr"/>
-            <a:r>
-              <a:rPr lang="en-US" altLang="zh-CN" sz="1600" b="1" dirty="0">
-                <a:latin typeface="Calibri" panose="020F0502020204030204" pitchFamily="34" charset="0"/>
-                <a:cs typeface="Calibri" panose="020F0502020204030204" pitchFamily="34" charset="0"/>
-              </a:rPr>
-              <a:t>(b)</a:t>
-            </a:r>
-            <a:endParaRPr lang="zh-CN" altLang="en-US" sz="1600" b="1" dirty="0">
-              <a:latin typeface="Calibri" panose="020F0502020204030204" pitchFamily="34" charset="0"/>
-              <a:cs typeface="Calibri" panose="020F0502020204030204" pitchFamily="34" charset="0"/>
-            </a:endParaRPr>
-          </a:p>
-        </p:txBody>
-      </p:sp>
-      <p:sp>
-        <p:nvSpPr>
-          <p:cNvPr id="317" name="文本框 9">
-            <a:extLst>
-              <a:ext uri="{FF2B5EF4-FFF2-40B4-BE49-F238E27FC236}">
-                <a16:creationId xmlns:a16="http://schemas.microsoft.com/office/drawing/2014/main" id="{13A0A11E-10F5-047F-E46A-3C97C78FA125}"/>
-              </a:ext>
-            </a:extLst>
-          </p:cNvPr>
-          <p:cNvSpPr txBox="1"/>
-          <p:nvPr/>
-        </p:nvSpPr>
-        <p:spPr>
-          <a:xfrm>
-            <a:off x="202603" y="3544563"/>
-            <a:ext cx="384744" cy="338554"/>
-          </a:xfrm>
-          <a:prstGeom prst="rect">
-            <a:avLst/>
-          </a:prstGeom>
-          <a:noFill/>
-          <a:ln>
-            <a:noFill/>
-          </a:ln>
-        </p:spPr>
-        <p:txBody>
-          <a:bodyPr wrap="square" rtlCol="0">
-            <a:spAutoFit/>
-          </a:bodyPr>
-          <a:lstStyle/>
-          <a:p>
-            <a:pPr algn="ctr"/>
-            <a:r>
-              <a:rPr lang="en-US" altLang="zh-CN" sz="1600" b="1" dirty="0">
-                <a:latin typeface="Calibri" panose="020F0502020204030204" pitchFamily="34" charset="0"/>
-                <a:cs typeface="Calibri" panose="020F0502020204030204" pitchFamily="34" charset="0"/>
-              </a:rPr>
-              <a:t>(c)</a:t>
-            </a:r>
-            <a:endParaRPr lang="zh-CN" altLang="en-US" sz="1600" b="1" dirty="0">
-              <a:latin typeface="Calibri" panose="020F0502020204030204" pitchFamily="34" charset="0"/>
-              <a:cs typeface="Calibri" panose="020F0502020204030204" pitchFamily="34" charset="0"/>
-            </a:endParaRPr>
-          </a:p>
-        </p:txBody>
-      </p:sp>
-      <p:sp>
-        <p:nvSpPr>
-          <p:cNvPr id="318" name="文本框 9">
-            <a:extLst>
-              <a:ext uri="{FF2B5EF4-FFF2-40B4-BE49-F238E27FC236}">
-                <a16:creationId xmlns:a16="http://schemas.microsoft.com/office/drawing/2014/main" id="{9EEDA0D1-D527-86A6-7B5E-940ACD47BEEC}"/>
-              </a:ext>
-            </a:extLst>
-          </p:cNvPr>
-          <p:cNvSpPr txBox="1"/>
-          <p:nvPr/>
-        </p:nvSpPr>
-        <p:spPr>
-          <a:xfrm>
-            <a:off x="7612017" y="160270"/>
-            <a:ext cx="384744" cy="338554"/>
-          </a:xfrm>
-          <a:prstGeom prst="rect">
-            <a:avLst/>
-          </a:prstGeom>
-          <a:noFill/>
-          <a:ln>
-            <a:noFill/>
-          </a:ln>
-        </p:spPr>
-        <p:txBody>
-          <a:bodyPr wrap="square" rtlCol="0">
-            <a:spAutoFit/>
-          </a:bodyPr>
-          <a:lstStyle/>
-          <a:p>
-            <a:pPr algn="ctr"/>
-            <a:r>
-              <a:rPr lang="en-US" altLang="zh-CN" sz="1600" b="1" dirty="0">
-                <a:latin typeface="Calibri" panose="020F0502020204030204" pitchFamily="34" charset="0"/>
-                <a:cs typeface="Calibri" panose="020F0502020204030204" pitchFamily="34" charset="0"/>
-              </a:rPr>
-              <a:t>(e)</a:t>
-            </a:r>
-            <a:endParaRPr lang="zh-CN" altLang="en-US" sz="1600" b="1" dirty="0">
-              <a:latin typeface="Calibri" panose="020F0502020204030204" pitchFamily="34" charset="0"/>
-              <a:cs typeface="Calibri" panose="020F0502020204030204" pitchFamily="34" charset="0"/>
-            </a:endParaRPr>
-          </a:p>
-        </p:txBody>
-      </p:sp>
-      <p:grpSp>
-        <p:nvGrpSpPr>
-          <p:cNvPr id="418" name="Group 417">
-            <a:extLst>
-              <a:ext uri="{FF2B5EF4-FFF2-40B4-BE49-F238E27FC236}">
-                <a16:creationId xmlns:a16="http://schemas.microsoft.com/office/drawing/2014/main" id="{89D179F4-745D-A00C-9B3B-0B59A6EBE198}"/>
-              </a:ext>
-            </a:extLst>
-          </p:cNvPr>
-          <p:cNvGrpSpPr/>
-          <p:nvPr/>
-        </p:nvGrpSpPr>
-        <p:grpSpPr>
-          <a:xfrm>
-            <a:off x="4470015" y="302171"/>
-            <a:ext cx="2970079" cy="4792136"/>
-            <a:chOff x="4470015" y="302171"/>
-            <a:chExt cx="2970079" cy="4792136"/>
-          </a:xfrm>
-        </p:grpSpPr>
-        <p:grpSp>
-          <p:nvGrpSpPr>
-            <p:cNvPr id="413" name="Group 412">
-              <a:extLst>
-                <a:ext uri="{FF2B5EF4-FFF2-40B4-BE49-F238E27FC236}">
-                  <a16:creationId xmlns:a16="http://schemas.microsoft.com/office/drawing/2014/main" id="{C1D1131E-9C93-8907-6535-E41E7B66E86C}"/>
-                </a:ext>
-              </a:extLst>
-            </p:cNvPr>
-            <p:cNvGrpSpPr/>
-            <p:nvPr/>
-          </p:nvGrpSpPr>
-          <p:grpSpPr>
-            <a:xfrm>
-              <a:off x="4470015" y="302171"/>
-              <a:ext cx="2970079" cy="4792136"/>
-              <a:chOff x="4470015" y="216446"/>
-              <a:chExt cx="2970079" cy="4792136"/>
-            </a:xfrm>
-          </p:grpSpPr>
-          <p:grpSp>
-            <p:nvGrpSpPr>
-              <p:cNvPr id="411" name="Group 410">
-                <a:extLst>
-                  <a:ext uri="{FF2B5EF4-FFF2-40B4-BE49-F238E27FC236}">
-                    <a16:creationId xmlns:a16="http://schemas.microsoft.com/office/drawing/2014/main" id="{2D54A503-E5DF-9E9E-48FD-B87111CF9D8C}"/>
-                  </a:ext>
-                </a:extLst>
-              </p:cNvPr>
-              <p:cNvGrpSpPr/>
-              <p:nvPr/>
-            </p:nvGrpSpPr>
-            <p:grpSpPr>
-              <a:xfrm>
-                <a:off x="4514642" y="276345"/>
-                <a:ext cx="2925452" cy="4732237"/>
-                <a:chOff x="4419392" y="276345"/>
-                <a:chExt cx="2925452" cy="4732237"/>
-              </a:xfrm>
-            </p:grpSpPr>
-            <p:grpSp>
-              <p:nvGrpSpPr>
-                <p:cNvPr id="410" name="Group 409">
-                  <a:extLst>
-                    <a:ext uri="{FF2B5EF4-FFF2-40B4-BE49-F238E27FC236}">
-                      <a16:creationId xmlns:a16="http://schemas.microsoft.com/office/drawing/2014/main" id="{89A0D433-B7D6-F8AD-F4C3-D34C1917B652}"/>
-                    </a:ext>
-                  </a:extLst>
-                </p:cNvPr>
-                <p:cNvGrpSpPr/>
-                <p:nvPr/>
-              </p:nvGrpSpPr>
-              <p:grpSpPr>
-                <a:xfrm>
-                  <a:off x="4419392" y="276345"/>
-                  <a:ext cx="2925452" cy="4732237"/>
-                  <a:chOff x="4419392" y="276345"/>
-                  <a:chExt cx="2925452" cy="4732237"/>
-                </a:xfrm>
-              </p:grpSpPr>
-              <p:grpSp>
-                <p:nvGrpSpPr>
-                  <p:cNvPr id="409" name="Group 408">
-                    <a:extLst>
-                      <a:ext uri="{FF2B5EF4-FFF2-40B4-BE49-F238E27FC236}">
-                        <a16:creationId xmlns:a16="http://schemas.microsoft.com/office/drawing/2014/main" id="{C76AD50C-3FC5-9CF1-51DE-9A18FAC98AC1}"/>
-                      </a:ext>
-                    </a:extLst>
-                  </p:cNvPr>
-                  <p:cNvGrpSpPr/>
-                  <p:nvPr/>
-                </p:nvGrpSpPr>
-                <p:grpSpPr>
-                  <a:xfrm>
-                    <a:off x="4419392" y="2500293"/>
-                    <a:ext cx="2925452" cy="2508289"/>
-                    <a:chOff x="4419392" y="2500293"/>
-                    <a:chExt cx="2925452" cy="2508289"/>
-                  </a:xfrm>
-                </p:grpSpPr>
-                <p:pic>
-                  <p:nvPicPr>
-                    <p:cNvPr id="396" name="Picture 395">
-                      <a:extLst>
-                        <a:ext uri="{FF2B5EF4-FFF2-40B4-BE49-F238E27FC236}">
-                          <a16:creationId xmlns:a16="http://schemas.microsoft.com/office/drawing/2014/main" id="{4E2859FE-1760-2667-26B4-E33D2D8526B0}"/>
-                        </a:ext>
-                      </a:extLst>
-                    </p:cNvPr>
-                    <p:cNvPicPr>
-                      <a:picLocks noChangeAspect="1"/>
-                    </p:cNvPicPr>
-                    <p:nvPr/>
-                  </p:nvPicPr>
-                  <p:blipFill rotWithShape="1">
-                    <a:blip r:embed="rId9"/>
-                    <a:srcRect r="7473"/>
-                    <a:stretch/>
-                  </p:blipFill>
-                  <p:spPr>
-                    <a:xfrm>
-                      <a:off x="4419392" y="2608282"/>
-                      <a:ext cx="2837853" cy="2400300"/>
-                    </a:xfrm>
-                    <a:prstGeom prst="rect">
-                      <a:avLst/>
-                    </a:prstGeom>
-                  </p:spPr>
-                </p:pic>
-                <p:sp>
-                  <p:nvSpPr>
-                    <p:cNvPr id="362" name="文本框 9">
-                      <a:extLst>
-                        <a:ext uri="{FF2B5EF4-FFF2-40B4-BE49-F238E27FC236}">
-                          <a16:creationId xmlns:a16="http://schemas.microsoft.com/office/drawing/2014/main" id="{34C547BF-123F-8DE7-DECA-963F4BD82056}"/>
-                        </a:ext>
-                      </a:extLst>
-                    </p:cNvPr>
-                    <p:cNvSpPr txBox="1"/>
-                    <p:nvPr/>
-                  </p:nvSpPr>
-                  <p:spPr>
-                    <a:xfrm>
-                      <a:off x="4967582" y="2500293"/>
-                      <a:ext cx="2221305" cy="338554"/>
-                    </a:xfrm>
-                    <a:prstGeom prst="rect">
-                      <a:avLst/>
-                    </a:prstGeom>
-                    <a:noFill/>
-                    <a:ln>
-                      <a:noFill/>
-                    </a:ln>
-                  </p:spPr>
-                  <p:txBody>
-                    <a:bodyPr wrap="square" rtlCol="0">
-                      <a:spAutoFit/>
-                    </a:bodyPr>
-                    <a:lstStyle/>
-                    <a:p>
-                      <a:pPr algn="ctr"/>
-                      <a:r>
-                        <a:rPr lang="en-US" altLang="zh-CN" sz="1600" dirty="0">
-                          <a:latin typeface="Calibri" panose="020F0502020204030204" pitchFamily="34" charset="0"/>
-                          <a:cs typeface="Calibri" panose="020F0502020204030204" pitchFamily="34" charset="0"/>
-                        </a:rPr>
-                        <a:t>Velocities in </a:t>
-                      </a:r>
-                      <a:r>
-                        <a:rPr lang="en-US" altLang="zh-CN" sz="1600" i="1" dirty="0">
-                          <a:latin typeface="Calibri" panose="020F0502020204030204" pitchFamily="34" charset="0"/>
-                          <a:cs typeface="Calibri" panose="020F0502020204030204" pitchFamily="34" charset="0"/>
-                        </a:rPr>
-                        <a:t>y</a:t>
-                      </a:r>
-                      <a:r>
-                        <a:rPr lang="en-US" altLang="zh-CN" sz="1600" dirty="0">
-                          <a:latin typeface="Calibri" panose="020F0502020204030204" pitchFamily="34" charset="0"/>
-                          <a:cs typeface="Calibri" panose="020F0502020204030204" pitchFamily="34" charset="0"/>
-                        </a:rPr>
-                        <a:t> direction</a:t>
-                      </a:r>
-                      <a:endParaRPr lang="zh-CN" altLang="en-US" sz="1600" dirty="0">
-                        <a:latin typeface="Calibri" panose="020F0502020204030204" pitchFamily="34" charset="0"/>
-                        <a:cs typeface="Calibri" panose="020F0502020204030204" pitchFamily="34" charset="0"/>
-                      </a:endParaRPr>
-                    </a:p>
-                  </p:txBody>
-                </p:sp>
-                <p:grpSp>
-                  <p:nvGrpSpPr>
-                    <p:cNvPr id="397" name="Group 396">
-                      <a:extLst>
-                        <a:ext uri="{FF2B5EF4-FFF2-40B4-BE49-F238E27FC236}">
-                          <a16:creationId xmlns:a16="http://schemas.microsoft.com/office/drawing/2014/main" id="{80C5289E-732B-923B-C1AE-55A35E35A705}"/>
-                        </a:ext>
-                      </a:extLst>
-                    </p:cNvPr>
-                    <p:cNvGrpSpPr/>
-                    <p:nvPr/>
-                  </p:nvGrpSpPr>
-                  <p:grpSpPr>
-                    <a:xfrm>
-                      <a:off x="4981656" y="4424885"/>
-                      <a:ext cx="2363188" cy="307777"/>
-                      <a:chOff x="4995798" y="4310585"/>
-                      <a:chExt cx="2363188" cy="307777"/>
-                    </a:xfrm>
-                  </p:grpSpPr>
-                  <p:grpSp>
-                    <p:nvGrpSpPr>
-                      <p:cNvPr id="349" name="Group 348">
-                        <a:extLst>
-                          <a:ext uri="{FF2B5EF4-FFF2-40B4-BE49-F238E27FC236}">
-                            <a16:creationId xmlns:a16="http://schemas.microsoft.com/office/drawing/2014/main" id="{6FF64147-9671-9C48-0E25-130492E68A1D}"/>
-                          </a:ext>
-                        </a:extLst>
-                      </p:cNvPr>
-                      <p:cNvGrpSpPr/>
-                      <p:nvPr/>
-                    </p:nvGrpSpPr>
-                    <p:grpSpPr>
-                      <a:xfrm>
-                        <a:off x="4995798" y="4310585"/>
-                        <a:ext cx="827750" cy="307777"/>
-                        <a:chOff x="5433443" y="4249705"/>
-                        <a:chExt cx="826516" cy="307777"/>
-                      </a:xfrm>
-                    </p:grpSpPr>
-                    <p:cxnSp>
-                      <p:nvCxnSpPr>
-                        <p:cNvPr id="356" name="Straight Connector 355">
-                          <a:extLst>
-                            <a:ext uri="{FF2B5EF4-FFF2-40B4-BE49-F238E27FC236}">
-                              <a16:creationId xmlns:a16="http://schemas.microsoft.com/office/drawing/2014/main" id="{D0CF5FD6-8F2F-1CC9-D5D0-D6FF2C83B19E}"/>
-                            </a:ext>
-                          </a:extLst>
-                        </p:cNvPr>
-                        <p:cNvCxnSpPr>
-                          <a:cxnSpLocks/>
-                        </p:cNvCxnSpPr>
-                        <p:nvPr/>
-                      </p:nvCxnSpPr>
-                      <p:spPr>
-                        <a:xfrm>
-                          <a:off x="5433443" y="4397729"/>
-                          <a:ext cx="251021" cy="0"/>
-                        </a:xfrm>
-                        <a:prstGeom prst="line">
-                          <a:avLst/>
-                        </a:prstGeom>
-                        <a:ln w="19050">
-                          <a:solidFill>
-                            <a:srgbClr val="0A00F5"/>
-                          </a:solidFill>
-                        </a:ln>
-                      </p:spPr>
-                      <p:style>
-                        <a:lnRef idx="1">
-                          <a:schemeClr val="accent1"/>
-                        </a:lnRef>
-                        <a:fillRef idx="0">
-                          <a:schemeClr val="accent1"/>
-                        </a:fillRef>
-                        <a:effectRef idx="0">
-                          <a:schemeClr val="accent1"/>
-                        </a:effectRef>
-                        <a:fontRef idx="minor">
-                          <a:schemeClr val="tx1"/>
-                        </a:fontRef>
-                      </p:style>
-                    </p:cxnSp>
-                    <p:sp>
-                      <p:nvSpPr>
-                        <p:cNvPr id="357" name="文本框 9">
-                          <a:extLst>
-                            <a:ext uri="{FF2B5EF4-FFF2-40B4-BE49-F238E27FC236}">
-                              <a16:creationId xmlns:a16="http://schemas.microsoft.com/office/drawing/2014/main" id="{26E36D16-F10E-063C-4887-37CAD621824A}"/>
-                            </a:ext>
-                          </a:extLst>
-                        </p:cNvPr>
-                        <p:cNvSpPr txBox="1"/>
-                        <p:nvPr/>
-                      </p:nvSpPr>
-                      <p:spPr>
-                        <a:xfrm>
-                          <a:off x="5585564" y="4249705"/>
-                          <a:ext cx="674395" cy="307777"/>
-                        </a:xfrm>
-                        <a:prstGeom prst="rect">
-                          <a:avLst/>
-                        </a:prstGeom>
-                        <a:noFill/>
-                        <a:ln>
-                          <a:noFill/>
-                        </a:ln>
-                      </p:spPr>
-                      <p:txBody>
-                        <a:bodyPr wrap="square" rtlCol="0">
-                          <a:spAutoFit/>
-                        </a:bodyPr>
-                        <a:lstStyle/>
-                        <a:p>
-                          <a:pPr algn="ctr"/>
-                          <a:r>
-                            <a:rPr lang="en-US" altLang="zh-CN" sz="1400" dirty="0">
-                              <a:latin typeface="Calibri" panose="020F0502020204030204" pitchFamily="34" charset="0"/>
-                              <a:cs typeface="Calibri" panose="020F0502020204030204" pitchFamily="34" charset="0"/>
-                            </a:rPr>
-                            <a:t>Raster</a:t>
-                          </a:r>
-                          <a:endParaRPr lang="zh-CN" altLang="en-US" sz="1400" dirty="0">
-                            <a:latin typeface="Calibri" panose="020F0502020204030204" pitchFamily="34" charset="0"/>
-                            <a:cs typeface="Calibri" panose="020F0502020204030204" pitchFamily="34" charset="0"/>
-                          </a:endParaRPr>
-                        </a:p>
-                      </p:txBody>
-                    </p:sp>
-                  </p:grpSp>
-                  <p:grpSp>
-                    <p:nvGrpSpPr>
-                      <p:cNvPr id="350" name="Group 349">
-                        <a:extLst>
-                          <a:ext uri="{FF2B5EF4-FFF2-40B4-BE49-F238E27FC236}">
-                            <a16:creationId xmlns:a16="http://schemas.microsoft.com/office/drawing/2014/main" id="{68D6BB7F-EEE7-2EF8-596D-A46384A44719}"/>
-                          </a:ext>
-                        </a:extLst>
-                      </p:cNvPr>
-                      <p:cNvGrpSpPr/>
-                      <p:nvPr/>
-                    </p:nvGrpSpPr>
-                    <p:grpSpPr>
-                      <a:xfrm>
-                        <a:off x="5808217" y="4310585"/>
-                        <a:ext cx="806694" cy="307777"/>
-                        <a:chOff x="6178525" y="4249705"/>
-                        <a:chExt cx="805490" cy="307777"/>
-                      </a:xfrm>
-                    </p:grpSpPr>
-                    <p:cxnSp>
-                      <p:nvCxnSpPr>
-                        <p:cNvPr id="354" name="Straight Connector 353">
-                          <a:extLst>
-                            <a:ext uri="{FF2B5EF4-FFF2-40B4-BE49-F238E27FC236}">
-                              <a16:creationId xmlns:a16="http://schemas.microsoft.com/office/drawing/2014/main" id="{93127DE2-7B18-57FD-A058-E9D5EF2F4EF2}"/>
-                            </a:ext>
-                          </a:extLst>
-                        </p:cNvPr>
-                        <p:cNvCxnSpPr>
-                          <a:cxnSpLocks/>
-                        </p:cNvCxnSpPr>
-                        <p:nvPr/>
-                      </p:nvCxnSpPr>
-                      <p:spPr>
-                        <a:xfrm>
-                          <a:off x="6178525" y="4397729"/>
-                          <a:ext cx="251021" cy="0"/>
-                        </a:xfrm>
-                        <a:prstGeom prst="line">
-                          <a:avLst/>
-                        </a:prstGeom>
-                        <a:ln w="19050">
-                          <a:solidFill>
-                            <a:srgbClr val="FF0000"/>
-                          </a:solidFill>
-                        </a:ln>
-                      </p:spPr>
-                      <p:style>
-                        <a:lnRef idx="1">
-                          <a:schemeClr val="accent1"/>
-                        </a:lnRef>
-                        <a:fillRef idx="0">
-                          <a:schemeClr val="accent1"/>
-                        </a:fillRef>
-                        <a:effectRef idx="0">
-                          <a:schemeClr val="accent1"/>
-                        </a:effectRef>
-                        <a:fontRef idx="minor">
-                          <a:schemeClr val="tx1"/>
-                        </a:fontRef>
-                      </p:style>
-                    </p:cxnSp>
-                    <p:sp>
-                      <p:nvSpPr>
-                        <p:cNvPr id="355" name="文本框 9">
-                          <a:extLst>
-                            <a:ext uri="{FF2B5EF4-FFF2-40B4-BE49-F238E27FC236}">
-                              <a16:creationId xmlns:a16="http://schemas.microsoft.com/office/drawing/2014/main" id="{A75A07B0-F862-5153-6487-45858DF92CFC}"/>
-                            </a:ext>
-                          </a:extLst>
-                        </p:cNvPr>
-                        <p:cNvSpPr txBox="1"/>
-                        <p:nvPr/>
-                      </p:nvSpPr>
-                      <p:spPr>
-                        <a:xfrm>
-                          <a:off x="6309620" y="4249705"/>
-                          <a:ext cx="674395" cy="307777"/>
-                        </a:xfrm>
-                        <a:prstGeom prst="rect">
-                          <a:avLst/>
-                        </a:prstGeom>
-                        <a:noFill/>
-                        <a:ln>
-                          <a:noFill/>
-                        </a:ln>
-                      </p:spPr>
-                      <p:txBody>
-                        <a:bodyPr wrap="square" rtlCol="0">
-                          <a:spAutoFit/>
-                        </a:bodyPr>
-                        <a:lstStyle/>
-                        <a:p>
-                          <a:pPr algn="ctr"/>
-                          <a:r>
-                            <a:rPr lang="en-US" altLang="zh-CN" sz="1400" dirty="0">
-                              <a:latin typeface="Calibri" panose="020F0502020204030204" pitchFamily="34" charset="0"/>
-                              <a:cs typeface="Calibri" panose="020F0502020204030204" pitchFamily="34" charset="0"/>
-                            </a:rPr>
-                            <a:t>Maze</a:t>
-                          </a:r>
-                          <a:endParaRPr lang="zh-CN" altLang="en-US" sz="1400" dirty="0">
-                            <a:latin typeface="Calibri" panose="020F0502020204030204" pitchFamily="34" charset="0"/>
-                            <a:cs typeface="Calibri" panose="020F0502020204030204" pitchFamily="34" charset="0"/>
-                          </a:endParaRPr>
-                        </a:p>
-                      </p:txBody>
-                    </p:sp>
-                  </p:grpSp>
-                  <p:grpSp>
-                    <p:nvGrpSpPr>
-                      <p:cNvPr id="351" name="Group 350">
-                        <a:extLst>
-                          <a:ext uri="{FF2B5EF4-FFF2-40B4-BE49-F238E27FC236}">
-                            <a16:creationId xmlns:a16="http://schemas.microsoft.com/office/drawing/2014/main" id="{75BC9875-D6F4-D26D-C2E5-0D29DCAF1551}"/>
-                          </a:ext>
-                        </a:extLst>
-                      </p:cNvPr>
-                      <p:cNvGrpSpPr/>
-                      <p:nvPr/>
-                    </p:nvGrpSpPr>
-                    <p:grpSpPr>
-                      <a:xfrm>
-                        <a:off x="6599580" y="4310585"/>
-                        <a:ext cx="759406" cy="307777"/>
-                        <a:chOff x="6923607" y="4249705"/>
-                        <a:chExt cx="758274" cy="307777"/>
-                      </a:xfrm>
-                    </p:grpSpPr>
-                    <p:cxnSp>
-                      <p:nvCxnSpPr>
-                        <p:cNvPr id="352" name="Straight Connector 351">
-                          <a:extLst>
-                            <a:ext uri="{FF2B5EF4-FFF2-40B4-BE49-F238E27FC236}">
-                              <a16:creationId xmlns:a16="http://schemas.microsoft.com/office/drawing/2014/main" id="{D46177B7-C128-F199-E78C-EA1F830FCD69}"/>
-                            </a:ext>
-                          </a:extLst>
-                        </p:cNvPr>
-                        <p:cNvCxnSpPr>
-                          <a:cxnSpLocks/>
-                        </p:cNvCxnSpPr>
-                        <p:nvPr/>
-                      </p:nvCxnSpPr>
-                      <p:spPr>
-                        <a:xfrm>
-                          <a:off x="6923607" y="4397729"/>
-                          <a:ext cx="251021" cy="0"/>
-                        </a:xfrm>
-                        <a:prstGeom prst="line">
-                          <a:avLst/>
-                        </a:prstGeom>
-                        <a:ln w="19050">
-                          <a:solidFill>
-                            <a:srgbClr val="BEBE00"/>
-                          </a:solidFill>
-                        </a:ln>
-                      </p:spPr>
-                      <p:style>
-                        <a:lnRef idx="1">
-                          <a:schemeClr val="accent1"/>
-                        </a:lnRef>
-                        <a:fillRef idx="0">
-                          <a:schemeClr val="accent1"/>
-                        </a:fillRef>
-                        <a:effectRef idx="0">
-                          <a:schemeClr val="accent1"/>
-                        </a:effectRef>
-                        <a:fontRef idx="minor">
-                          <a:schemeClr val="tx1"/>
-                        </a:fontRef>
-                      </p:style>
-                    </p:cxnSp>
-                    <p:sp>
-                      <p:nvSpPr>
-                        <p:cNvPr id="353" name="文本框 9">
-                          <a:extLst>
-                            <a:ext uri="{FF2B5EF4-FFF2-40B4-BE49-F238E27FC236}">
-                              <a16:creationId xmlns:a16="http://schemas.microsoft.com/office/drawing/2014/main" id="{0F9FDA67-E811-6F4A-3E4C-629C11E86AF8}"/>
-                            </a:ext>
-                          </a:extLst>
-                        </p:cNvPr>
-                        <p:cNvSpPr txBox="1"/>
-                        <p:nvPr/>
-                      </p:nvSpPr>
-                      <p:spPr>
-                        <a:xfrm>
-                          <a:off x="7007486" y="4249705"/>
-                          <a:ext cx="674395" cy="307777"/>
-                        </a:xfrm>
-                        <a:prstGeom prst="rect">
-                          <a:avLst/>
-                        </a:prstGeom>
-                        <a:noFill/>
-                        <a:ln>
-                          <a:noFill/>
-                        </a:ln>
-                      </p:spPr>
-                      <p:txBody>
-                        <a:bodyPr wrap="square" rtlCol="0">
-                          <a:spAutoFit/>
-                        </a:bodyPr>
-                        <a:lstStyle/>
-                        <a:p>
-                          <a:pPr algn="ctr"/>
-                          <a:r>
-                            <a:rPr lang="en-US" altLang="zh-CN" sz="1400" dirty="0">
-                              <a:latin typeface="Calibri" panose="020F0502020204030204" pitchFamily="34" charset="0"/>
-                              <a:cs typeface="Calibri" panose="020F0502020204030204" pitchFamily="34" charset="0"/>
-                            </a:rPr>
-                            <a:t>RAP</a:t>
-                          </a:r>
-                          <a:endParaRPr lang="zh-CN" altLang="en-US" sz="1400" dirty="0">
-                            <a:latin typeface="Calibri" panose="020F0502020204030204" pitchFamily="34" charset="0"/>
-                            <a:cs typeface="Calibri" panose="020F0502020204030204" pitchFamily="34" charset="0"/>
-                          </a:endParaRPr>
-                        </a:p>
-                      </p:txBody>
-                    </p:sp>
-                  </p:grpSp>
-                </p:grpSp>
-              </p:grpSp>
-              <p:grpSp>
-                <p:nvGrpSpPr>
-                  <p:cNvPr id="408" name="Group 407">
-                    <a:extLst>
-                      <a:ext uri="{FF2B5EF4-FFF2-40B4-BE49-F238E27FC236}">
-                        <a16:creationId xmlns:a16="http://schemas.microsoft.com/office/drawing/2014/main" id="{D4BE1EC2-3238-ECE2-B54F-E85FF86C0B8E}"/>
-                      </a:ext>
-                    </a:extLst>
-                  </p:cNvPr>
-                  <p:cNvGrpSpPr/>
-                  <p:nvPr/>
-                </p:nvGrpSpPr>
-                <p:grpSpPr>
-                  <a:xfrm>
-                    <a:off x="4423754" y="276345"/>
-                    <a:ext cx="2921090" cy="2256295"/>
-                    <a:chOff x="4423754" y="276345"/>
-                    <a:chExt cx="2921090" cy="2256295"/>
-                  </a:xfrm>
-                </p:grpSpPr>
-                <p:pic>
-                  <p:nvPicPr>
-                    <p:cNvPr id="394" name="Picture 393">
-                      <a:extLst>
-                        <a:ext uri="{FF2B5EF4-FFF2-40B4-BE49-F238E27FC236}">
-                          <a16:creationId xmlns:a16="http://schemas.microsoft.com/office/drawing/2014/main" id="{DDB1BECD-C161-A6BC-0592-965936DB23AA}"/>
-                        </a:ext>
-                      </a:extLst>
-                    </p:cNvPr>
-                    <p:cNvPicPr>
-                      <a:picLocks noChangeAspect="1"/>
-                    </p:cNvPicPr>
-                    <p:nvPr/>
-                  </p:nvPicPr>
-                  <p:blipFill rotWithShape="1">
-                    <a:blip r:embed="rId10"/>
-                    <a:srcRect r="8313" b="9864"/>
-                    <a:stretch/>
-                  </p:blipFill>
-                  <p:spPr>
-                    <a:xfrm>
-                      <a:off x="4423754" y="369120"/>
-                      <a:ext cx="2812086" cy="2163520"/>
-                    </a:xfrm>
-                    <a:prstGeom prst="rect">
-                      <a:avLst/>
-                    </a:prstGeom>
-                  </p:spPr>
-                </p:pic>
-                <p:sp>
-                  <p:nvSpPr>
-                    <p:cNvPr id="361" name="文本框 9">
-                      <a:extLst>
-                        <a:ext uri="{FF2B5EF4-FFF2-40B4-BE49-F238E27FC236}">
-                          <a16:creationId xmlns:a16="http://schemas.microsoft.com/office/drawing/2014/main" id="{74B2A516-30FA-FAC1-81B5-C149F86A26B1}"/>
-                        </a:ext>
-                      </a:extLst>
-                    </p:cNvPr>
-                    <p:cNvSpPr txBox="1"/>
-                    <p:nvPr/>
-                  </p:nvSpPr>
-                  <p:spPr>
-                    <a:xfrm>
-                      <a:off x="4954815" y="276345"/>
-                      <a:ext cx="2242516" cy="338554"/>
-                    </a:xfrm>
-                    <a:prstGeom prst="rect">
-                      <a:avLst/>
-                    </a:prstGeom>
-                    <a:noFill/>
-                    <a:ln>
-                      <a:noFill/>
-                    </a:ln>
-                  </p:spPr>
-                  <p:txBody>
-                    <a:bodyPr wrap="square" rtlCol="0">
-                      <a:spAutoFit/>
-                    </a:bodyPr>
-                    <a:lstStyle/>
-                    <a:p>
-                      <a:pPr algn="ctr"/>
-                      <a:r>
-                        <a:rPr lang="en-US" altLang="zh-CN" sz="1600" dirty="0">
-                          <a:latin typeface="Calibri" panose="020F0502020204030204" pitchFamily="34" charset="0"/>
-                          <a:cs typeface="Calibri" panose="020F0502020204030204" pitchFamily="34" charset="0"/>
-                        </a:rPr>
-                        <a:t>Velocities in </a:t>
-                      </a:r>
-                      <a:r>
-                        <a:rPr lang="en-US" altLang="zh-CN" sz="1600" i="1" dirty="0">
-                          <a:latin typeface="Calibri" panose="020F0502020204030204" pitchFamily="34" charset="0"/>
-                          <a:cs typeface="Calibri" panose="020F0502020204030204" pitchFamily="34" charset="0"/>
-                        </a:rPr>
-                        <a:t>x</a:t>
-                      </a:r>
-                      <a:r>
-                        <a:rPr lang="en-US" altLang="zh-CN" sz="1600" dirty="0">
-                          <a:latin typeface="Calibri" panose="020F0502020204030204" pitchFamily="34" charset="0"/>
-                          <a:cs typeface="Calibri" panose="020F0502020204030204" pitchFamily="34" charset="0"/>
-                        </a:rPr>
-                        <a:t> direction</a:t>
-                      </a:r>
-                      <a:endParaRPr lang="zh-CN" altLang="en-US" sz="1600" dirty="0">
-                        <a:latin typeface="Calibri" panose="020F0502020204030204" pitchFamily="34" charset="0"/>
-                        <a:cs typeface="Calibri" panose="020F0502020204030204" pitchFamily="34" charset="0"/>
-                      </a:endParaRPr>
-                    </a:p>
-                  </p:txBody>
-                </p:sp>
-                <p:grpSp>
-                  <p:nvGrpSpPr>
-                    <p:cNvPr id="398" name="Group 397">
-                      <a:extLst>
-                        <a:ext uri="{FF2B5EF4-FFF2-40B4-BE49-F238E27FC236}">
-                          <a16:creationId xmlns:a16="http://schemas.microsoft.com/office/drawing/2014/main" id="{070E85F3-3A14-F001-5CA9-844869EF56D8}"/>
-                        </a:ext>
-                      </a:extLst>
-                    </p:cNvPr>
-                    <p:cNvGrpSpPr/>
-                    <p:nvPr/>
-                  </p:nvGrpSpPr>
-                  <p:grpSpPr>
-                    <a:xfrm>
-                      <a:off x="4981656" y="2167395"/>
-                      <a:ext cx="2363188" cy="307777"/>
-                      <a:chOff x="4995798" y="4310585"/>
-                      <a:chExt cx="2363188" cy="307777"/>
-                    </a:xfrm>
-                  </p:grpSpPr>
-                  <p:grpSp>
-                    <p:nvGrpSpPr>
-                      <p:cNvPr id="399" name="Group 398">
-                        <a:extLst>
-                          <a:ext uri="{FF2B5EF4-FFF2-40B4-BE49-F238E27FC236}">
-                            <a16:creationId xmlns:a16="http://schemas.microsoft.com/office/drawing/2014/main" id="{EC83A912-26A2-28EF-7125-31281233105E}"/>
-                          </a:ext>
-                        </a:extLst>
-                      </p:cNvPr>
-                      <p:cNvGrpSpPr/>
-                      <p:nvPr/>
-                    </p:nvGrpSpPr>
-                    <p:grpSpPr>
-                      <a:xfrm>
-                        <a:off x="4995798" y="4310585"/>
-                        <a:ext cx="827750" cy="307777"/>
-                        <a:chOff x="5433443" y="4249705"/>
-                        <a:chExt cx="826516" cy="307777"/>
-                      </a:xfrm>
-                    </p:grpSpPr>
-                    <p:cxnSp>
-                      <p:nvCxnSpPr>
-                        <p:cNvPr id="406" name="Straight Connector 405">
-                          <a:extLst>
-                            <a:ext uri="{FF2B5EF4-FFF2-40B4-BE49-F238E27FC236}">
-                              <a16:creationId xmlns:a16="http://schemas.microsoft.com/office/drawing/2014/main" id="{0DCB7562-D606-A01F-4023-A01C49136651}"/>
-                            </a:ext>
-                          </a:extLst>
-                        </p:cNvPr>
-                        <p:cNvCxnSpPr>
-                          <a:cxnSpLocks/>
-                        </p:cNvCxnSpPr>
-                        <p:nvPr/>
-                      </p:nvCxnSpPr>
-                      <p:spPr>
-                        <a:xfrm>
-                          <a:off x="5433443" y="4397729"/>
-                          <a:ext cx="251021" cy="0"/>
-                        </a:xfrm>
-                        <a:prstGeom prst="line">
-                          <a:avLst/>
-                        </a:prstGeom>
-                        <a:ln w="19050">
-                          <a:solidFill>
-                            <a:srgbClr val="0A00F5"/>
-                          </a:solidFill>
-                        </a:ln>
-                      </p:spPr>
-                      <p:style>
-                        <a:lnRef idx="1">
-                          <a:schemeClr val="accent1"/>
-                        </a:lnRef>
-                        <a:fillRef idx="0">
-                          <a:schemeClr val="accent1"/>
-                        </a:fillRef>
-                        <a:effectRef idx="0">
-                          <a:schemeClr val="accent1"/>
-                        </a:effectRef>
-                        <a:fontRef idx="minor">
-                          <a:schemeClr val="tx1"/>
-                        </a:fontRef>
-                      </p:style>
-                    </p:cxnSp>
-                    <p:sp>
-                      <p:nvSpPr>
-                        <p:cNvPr id="407" name="文本框 9">
-                          <a:extLst>
-                            <a:ext uri="{FF2B5EF4-FFF2-40B4-BE49-F238E27FC236}">
-                              <a16:creationId xmlns:a16="http://schemas.microsoft.com/office/drawing/2014/main" id="{B97270B3-3BA8-6BCD-B5C8-AAB215977D62}"/>
-                            </a:ext>
-                          </a:extLst>
-                        </p:cNvPr>
-                        <p:cNvSpPr txBox="1"/>
-                        <p:nvPr/>
-                      </p:nvSpPr>
-                      <p:spPr>
-                        <a:xfrm>
-                          <a:off x="5585564" y="4249705"/>
-                          <a:ext cx="674395" cy="307777"/>
-                        </a:xfrm>
-                        <a:prstGeom prst="rect">
-                          <a:avLst/>
-                        </a:prstGeom>
-                        <a:noFill/>
-                        <a:ln>
-                          <a:noFill/>
-                        </a:ln>
-                      </p:spPr>
-                      <p:txBody>
-                        <a:bodyPr wrap="square" rtlCol="0">
-                          <a:spAutoFit/>
-                        </a:bodyPr>
-                        <a:lstStyle/>
-                        <a:p>
-                          <a:pPr algn="ctr"/>
-                          <a:r>
-                            <a:rPr lang="en-US" altLang="zh-CN" sz="1400" dirty="0">
-                              <a:latin typeface="Calibri" panose="020F0502020204030204" pitchFamily="34" charset="0"/>
-                              <a:cs typeface="Calibri" panose="020F0502020204030204" pitchFamily="34" charset="0"/>
-                            </a:rPr>
-                            <a:t>Raster</a:t>
-                          </a:r>
-                          <a:endParaRPr lang="zh-CN" altLang="en-US" sz="1400" dirty="0">
-                            <a:latin typeface="Calibri" panose="020F0502020204030204" pitchFamily="34" charset="0"/>
-                            <a:cs typeface="Calibri" panose="020F0502020204030204" pitchFamily="34" charset="0"/>
-                          </a:endParaRPr>
-                        </a:p>
-                      </p:txBody>
-                    </p:sp>
-                  </p:grpSp>
-                  <p:grpSp>
-                    <p:nvGrpSpPr>
-                      <p:cNvPr id="400" name="Group 399">
-                        <a:extLst>
-                          <a:ext uri="{FF2B5EF4-FFF2-40B4-BE49-F238E27FC236}">
-                            <a16:creationId xmlns:a16="http://schemas.microsoft.com/office/drawing/2014/main" id="{467C887D-5C88-716A-7105-285BC661A3F0}"/>
-                          </a:ext>
-                        </a:extLst>
-                      </p:cNvPr>
-                      <p:cNvGrpSpPr/>
-                      <p:nvPr/>
-                    </p:nvGrpSpPr>
-                    <p:grpSpPr>
-                      <a:xfrm>
-                        <a:off x="5808217" y="4310585"/>
-                        <a:ext cx="806694" cy="307777"/>
-                        <a:chOff x="6178525" y="4249705"/>
-                        <a:chExt cx="805490" cy="307777"/>
-                      </a:xfrm>
-                    </p:grpSpPr>
-                    <p:cxnSp>
-                      <p:nvCxnSpPr>
-                        <p:cNvPr id="404" name="Straight Connector 403">
-                          <a:extLst>
-                            <a:ext uri="{FF2B5EF4-FFF2-40B4-BE49-F238E27FC236}">
-                              <a16:creationId xmlns:a16="http://schemas.microsoft.com/office/drawing/2014/main" id="{6AE00896-AA58-2D22-D4AD-0C59E26E8DE3}"/>
-                            </a:ext>
-                          </a:extLst>
-                        </p:cNvPr>
-                        <p:cNvCxnSpPr>
-                          <a:cxnSpLocks/>
-                        </p:cNvCxnSpPr>
-                        <p:nvPr/>
-                      </p:nvCxnSpPr>
-                      <p:spPr>
-                        <a:xfrm>
-                          <a:off x="6178525" y="4397729"/>
-                          <a:ext cx="251021" cy="0"/>
-                        </a:xfrm>
-                        <a:prstGeom prst="line">
-                          <a:avLst/>
-                        </a:prstGeom>
-                        <a:ln w="19050">
-                          <a:solidFill>
-                            <a:srgbClr val="FF0000"/>
-                          </a:solidFill>
-                        </a:ln>
-                      </p:spPr>
-                      <p:style>
-                        <a:lnRef idx="1">
-                          <a:schemeClr val="accent1"/>
-                        </a:lnRef>
-                        <a:fillRef idx="0">
-                          <a:schemeClr val="accent1"/>
-                        </a:fillRef>
-                        <a:effectRef idx="0">
-                          <a:schemeClr val="accent1"/>
-                        </a:effectRef>
-                        <a:fontRef idx="minor">
-                          <a:schemeClr val="tx1"/>
-                        </a:fontRef>
-                      </p:style>
-                    </p:cxnSp>
-                    <p:sp>
-                      <p:nvSpPr>
-                        <p:cNvPr id="405" name="文本框 9">
-                          <a:extLst>
-                            <a:ext uri="{FF2B5EF4-FFF2-40B4-BE49-F238E27FC236}">
-                              <a16:creationId xmlns:a16="http://schemas.microsoft.com/office/drawing/2014/main" id="{65F192AA-EC41-52E1-99D9-41D3CA772278}"/>
-                            </a:ext>
-                          </a:extLst>
-                        </p:cNvPr>
-                        <p:cNvSpPr txBox="1"/>
-                        <p:nvPr/>
-                      </p:nvSpPr>
-                      <p:spPr>
-                        <a:xfrm>
-                          <a:off x="6309620" y="4249705"/>
-                          <a:ext cx="674395" cy="307777"/>
-                        </a:xfrm>
-                        <a:prstGeom prst="rect">
-                          <a:avLst/>
-                        </a:prstGeom>
-                        <a:noFill/>
-                        <a:ln>
-                          <a:noFill/>
-                        </a:ln>
-                      </p:spPr>
-                      <p:txBody>
-                        <a:bodyPr wrap="square" rtlCol="0">
-                          <a:spAutoFit/>
-                        </a:bodyPr>
-                        <a:lstStyle/>
-                        <a:p>
-                          <a:pPr algn="ctr"/>
-                          <a:r>
-                            <a:rPr lang="en-US" altLang="zh-CN" sz="1400" dirty="0">
-                              <a:latin typeface="Calibri" panose="020F0502020204030204" pitchFamily="34" charset="0"/>
-                              <a:cs typeface="Calibri" panose="020F0502020204030204" pitchFamily="34" charset="0"/>
-                            </a:rPr>
-                            <a:t>Maze</a:t>
-                          </a:r>
-                          <a:endParaRPr lang="zh-CN" altLang="en-US" sz="1400" dirty="0">
-                            <a:latin typeface="Calibri" panose="020F0502020204030204" pitchFamily="34" charset="0"/>
-                            <a:cs typeface="Calibri" panose="020F0502020204030204" pitchFamily="34" charset="0"/>
-                          </a:endParaRPr>
-                        </a:p>
-                      </p:txBody>
-                    </p:sp>
-                  </p:grpSp>
-                  <p:grpSp>
-                    <p:nvGrpSpPr>
-                      <p:cNvPr id="401" name="Group 400">
-                        <a:extLst>
-                          <a:ext uri="{FF2B5EF4-FFF2-40B4-BE49-F238E27FC236}">
-                            <a16:creationId xmlns:a16="http://schemas.microsoft.com/office/drawing/2014/main" id="{22E32A5F-9171-1209-1D76-123AE9CCE1E7}"/>
-                          </a:ext>
-                        </a:extLst>
-                      </p:cNvPr>
-                      <p:cNvGrpSpPr/>
-                      <p:nvPr/>
-                    </p:nvGrpSpPr>
-                    <p:grpSpPr>
-                      <a:xfrm>
-                        <a:off x="6599580" y="4310585"/>
-                        <a:ext cx="759406" cy="307777"/>
-                        <a:chOff x="6923607" y="4249705"/>
-                        <a:chExt cx="758274" cy="307777"/>
-                      </a:xfrm>
-                    </p:grpSpPr>
-                    <p:cxnSp>
-                      <p:nvCxnSpPr>
-                        <p:cNvPr id="402" name="Straight Connector 401">
-                          <a:extLst>
-                            <a:ext uri="{FF2B5EF4-FFF2-40B4-BE49-F238E27FC236}">
-                              <a16:creationId xmlns:a16="http://schemas.microsoft.com/office/drawing/2014/main" id="{859BF4A1-52A7-3F6B-2974-0AC184536964}"/>
-                            </a:ext>
-                          </a:extLst>
-                        </p:cNvPr>
-                        <p:cNvCxnSpPr>
-                          <a:cxnSpLocks/>
-                        </p:cNvCxnSpPr>
-                        <p:nvPr/>
-                      </p:nvCxnSpPr>
-                      <p:spPr>
-                        <a:xfrm>
-                          <a:off x="6923607" y="4397729"/>
-                          <a:ext cx="251021" cy="0"/>
-                        </a:xfrm>
-                        <a:prstGeom prst="line">
-                          <a:avLst/>
-                        </a:prstGeom>
-                        <a:ln w="19050">
-                          <a:solidFill>
-                            <a:srgbClr val="BEBE00"/>
-                          </a:solidFill>
-                        </a:ln>
-                      </p:spPr>
-                      <p:style>
-                        <a:lnRef idx="1">
-                          <a:schemeClr val="accent1"/>
-                        </a:lnRef>
-                        <a:fillRef idx="0">
-                          <a:schemeClr val="accent1"/>
-                        </a:fillRef>
-                        <a:effectRef idx="0">
-                          <a:schemeClr val="accent1"/>
-                        </a:effectRef>
-                        <a:fontRef idx="minor">
-                          <a:schemeClr val="tx1"/>
-                        </a:fontRef>
-                      </p:style>
-                    </p:cxnSp>
-                    <p:sp>
-                      <p:nvSpPr>
-                        <p:cNvPr id="403" name="文本框 9">
-                          <a:extLst>
-                            <a:ext uri="{FF2B5EF4-FFF2-40B4-BE49-F238E27FC236}">
-                              <a16:creationId xmlns:a16="http://schemas.microsoft.com/office/drawing/2014/main" id="{5EDE38A9-CDCC-AE1A-C663-028946949D21}"/>
-                            </a:ext>
-                          </a:extLst>
-                        </p:cNvPr>
-                        <p:cNvSpPr txBox="1"/>
-                        <p:nvPr/>
-                      </p:nvSpPr>
-                      <p:spPr>
-                        <a:xfrm>
-                          <a:off x="7007486" y="4249705"/>
-                          <a:ext cx="674395" cy="307777"/>
-                        </a:xfrm>
-                        <a:prstGeom prst="rect">
-                          <a:avLst/>
-                        </a:prstGeom>
-                        <a:noFill/>
-                        <a:ln>
-                          <a:noFill/>
-                        </a:ln>
-                      </p:spPr>
-                      <p:txBody>
-                        <a:bodyPr wrap="square" rtlCol="0">
-                          <a:spAutoFit/>
-                        </a:bodyPr>
-                        <a:lstStyle/>
-                        <a:p>
-                          <a:pPr algn="ctr"/>
-                          <a:r>
-                            <a:rPr lang="en-US" altLang="zh-CN" sz="1400" dirty="0">
-                              <a:latin typeface="Calibri" panose="020F0502020204030204" pitchFamily="34" charset="0"/>
-                              <a:cs typeface="Calibri" panose="020F0502020204030204" pitchFamily="34" charset="0"/>
-                            </a:rPr>
-                            <a:t>RAP</a:t>
-                          </a:r>
-                          <a:endParaRPr lang="zh-CN" altLang="en-US" sz="1400" dirty="0">
-                            <a:latin typeface="Calibri" panose="020F0502020204030204" pitchFamily="34" charset="0"/>
-                            <a:cs typeface="Calibri" panose="020F0502020204030204" pitchFamily="34" charset="0"/>
-                          </a:endParaRPr>
-                        </a:p>
-                      </p:txBody>
-                    </p:sp>
-                  </p:grpSp>
-                </p:grpSp>
-              </p:grpSp>
-            </p:grpSp>
-            <p:grpSp>
-              <p:nvGrpSpPr>
-                <p:cNvPr id="360" name="Group 359">
-                  <a:extLst>
-                    <a:ext uri="{FF2B5EF4-FFF2-40B4-BE49-F238E27FC236}">
-                      <a16:creationId xmlns:a16="http://schemas.microsoft.com/office/drawing/2014/main" id="{696973D9-38A5-B8BD-B7FB-851B4C06D1B3}"/>
-                    </a:ext>
-                  </a:extLst>
-                </p:cNvPr>
-                <p:cNvGrpSpPr/>
-                <p:nvPr/>
-              </p:nvGrpSpPr>
-              <p:grpSpPr>
-                <a:xfrm>
-                  <a:off x="4954815" y="276345"/>
-                  <a:ext cx="2383679" cy="4397540"/>
-                  <a:chOff x="5382175" y="1738760"/>
-                  <a:chExt cx="2383679" cy="2898449"/>
-                </a:xfrm>
-              </p:grpSpPr>
-              <p:cxnSp>
-                <p:nvCxnSpPr>
-                  <p:cNvPr id="365" name="Straight Arrow Connector 364">
-                    <a:extLst>
-                      <a:ext uri="{FF2B5EF4-FFF2-40B4-BE49-F238E27FC236}">
-                        <a16:creationId xmlns:a16="http://schemas.microsoft.com/office/drawing/2014/main" id="{E47FFEA4-DA8B-6E73-586D-FDB26D7B1EB4}"/>
-                      </a:ext>
-                    </a:extLst>
-                  </p:cNvPr>
-                  <p:cNvCxnSpPr>
-                    <a:cxnSpLocks/>
-                  </p:cNvCxnSpPr>
-                  <p:nvPr/>
-                </p:nvCxnSpPr>
-                <p:spPr>
-                  <a:xfrm>
-                    <a:off x="5385233" y="4637209"/>
-                    <a:ext cx="2380621" cy="0"/>
-                  </a:xfrm>
-                  <a:prstGeom prst="straightConnector1">
-                    <a:avLst/>
-                  </a:prstGeom>
-                  <a:ln w="12700">
-                    <a:solidFill>
-                      <a:schemeClr val="tx1"/>
-                    </a:solidFill>
-                    <a:tailEnd type="triangle"/>
-                  </a:ln>
-                </p:spPr>
-                <p:style>
-                  <a:lnRef idx="1">
-                    <a:schemeClr val="accent1"/>
-                  </a:lnRef>
-                  <a:fillRef idx="0">
-                    <a:schemeClr val="accent1"/>
-                  </a:fillRef>
-                  <a:effectRef idx="0">
-                    <a:schemeClr val="accent1"/>
-                  </a:effectRef>
-                  <a:fontRef idx="minor">
-                    <a:schemeClr val="tx1"/>
-                  </a:fontRef>
-                </p:style>
-              </p:cxnSp>
-              <p:cxnSp>
-                <p:nvCxnSpPr>
-                  <p:cNvPr id="366" name="Straight Arrow Connector 365">
-                    <a:extLst>
-                      <a:ext uri="{FF2B5EF4-FFF2-40B4-BE49-F238E27FC236}">
-                        <a16:creationId xmlns:a16="http://schemas.microsoft.com/office/drawing/2014/main" id="{0F7A9ECC-EACF-6997-EE73-751381699107}"/>
-                      </a:ext>
-                    </a:extLst>
-                  </p:cNvPr>
-                  <p:cNvCxnSpPr>
-                    <a:cxnSpLocks/>
-                  </p:cNvCxnSpPr>
-                  <p:nvPr/>
-                </p:nvCxnSpPr>
-                <p:spPr>
-                  <a:xfrm flipV="1">
-                    <a:off x="5382175" y="1738760"/>
-                    <a:ext cx="0" cy="1536996"/>
-                  </a:xfrm>
-                  <a:prstGeom prst="straightConnector1">
-                    <a:avLst/>
-                  </a:prstGeom>
-                  <a:ln w="12700">
-                    <a:solidFill>
-                      <a:schemeClr val="tx1"/>
-                    </a:solidFill>
-                    <a:tailEnd type="triangle"/>
-                  </a:ln>
-                </p:spPr>
-                <p:style>
-                  <a:lnRef idx="1">
-                    <a:schemeClr val="accent1"/>
-                  </a:lnRef>
-                  <a:fillRef idx="0">
-                    <a:schemeClr val="accent1"/>
-                  </a:fillRef>
-                  <a:effectRef idx="0">
-                    <a:schemeClr val="accent1"/>
-                  </a:effectRef>
-                  <a:fontRef idx="minor">
-                    <a:schemeClr val="tx1"/>
-                  </a:fontRef>
-                </p:style>
-              </p:cxnSp>
-            </p:grpSp>
-          </p:grpSp>
-          <p:sp>
-            <p:nvSpPr>
-              <p:cNvPr id="359" name="文本框 9">
-                <a:extLst>
-                  <a:ext uri="{FF2B5EF4-FFF2-40B4-BE49-F238E27FC236}">
-                    <a16:creationId xmlns:a16="http://schemas.microsoft.com/office/drawing/2014/main" id="{13443929-CE93-EDB3-66C7-F60DAC2ECF64}"/>
-                  </a:ext>
-                </a:extLst>
-              </p:cNvPr>
-              <p:cNvSpPr txBox="1"/>
-              <p:nvPr/>
-            </p:nvSpPr>
-            <p:spPr>
-              <a:xfrm>
-                <a:off x="4470015" y="216446"/>
-                <a:ext cx="384744" cy="338554"/>
-              </a:xfrm>
-              <a:prstGeom prst="rect">
-                <a:avLst/>
-              </a:prstGeom>
-              <a:noFill/>
-              <a:ln>
-                <a:noFill/>
-              </a:ln>
-            </p:spPr>
-            <p:txBody>
-              <a:bodyPr wrap="square" rtlCol="0">
-                <a:spAutoFit/>
-              </a:bodyPr>
-              <a:lstStyle/>
-              <a:p>
-                <a:pPr algn="ctr"/>
-                <a:r>
-                  <a:rPr lang="en-US" altLang="zh-CN" sz="1600" b="1" dirty="0">
-                    <a:latin typeface="Calibri" panose="020F0502020204030204" pitchFamily="34" charset="0"/>
-                    <a:cs typeface="Calibri" panose="020F0502020204030204" pitchFamily="34" charset="0"/>
-                  </a:rPr>
-                  <a:t>(d)</a:t>
-                </a:r>
-                <a:endParaRPr lang="zh-CN" altLang="en-US" sz="1600" b="1" dirty="0">
-                  <a:latin typeface="Calibri" panose="020F0502020204030204" pitchFamily="34" charset="0"/>
-                  <a:cs typeface="Calibri" panose="020F0502020204030204" pitchFamily="34" charset="0"/>
-                </a:endParaRPr>
-              </a:p>
-            </p:txBody>
-          </p:sp>
-        </p:grpSp>
-        <p:cxnSp>
-          <p:nvCxnSpPr>
-            <p:cNvPr id="414" name="Straight Arrow Connector 413">
-              <a:extLst>
-                <a:ext uri="{FF2B5EF4-FFF2-40B4-BE49-F238E27FC236}">
-                  <a16:creationId xmlns:a16="http://schemas.microsoft.com/office/drawing/2014/main" id="{B4359659-9662-3343-D7CD-FCF5E24E7C19}"/>
-                </a:ext>
-              </a:extLst>
-            </p:cNvPr>
-            <p:cNvCxnSpPr>
-              <a:cxnSpLocks/>
-            </p:cNvCxnSpPr>
-            <p:nvPr/>
-          </p:nvCxnSpPr>
-          <p:spPr>
-            <a:xfrm flipV="1">
-              <a:off x="5055157" y="2674937"/>
-              <a:ext cx="0" cy="2087627"/>
-            </a:xfrm>
-            <a:prstGeom prst="straightConnector1">
-              <a:avLst/>
-            </a:prstGeom>
-            <a:ln w="12700">
-              <a:solidFill>
-                <a:schemeClr val="tx1"/>
-              </a:solidFill>
-              <a:tailEnd type="triangle"/>
-            </a:ln>
-          </p:spPr>
-          <p:style>
-            <a:lnRef idx="1">
-              <a:schemeClr val="accent1"/>
-            </a:lnRef>
-            <a:fillRef idx="0">
-              <a:schemeClr val="accent1"/>
-            </a:fillRef>
-            <a:effectRef idx="0">
-              <a:schemeClr val="accent1"/>
-            </a:effectRef>
-            <a:fontRef idx="minor">
-              <a:schemeClr val="tx1"/>
-            </a:fontRef>
-          </p:style>
-        </p:cxnSp>
       </p:grpSp>
     </p:spTree>
     <p:extLst>

--- a/paper/fig-ppt/path_vs_path.pptx
+++ b/paper/fig-ppt/path_vs_path.pptx
@@ -3416,10 +3416,10 @@
       </p:grpSpPr>
       <p:grpSp>
         <p:nvGrpSpPr>
-          <p:cNvPr id="307" name="Group 306">
+          <p:cNvPr id="2" name="Group 1">
             <a:extLst>
               <a:ext uri="{FF2B5EF4-FFF2-40B4-BE49-F238E27FC236}">
-                <a16:creationId xmlns:a16="http://schemas.microsoft.com/office/drawing/2014/main" id="{B6CB8F2A-981D-F059-13C5-3E08DC059386}"/>
+                <a16:creationId xmlns:a16="http://schemas.microsoft.com/office/drawing/2014/main" id="{92C1D044-2258-B41A-0477-3F073446B6E5}"/>
               </a:ext>
             </a:extLst>
           </p:cNvPr>
@@ -3428,18 +3428,18 @@
         </p:nvGrpSpPr>
         <p:grpSpPr>
           <a:xfrm>
-            <a:off x="7291693" y="160270"/>
-            <a:ext cx="4687582" cy="5205126"/>
-            <a:chOff x="7255457" y="406056"/>
-            <a:chExt cx="4687582" cy="5205126"/>
+            <a:off x="-97114" y="0"/>
+            <a:ext cx="12076389" cy="5378235"/>
+            <a:chOff x="-97114" y="0"/>
+            <a:chExt cx="12076389" cy="5378235"/>
           </a:xfrm>
         </p:grpSpPr>
         <p:grpSp>
           <p:nvGrpSpPr>
-            <p:cNvPr id="367" name="Group 366">
+            <p:cNvPr id="307" name="Group 306">
               <a:extLst>
                 <a:ext uri="{FF2B5EF4-FFF2-40B4-BE49-F238E27FC236}">
-                  <a16:creationId xmlns:a16="http://schemas.microsoft.com/office/drawing/2014/main" id="{606F27A1-2719-1956-4CF1-FF0F8D88F675}"/>
+                  <a16:creationId xmlns:a16="http://schemas.microsoft.com/office/drawing/2014/main" id="{B6CB8F2A-981D-F059-13C5-3E08DC059386}"/>
                 </a:ext>
               </a:extLst>
             </p:cNvPr>
@@ -3448,18 +3448,18 @@
           </p:nvGrpSpPr>
           <p:grpSpPr>
             <a:xfrm>
-              <a:off x="7354359" y="3950619"/>
-              <a:ext cx="4588680" cy="1660563"/>
-              <a:chOff x="7354359" y="3950619"/>
-              <a:chExt cx="4588680" cy="1660563"/>
+              <a:off x="7291693" y="160270"/>
+              <a:ext cx="4687582" cy="5205126"/>
+              <a:chOff x="7255457" y="406056"/>
+              <a:chExt cx="4687582" cy="5205126"/>
             </a:xfrm>
           </p:grpSpPr>
           <p:grpSp>
             <p:nvGrpSpPr>
-              <p:cNvPr id="382" name="Group 381">
+              <p:cNvPr id="367" name="Group 366">
                 <a:extLst>
                   <a:ext uri="{FF2B5EF4-FFF2-40B4-BE49-F238E27FC236}">
-                    <a16:creationId xmlns:a16="http://schemas.microsoft.com/office/drawing/2014/main" id="{BE797801-B6BD-981A-90B8-D1567AF5C74E}"/>
+                    <a16:creationId xmlns:a16="http://schemas.microsoft.com/office/drawing/2014/main" id="{606F27A1-2719-1956-4CF1-FF0F8D88F675}"/>
                   </a:ext>
                 </a:extLst>
               </p:cNvPr>
@@ -3468,47 +3468,206 @@
             </p:nvGrpSpPr>
             <p:grpSpPr>
               <a:xfrm>
-                <a:off x="7354359" y="4207847"/>
-                <a:ext cx="4588680" cy="1403335"/>
-                <a:chOff x="7405159" y="4207847"/>
-                <a:chExt cx="4588680" cy="1403335"/>
+                <a:off x="7354359" y="3950619"/>
+                <a:ext cx="4588680" cy="1660563"/>
+                <a:chOff x="7354359" y="3950619"/>
+                <a:chExt cx="4588680" cy="1660563"/>
               </a:xfrm>
             </p:grpSpPr>
-            <p:pic>
-              <p:nvPicPr>
-                <p:cNvPr id="385" name="Picture 384">
+            <p:grpSp>
+              <p:nvGrpSpPr>
+                <p:cNvPr id="382" name="Group 381">
                   <a:extLst>
                     <a:ext uri="{FF2B5EF4-FFF2-40B4-BE49-F238E27FC236}">
-                      <a16:creationId xmlns:a16="http://schemas.microsoft.com/office/drawing/2014/main" id="{42696E9E-AE26-1016-3C4B-7775F4C5FD6A}"/>
+                      <a16:creationId xmlns:a16="http://schemas.microsoft.com/office/drawing/2014/main" id="{BE797801-B6BD-981A-90B8-D1567AF5C74E}"/>
                     </a:ext>
                   </a:extLst>
                 </p:cNvPr>
-                <p:cNvPicPr>
-                  <a:picLocks noChangeAspect="1"/>
-                </p:cNvPicPr>
+                <p:cNvGrpSpPr/>
                 <p:nvPr/>
-              </p:nvPicPr>
-              <p:blipFill rotWithShape="1">
-                <a:blip r:embed="rId3"/>
-                <a:srcRect l="12025" t="32063" r="8809" b="39656"/>
-                <a:stretch/>
-              </p:blipFill>
-              <p:spPr>
+              </p:nvGrpSpPr>
+              <p:grpSpPr>
                 <a:xfrm>
-                  <a:off x="7505701" y="4207847"/>
-                  <a:ext cx="4354172" cy="1166582"/>
+                  <a:off x="7354359" y="4207847"/>
+                  <a:ext cx="4588680" cy="1403335"/>
+                  <a:chOff x="7405159" y="4207847"/>
+                  <a:chExt cx="4588680" cy="1403335"/>
                 </a:xfrm>
-                <a:prstGeom prst="rect">
-                  <a:avLst/>
-                </a:prstGeom>
-              </p:spPr>
-            </p:pic>
+              </p:grpSpPr>
+              <p:pic>
+                <p:nvPicPr>
+                  <p:cNvPr id="385" name="Picture 384">
+                    <a:extLst>
+                      <a:ext uri="{FF2B5EF4-FFF2-40B4-BE49-F238E27FC236}">
+                        <a16:creationId xmlns:a16="http://schemas.microsoft.com/office/drawing/2014/main" id="{42696E9E-AE26-1016-3C4B-7775F4C5FD6A}"/>
+                      </a:ext>
+                    </a:extLst>
+                  </p:cNvPr>
+                  <p:cNvPicPr>
+                    <a:picLocks noChangeAspect="1"/>
+                  </p:cNvPicPr>
+                  <p:nvPr/>
+                </p:nvPicPr>
+                <p:blipFill rotWithShape="1">
+                  <a:blip r:embed="rId3"/>
+                  <a:srcRect l="12025" t="32063" r="8809" b="39656"/>
+                  <a:stretch/>
+                </p:blipFill>
+                <p:spPr>
+                  <a:xfrm>
+                    <a:off x="7505701" y="4207847"/>
+                    <a:ext cx="4354172" cy="1166582"/>
+                  </a:xfrm>
+                  <a:prstGeom prst="rect">
+                    <a:avLst/>
+                  </a:prstGeom>
+                </p:spPr>
+              </p:pic>
+              <p:sp>
+                <p:nvSpPr>
+                  <p:cNvPr id="386" name="文本框 9">
+                    <a:extLst>
+                      <a:ext uri="{FF2B5EF4-FFF2-40B4-BE49-F238E27FC236}">
+                        <a16:creationId xmlns:a16="http://schemas.microsoft.com/office/drawing/2014/main" id="{FF183076-02E7-8D6C-2E39-17BE258F2698}"/>
+                      </a:ext>
+                    </a:extLst>
+                  </p:cNvPr>
+                  <p:cNvSpPr txBox="1"/>
+                  <p:nvPr/>
+                </p:nvSpPr>
+                <p:spPr>
+                  <a:xfrm>
+                    <a:off x="7405159" y="5303405"/>
+                    <a:ext cx="474940" cy="307777"/>
+                  </a:xfrm>
+                  <a:prstGeom prst="rect">
+                    <a:avLst/>
+                  </a:prstGeom>
+                  <a:noFill/>
+                  <a:ln>
+                    <a:noFill/>
+                  </a:ln>
+                </p:spPr>
+                <p:txBody>
+                  <a:bodyPr wrap="square" rtlCol="0">
+                    <a:spAutoFit/>
+                  </a:bodyPr>
+                  <a:lstStyle/>
+                  <a:p>
+                    <a:pPr algn="ctr"/>
+                    <a:r>
+                      <a:rPr lang="en-US" altLang="zh-CN" sz="1400" dirty="0">
+                        <a:latin typeface="Calibri" panose="020F0502020204030204" pitchFamily="34" charset="0"/>
+                        <a:cs typeface="Calibri" panose="020F0502020204030204" pitchFamily="34" charset="0"/>
+                      </a:rPr>
+                      <a:t>-0.5</a:t>
+                    </a:r>
+                    <a:endParaRPr lang="zh-CN" altLang="en-US" sz="1400" dirty="0">
+                      <a:latin typeface="Calibri" panose="020F0502020204030204" pitchFamily="34" charset="0"/>
+                      <a:cs typeface="Calibri" panose="020F0502020204030204" pitchFamily="34" charset="0"/>
+                    </a:endParaRPr>
+                  </a:p>
+                </p:txBody>
+              </p:sp>
+              <p:sp>
+                <p:nvSpPr>
+                  <p:cNvPr id="387" name="文本框 9">
+                    <a:extLst>
+                      <a:ext uri="{FF2B5EF4-FFF2-40B4-BE49-F238E27FC236}">
+                        <a16:creationId xmlns:a16="http://schemas.microsoft.com/office/drawing/2014/main" id="{0B46B37E-AF54-B065-20B4-B6D7AA8E78F1}"/>
+                      </a:ext>
+                    </a:extLst>
+                  </p:cNvPr>
+                  <p:cNvSpPr txBox="1"/>
+                  <p:nvPr/>
+                </p:nvSpPr>
+                <p:spPr>
+                  <a:xfrm>
+                    <a:off x="11518899" y="5303405"/>
+                    <a:ext cx="474940" cy="307777"/>
+                  </a:xfrm>
+                  <a:prstGeom prst="rect">
+                    <a:avLst/>
+                  </a:prstGeom>
+                  <a:noFill/>
+                  <a:ln>
+                    <a:noFill/>
+                  </a:ln>
+                </p:spPr>
+                <p:txBody>
+                  <a:bodyPr wrap="square" rtlCol="0">
+                    <a:spAutoFit/>
+                  </a:bodyPr>
+                  <a:lstStyle/>
+                  <a:p>
+                    <a:pPr algn="ctr"/>
+                    <a:r>
+                      <a:rPr lang="en-US" altLang="zh-CN" sz="1400" dirty="0">
+                        <a:latin typeface="Calibri" panose="020F0502020204030204" pitchFamily="34" charset="0"/>
+                        <a:cs typeface="Calibri" panose="020F0502020204030204" pitchFamily="34" charset="0"/>
+                      </a:rPr>
+                      <a:t>0.5</a:t>
+                    </a:r>
+                    <a:endParaRPr lang="zh-CN" altLang="en-US" sz="1400" dirty="0">
+                      <a:latin typeface="Calibri" panose="020F0502020204030204" pitchFamily="34" charset="0"/>
+                      <a:cs typeface="Calibri" panose="020F0502020204030204" pitchFamily="34" charset="0"/>
+                    </a:endParaRPr>
+                  </a:p>
+                </p:txBody>
+              </p:sp>
+              <p:sp>
+                <p:nvSpPr>
+                  <p:cNvPr id="388" name="文本框 9">
+                    <a:extLst>
+                      <a:ext uri="{FF2B5EF4-FFF2-40B4-BE49-F238E27FC236}">
+                        <a16:creationId xmlns:a16="http://schemas.microsoft.com/office/drawing/2014/main" id="{5614B376-CF41-06E5-F62C-F612EBB8D6FE}"/>
+                      </a:ext>
+                    </a:extLst>
+                  </p:cNvPr>
+                  <p:cNvSpPr txBox="1"/>
+                  <p:nvPr/>
+                </p:nvSpPr>
+                <p:spPr>
+                  <a:xfrm>
+                    <a:off x="9341026" y="5303405"/>
+                    <a:ext cx="574677" cy="307777"/>
+                  </a:xfrm>
+                  <a:prstGeom prst="rect">
+                    <a:avLst/>
+                  </a:prstGeom>
+                  <a:noFill/>
+                  <a:ln>
+                    <a:noFill/>
+                  </a:ln>
+                </p:spPr>
+                <p:txBody>
+                  <a:bodyPr wrap="square" rtlCol="0">
+                    <a:spAutoFit/>
+                  </a:bodyPr>
+                  <a:lstStyle/>
+                  <a:p>
+                    <a:pPr algn="ctr"/>
+                    <a:r>
+                      <a:rPr lang="en-US" altLang="zh-CN" sz="1400" dirty="0">
+                        <a:latin typeface="Calibri" panose="020F0502020204030204" pitchFamily="34" charset="0"/>
+                        <a:cs typeface="Calibri" panose="020F0502020204030204" pitchFamily="34" charset="0"/>
+                      </a:rPr>
+                      <a:t>[ nm ]</a:t>
+                    </a:r>
+                    <a:endParaRPr lang="zh-CN" altLang="en-US" sz="1400" dirty="0">
+                      <a:latin typeface="Calibri" panose="020F0502020204030204" pitchFamily="34" charset="0"/>
+                      <a:cs typeface="Calibri" panose="020F0502020204030204" pitchFamily="34" charset="0"/>
+                    </a:endParaRPr>
+                  </a:p>
+                </p:txBody>
+              </p:sp>
+            </p:grpSp>
             <p:sp>
               <p:nvSpPr>
-                <p:cNvPr id="386" name="文本框 9">
+                <p:cNvPr id="383" name="文本框 9">
                   <a:extLst>
                     <a:ext uri="{FF2B5EF4-FFF2-40B4-BE49-F238E27FC236}">
-                      <a16:creationId xmlns:a16="http://schemas.microsoft.com/office/drawing/2014/main" id="{FF183076-02E7-8D6C-2E39-17BE258F2698}"/>
+                      <a16:creationId xmlns:a16="http://schemas.microsoft.com/office/drawing/2014/main" id="{F53E3CAB-92CF-231B-9E0E-F17B2119EA57}"/>
                     </a:ext>
                   </a:extLst>
                 </p:cNvPr>
@@ -3517,309 +3676,8 @@
               </p:nvSpPr>
               <p:spPr>
                 <a:xfrm>
-                  <a:off x="7405159" y="5303405"/>
-                  <a:ext cx="474940" cy="307777"/>
-                </a:xfrm>
-                <a:prstGeom prst="rect">
-                  <a:avLst/>
-                </a:prstGeom>
-                <a:noFill/>
-                <a:ln>
-                  <a:noFill/>
-                </a:ln>
-              </p:spPr>
-              <p:txBody>
-                <a:bodyPr wrap="square" rtlCol="0">
-                  <a:spAutoFit/>
-                </a:bodyPr>
-                <a:lstStyle/>
-                <a:p>
-                  <a:pPr algn="ctr"/>
-                  <a:r>
-                    <a:rPr lang="en-US" altLang="zh-CN" sz="1400" dirty="0">
-                      <a:latin typeface="Calibri" panose="020F0502020204030204" pitchFamily="34" charset="0"/>
-                      <a:cs typeface="Calibri" panose="020F0502020204030204" pitchFamily="34" charset="0"/>
-                    </a:rPr>
-                    <a:t>-0.5</a:t>
-                  </a:r>
-                  <a:endParaRPr lang="zh-CN" altLang="en-US" sz="1400" dirty="0">
-                    <a:latin typeface="Calibri" panose="020F0502020204030204" pitchFamily="34" charset="0"/>
-                    <a:cs typeface="Calibri" panose="020F0502020204030204" pitchFamily="34" charset="0"/>
-                  </a:endParaRPr>
-                </a:p>
-              </p:txBody>
-            </p:sp>
-            <p:sp>
-              <p:nvSpPr>
-                <p:cNvPr id="387" name="文本框 9">
-                  <a:extLst>
-                    <a:ext uri="{FF2B5EF4-FFF2-40B4-BE49-F238E27FC236}">
-                      <a16:creationId xmlns:a16="http://schemas.microsoft.com/office/drawing/2014/main" id="{0B46B37E-AF54-B065-20B4-B6D7AA8E78F1}"/>
-                    </a:ext>
-                  </a:extLst>
-                </p:cNvPr>
-                <p:cNvSpPr txBox="1"/>
-                <p:nvPr/>
-              </p:nvSpPr>
-              <p:spPr>
-                <a:xfrm>
-                  <a:off x="11518899" y="5303405"/>
-                  <a:ext cx="474940" cy="307777"/>
-                </a:xfrm>
-                <a:prstGeom prst="rect">
-                  <a:avLst/>
-                </a:prstGeom>
-                <a:noFill/>
-                <a:ln>
-                  <a:noFill/>
-                </a:ln>
-              </p:spPr>
-              <p:txBody>
-                <a:bodyPr wrap="square" rtlCol="0">
-                  <a:spAutoFit/>
-                </a:bodyPr>
-                <a:lstStyle/>
-                <a:p>
-                  <a:pPr algn="ctr"/>
-                  <a:r>
-                    <a:rPr lang="en-US" altLang="zh-CN" sz="1400" dirty="0">
-                      <a:latin typeface="Calibri" panose="020F0502020204030204" pitchFamily="34" charset="0"/>
-                      <a:cs typeface="Calibri" panose="020F0502020204030204" pitchFamily="34" charset="0"/>
-                    </a:rPr>
-                    <a:t>0.5</a:t>
-                  </a:r>
-                  <a:endParaRPr lang="zh-CN" altLang="en-US" sz="1400" dirty="0">
-                    <a:latin typeface="Calibri" panose="020F0502020204030204" pitchFamily="34" charset="0"/>
-                    <a:cs typeface="Calibri" panose="020F0502020204030204" pitchFamily="34" charset="0"/>
-                  </a:endParaRPr>
-                </a:p>
-              </p:txBody>
-            </p:sp>
-            <p:sp>
-              <p:nvSpPr>
-                <p:cNvPr id="388" name="文本框 9">
-                  <a:extLst>
-                    <a:ext uri="{FF2B5EF4-FFF2-40B4-BE49-F238E27FC236}">
-                      <a16:creationId xmlns:a16="http://schemas.microsoft.com/office/drawing/2014/main" id="{5614B376-CF41-06E5-F62C-F612EBB8D6FE}"/>
-                    </a:ext>
-                  </a:extLst>
-                </p:cNvPr>
-                <p:cNvSpPr txBox="1"/>
-                <p:nvPr/>
-              </p:nvSpPr>
-              <p:spPr>
-                <a:xfrm>
-                  <a:off x="9341026" y="5303405"/>
-                  <a:ext cx="574677" cy="307777"/>
-                </a:xfrm>
-                <a:prstGeom prst="rect">
-                  <a:avLst/>
-                </a:prstGeom>
-                <a:noFill/>
-                <a:ln>
-                  <a:noFill/>
-                </a:ln>
-              </p:spPr>
-              <p:txBody>
-                <a:bodyPr wrap="square" rtlCol="0">
-                  <a:spAutoFit/>
-                </a:bodyPr>
-                <a:lstStyle/>
-                <a:p>
-                  <a:pPr algn="ctr"/>
-                  <a:r>
-                    <a:rPr lang="en-US" altLang="zh-CN" sz="1400" dirty="0">
-                      <a:latin typeface="Calibri" panose="020F0502020204030204" pitchFamily="34" charset="0"/>
-                      <a:cs typeface="Calibri" panose="020F0502020204030204" pitchFamily="34" charset="0"/>
-                    </a:rPr>
-                    <a:t>[ nm ]</a:t>
-                  </a:r>
-                  <a:endParaRPr lang="zh-CN" altLang="en-US" sz="1400" dirty="0">
-                    <a:latin typeface="Calibri" panose="020F0502020204030204" pitchFamily="34" charset="0"/>
-                    <a:cs typeface="Calibri" panose="020F0502020204030204" pitchFamily="34" charset="0"/>
-                  </a:endParaRPr>
-                </a:p>
-              </p:txBody>
-            </p:sp>
-          </p:grpSp>
-          <p:sp>
-            <p:nvSpPr>
-              <p:cNvPr id="383" name="文本框 9">
-                <a:extLst>
-                  <a:ext uri="{FF2B5EF4-FFF2-40B4-BE49-F238E27FC236}">
-                    <a16:creationId xmlns:a16="http://schemas.microsoft.com/office/drawing/2014/main" id="{F53E3CAB-92CF-231B-9E0E-F17B2119EA57}"/>
-                  </a:ext>
-                </a:extLst>
-              </p:cNvPr>
-              <p:cNvSpPr txBox="1"/>
-              <p:nvPr/>
-            </p:nvSpPr>
-            <p:spPr>
-              <a:xfrm>
-                <a:off x="7492823" y="3950619"/>
-                <a:ext cx="4151774" cy="338554"/>
-              </a:xfrm>
-              <a:prstGeom prst="rect">
-                <a:avLst/>
-              </a:prstGeom>
-              <a:noFill/>
-              <a:ln>
-                <a:noFill/>
-              </a:ln>
-            </p:spPr>
-            <p:txBody>
-              <a:bodyPr wrap="square" rtlCol="0">
-                <a:spAutoFit/>
-              </a:bodyPr>
-              <a:lstStyle/>
-              <a:p>
-                <a:pPr algn="ctr"/>
-                <a:r>
-                  <a:rPr lang="en-US" altLang="zh-CN" sz="1600" dirty="0">
-                    <a:latin typeface="Calibri" panose="020F0502020204030204" pitchFamily="34" charset="0"/>
-                    <a:cs typeface="Calibri" panose="020F0502020204030204" pitchFamily="34" charset="0"/>
-                  </a:rPr>
-                  <a:t>RAP, residual RMS = 0.52 nm</a:t>
-                </a:r>
-                <a:endParaRPr lang="zh-CN" altLang="en-US" sz="1600" dirty="0">
-                  <a:latin typeface="Calibri" panose="020F0502020204030204" pitchFamily="34" charset="0"/>
-                  <a:cs typeface="Calibri" panose="020F0502020204030204" pitchFamily="34" charset="0"/>
-                </a:endParaRPr>
-              </a:p>
-            </p:txBody>
-          </p:sp>
-          <p:sp>
-            <p:nvSpPr>
-              <p:cNvPr id="384" name="文本框 9">
-                <a:extLst>
-                  <a:ext uri="{FF2B5EF4-FFF2-40B4-BE49-F238E27FC236}">
-                    <a16:creationId xmlns:a16="http://schemas.microsoft.com/office/drawing/2014/main" id="{37AC738D-23C1-9C4E-B76D-A0ADD73A042C}"/>
-                  </a:ext>
-                </a:extLst>
-              </p:cNvPr>
-              <p:cNvSpPr txBox="1"/>
-              <p:nvPr/>
-            </p:nvSpPr>
-            <p:spPr>
-              <a:xfrm>
-                <a:off x="7632931" y="3950619"/>
-                <a:ext cx="384744" cy="338554"/>
-              </a:xfrm>
-              <a:prstGeom prst="rect">
-                <a:avLst/>
-              </a:prstGeom>
-              <a:noFill/>
-              <a:ln>
-                <a:noFill/>
-              </a:ln>
-            </p:spPr>
-            <p:txBody>
-              <a:bodyPr wrap="square" rtlCol="0">
-                <a:spAutoFit/>
-              </a:bodyPr>
-              <a:lstStyle/>
-              <a:p>
-                <a:pPr algn="ctr"/>
-                <a:r>
-                  <a:rPr lang="en-US" altLang="zh-CN" sz="1600" b="1" dirty="0">
-                    <a:latin typeface="Calibri" panose="020F0502020204030204" pitchFamily="34" charset="0"/>
-                    <a:cs typeface="Calibri" panose="020F0502020204030204" pitchFamily="34" charset="0"/>
-                  </a:rPr>
-                  <a:t>(g)</a:t>
-                </a:r>
-                <a:endParaRPr lang="zh-CN" altLang="en-US" sz="1600" b="1" dirty="0">
-                  <a:latin typeface="Calibri" panose="020F0502020204030204" pitchFamily="34" charset="0"/>
-                  <a:cs typeface="Calibri" panose="020F0502020204030204" pitchFamily="34" charset="0"/>
-                </a:endParaRPr>
-              </a:p>
-            </p:txBody>
-          </p:sp>
-        </p:grpSp>
-        <p:grpSp>
-          <p:nvGrpSpPr>
-            <p:cNvPr id="368" name="Group 367">
-              <a:extLst>
-                <a:ext uri="{FF2B5EF4-FFF2-40B4-BE49-F238E27FC236}">
-                  <a16:creationId xmlns:a16="http://schemas.microsoft.com/office/drawing/2014/main" id="{1E33EADF-4C5E-8392-8A11-BA4DDBBA2EE2}"/>
-                </a:ext>
-              </a:extLst>
-            </p:cNvPr>
-            <p:cNvGrpSpPr/>
-            <p:nvPr/>
-          </p:nvGrpSpPr>
-          <p:grpSpPr>
-            <a:xfrm>
-              <a:off x="7255457" y="406056"/>
-              <a:ext cx="4397994" cy="1168384"/>
-              <a:chOff x="7255457" y="406056"/>
-              <a:chExt cx="4397994" cy="1168384"/>
-            </a:xfrm>
-          </p:grpSpPr>
-          <p:pic>
-            <p:nvPicPr>
-              <p:cNvPr id="373" name="Picture 372">
-                <a:extLst>
-                  <a:ext uri="{FF2B5EF4-FFF2-40B4-BE49-F238E27FC236}">
-                    <a16:creationId xmlns:a16="http://schemas.microsoft.com/office/drawing/2014/main" id="{5F2681FC-46C0-0F3E-6D0C-C056018F140E}"/>
-                  </a:ext>
-                </a:extLst>
-              </p:cNvPr>
-              <p:cNvPicPr>
-                <a:picLocks noChangeAspect="1"/>
-              </p:cNvPicPr>
-              <p:nvPr/>
-            </p:nvPicPr>
-            <p:blipFill rotWithShape="1">
-              <a:blip r:embed="rId4"/>
-              <a:srcRect l="16163" t="33846" r="12619" b="48272"/>
-              <a:stretch/>
-            </p:blipFill>
-            <p:spPr>
-              <a:xfrm>
-                <a:off x="7669322" y="682761"/>
-                <a:ext cx="3798777" cy="715321"/>
-              </a:xfrm>
-              <a:prstGeom prst="rect">
-                <a:avLst/>
-              </a:prstGeom>
-            </p:spPr>
-          </p:pic>
-          <p:grpSp>
-            <p:nvGrpSpPr>
-              <p:cNvPr id="374" name="Group 373">
-                <a:extLst>
-                  <a:ext uri="{FF2B5EF4-FFF2-40B4-BE49-F238E27FC236}">
-                    <a16:creationId xmlns:a16="http://schemas.microsoft.com/office/drawing/2014/main" id="{9F08ECEC-C2AA-BEF9-A0E9-86552E267016}"/>
-                  </a:ext>
-                </a:extLst>
-              </p:cNvPr>
-              <p:cNvGrpSpPr/>
-              <p:nvPr/>
-            </p:nvGrpSpPr>
-            <p:grpSpPr>
-              <a:xfrm>
-                <a:off x="7255457" y="406056"/>
-                <a:ext cx="4397994" cy="1168384"/>
-                <a:chOff x="7255457" y="406056"/>
-                <a:chExt cx="4397994" cy="1168384"/>
-              </a:xfrm>
-            </p:grpSpPr>
-            <p:sp>
-              <p:nvSpPr>
-                <p:cNvPr id="375" name="文本框 9">
-                  <a:extLst>
-                    <a:ext uri="{FF2B5EF4-FFF2-40B4-BE49-F238E27FC236}">
-                      <a16:creationId xmlns:a16="http://schemas.microsoft.com/office/drawing/2014/main" id="{46D89B7E-9BEA-FE4E-81F1-DCD541F5A025}"/>
-                    </a:ext>
-                  </a:extLst>
-                </p:cNvPr>
-                <p:cNvSpPr txBox="1"/>
-                <p:nvPr/>
-              </p:nvSpPr>
-              <p:spPr>
-                <a:xfrm>
-                  <a:off x="7694255" y="1235886"/>
-                  <a:ext cx="3733363" cy="338554"/>
+                  <a:off x="7492823" y="3950619"/>
+                  <a:ext cx="4151774" cy="338554"/>
                 </a:xfrm>
                 <a:prstGeom prst="rect">
                   <a:avLst/>
@@ -3841,7 +3699,7 @@
                       <a:latin typeface="Calibri" panose="020F0502020204030204" pitchFamily="34" charset="0"/>
                       <a:cs typeface="Calibri" panose="020F0502020204030204" pitchFamily="34" charset="0"/>
                     </a:rPr>
-                    <a:t>92 mm</a:t>
+                    <a:t>RAP, residual RMS = 0.52 nm</a:t>
                   </a:r>
                   <a:endParaRPr lang="zh-CN" altLang="en-US" sz="1600" dirty="0">
                     <a:latin typeface="Calibri" panose="020F0502020204030204" pitchFamily="34" charset="0"/>
@@ -3850,12 +3708,108 @@
                 </a:p>
               </p:txBody>
             </p:sp>
+            <p:sp>
+              <p:nvSpPr>
+                <p:cNvPr id="384" name="文本框 9">
+                  <a:extLst>
+                    <a:ext uri="{FF2B5EF4-FFF2-40B4-BE49-F238E27FC236}">
+                      <a16:creationId xmlns:a16="http://schemas.microsoft.com/office/drawing/2014/main" id="{37AC738D-23C1-9C4E-B76D-A0ADD73A042C}"/>
+                    </a:ext>
+                  </a:extLst>
+                </p:cNvPr>
+                <p:cNvSpPr txBox="1"/>
+                <p:nvPr/>
+              </p:nvSpPr>
+              <p:spPr>
+                <a:xfrm>
+                  <a:off x="7632931" y="3950619"/>
+                  <a:ext cx="384744" cy="338554"/>
+                </a:xfrm>
+                <a:prstGeom prst="rect">
+                  <a:avLst/>
+                </a:prstGeom>
+                <a:noFill/>
+                <a:ln>
+                  <a:noFill/>
+                </a:ln>
+              </p:spPr>
+              <p:txBody>
+                <a:bodyPr wrap="square" rtlCol="0">
+                  <a:spAutoFit/>
+                </a:bodyPr>
+                <a:lstStyle/>
+                <a:p>
+                  <a:pPr algn="ctr"/>
+                  <a:r>
+                    <a:rPr lang="en-US" altLang="zh-CN" sz="1600" b="1" dirty="0">
+                      <a:latin typeface="Calibri" panose="020F0502020204030204" pitchFamily="34" charset="0"/>
+                      <a:cs typeface="Calibri" panose="020F0502020204030204" pitchFamily="34" charset="0"/>
+                    </a:rPr>
+                    <a:t>(g)</a:t>
+                  </a:r>
+                  <a:endParaRPr lang="zh-CN" altLang="en-US" sz="1600" b="1" dirty="0">
+                    <a:latin typeface="Calibri" panose="020F0502020204030204" pitchFamily="34" charset="0"/>
+                    <a:cs typeface="Calibri" panose="020F0502020204030204" pitchFamily="34" charset="0"/>
+                  </a:endParaRPr>
+                </a:p>
+              </p:txBody>
+            </p:sp>
+          </p:grpSp>
+          <p:grpSp>
+            <p:nvGrpSpPr>
+              <p:cNvPr id="368" name="Group 367">
+                <a:extLst>
+                  <a:ext uri="{FF2B5EF4-FFF2-40B4-BE49-F238E27FC236}">
+                    <a16:creationId xmlns:a16="http://schemas.microsoft.com/office/drawing/2014/main" id="{1E33EADF-4C5E-8392-8A11-BA4DDBBA2EE2}"/>
+                  </a:ext>
+                </a:extLst>
+              </p:cNvPr>
+              <p:cNvGrpSpPr/>
+              <p:nvPr/>
+            </p:nvGrpSpPr>
+            <p:grpSpPr>
+              <a:xfrm>
+                <a:off x="7255457" y="406056"/>
+                <a:ext cx="4397994" cy="1168384"/>
+                <a:chOff x="7255457" y="406056"/>
+                <a:chExt cx="4397994" cy="1168384"/>
+              </a:xfrm>
+            </p:grpSpPr>
+            <p:pic>
+              <p:nvPicPr>
+                <p:cNvPr id="373" name="Picture 372">
+                  <a:extLst>
+                    <a:ext uri="{FF2B5EF4-FFF2-40B4-BE49-F238E27FC236}">
+                      <a16:creationId xmlns:a16="http://schemas.microsoft.com/office/drawing/2014/main" id="{5F2681FC-46C0-0F3E-6D0C-C056018F140E}"/>
+                    </a:ext>
+                  </a:extLst>
+                </p:cNvPr>
+                <p:cNvPicPr>
+                  <a:picLocks noChangeAspect="1"/>
+                </p:cNvPicPr>
+                <p:nvPr/>
+              </p:nvPicPr>
+              <p:blipFill rotWithShape="1">
+                <a:blip r:embed="rId4"/>
+                <a:srcRect l="16163" t="33846" r="12619" b="48272"/>
+                <a:stretch/>
+              </p:blipFill>
+              <p:spPr>
+                <a:xfrm>
+                  <a:off x="7669322" y="682761"/>
+                  <a:ext cx="3798777" cy="715321"/>
+                </a:xfrm>
+                <a:prstGeom prst="rect">
+                  <a:avLst/>
+                </a:prstGeom>
+              </p:spPr>
+            </p:pic>
             <p:grpSp>
               <p:nvGrpSpPr>
-                <p:cNvPr id="376" name="Group 375">
+                <p:cNvPr id="374" name="Group 373">
                   <a:extLst>
                     <a:ext uri="{FF2B5EF4-FFF2-40B4-BE49-F238E27FC236}">
-                      <a16:creationId xmlns:a16="http://schemas.microsoft.com/office/drawing/2014/main" id="{D4EE25AB-893D-BD8E-27F3-BDBBF406C91A}"/>
+                      <a16:creationId xmlns:a16="http://schemas.microsoft.com/office/drawing/2014/main" id="{9F08ECEC-C2AA-BEF9-A0E9-86552E267016}"/>
                     </a:ext>
                   </a:extLst>
                 </p:cNvPr>
@@ -3864,18 +3818,2062 @@
               </p:nvGrpSpPr>
               <p:grpSpPr>
                 <a:xfrm>
-                  <a:off x="7255457" y="628321"/>
-                  <a:ext cx="429697" cy="766555"/>
-                  <a:chOff x="7241171" y="630702"/>
-                  <a:chExt cx="429697" cy="766555"/>
+                  <a:off x="7255457" y="406056"/>
+                  <a:ext cx="4397994" cy="1168384"/>
+                  <a:chOff x="7255457" y="406056"/>
+                  <a:chExt cx="4397994" cy="1168384"/>
+                </a:xfrm>
+              </p:grpSpPr>
+              <p:sp>
+                <p:nvSpPr>
+                  <p:cNvPr id="375" name="文本框 9">
+                    <a:extLst>
+                      <a:ext uri="{FF2B5EF4-FFF2-40B4-BE49-F238E27FC236}">
+                        <a16:creationId xmlns:a16="http://schemas.microsoft.com/office/drawing/2014/main" id="{46D89B7E-9BEA-FE4E-81F1-DCD541F5A025}"/>
+                      </a:ext>
+                    </a:extLst>
+                  </p:cNvPr>
+                  <p:cNvSpPr txBox="1"/>
+                  <p:nvPr/>
+                </p:nvSpPr>
+                <p:spPr>
+                  <a:xfrm>
+                    <a:off x="7703781" y="1235886"/>
+                    <a:ext cx="3733363" cy="338554"/>
+                  </a:xfrm>
+                  <a:prstGeom prst="rect">
+                    <a:avLst/>
+                  </a:prstGeom>
+                  <a:noFill/>
+                  <a:ln>
+                    <a:noFill/>
+                  </a:ln>
+                </p:spPr>
+                <p:txBody>
+                  <a:bodyPr wrap="square" rtlCol="0">
+                    <a:spAutoFit/>
+                  </a:bodyPr>
+                  <a:lstStyle/>
+                  <a:p>
+                    <a:pPr algn="ctr"/>
+                    <a:r>
+                      <a:rPr lang="en-US" altLang="zh-CN" sz="1600" dirty="0">
+                        <a:latin typeface="Calibri" panose="020F0502020204030204" pitchFamily="34" charset="0"/>
+                        <a:cs typeface="Calibri" panose="020F0502020204030204" pitchFamily="34" charset="0"/>
+                      </a:rPr>
+                      <a:t>92 mm</a:t>
+                    </a:r>
+                    <a:endParaRPr lang="zh-CN" altLang="en-US" sz="1600" dirty="0">
+                      <a:latin typeface="Calibri" panose="020F0502020204030204" pitchFamily="34" charset="0"/>
+                      <a:cs typeface="Calibri" panose="020F0502020204030204" pitchFamily="34" charset="0"/>
+                    </a:endParaRPr>
+                  </a:p>
+                </p:txBody>
+              </p:sp>
+              <p:grpSp>
+                <p:nvGrpSpPr>
+                  <p:cNvPr id="376" name="Group 375">
+                    <a:extLst>
+                      <a:ext uri="{FF2B5EF4-FFF2-40B4-BE49-F238E27FC236}">
+                        <a16:creationId xmlns:a16="http://schemas.microsoft.com/office/drawing/2014/main" id="{D4EE25AB-893D-BD8E-27F3-BDBBF406C91A}"/>
+                      </a:ext>
+                    </a:extLst>
+                  </p:cNvPr>
+                  <p:cNvGrpSpPr/>
+                  <p:nvPr/>
+                </p:nvGrpSpPr>
+                <p:grpSpPr>
+                  <a:xfrm>
+                    <a:off x="7255457" y="628321"/>
+                    <a:ext cx="429697" cy="766555"/>
+                    <a:chOff x="7241171" y="630702"/>
+                    <a:chExt cx="429697" cy="766555"/>
+                  </a:xfrm>
+                </p:grpSpPr>
+                <p:cxnSp>
+                  <p:nvCxnSpPr>
+                    <p:cNvPr id="378" name="直接连接符 90">
+                      <a:extLst>
+                        <a:ext uri="{FF2B5EF4-FFF2-40B4-BE49-F238E27FC236}">
+                          <a16:creationId xmlns:a16="http://schemas.microsoft.com/office/drawing/2014/main" id="{F6C30BB2-194A-6902-B52E-A6654A465391}"/>
+                        </a:ext>
+                      </a:extLst>
+                    </p:cNvPr>
+                    <p:cNvCxnSpPr>
+                      <a:cxnSpLocks/>
+                    </p:cNvCxnSpPr>
+                    <p:nvPr/>
+                  </p:nvCxnSpPr>
+                  <p:spPr>
+                    <a:xfrm>
+                      <a:off x="7457327" y="1317518"/>
+                      <a:ext cx="213541" cy="0"/>
+                    </a:xfrm>
+                    <a:prstGeom prst="line">
+                      <a:avLst/>
+                    </a:prstGeom>
+                    <a:ln w="19050">
+                      <a:solidFill>
+                        <a:schemeClr val="tx1"/>
+                      </a:solidFill>
+                    </a:ln>
+                  </p:spPr>
+                  <p:style>
+                    <a:lnRef idx="1">
+                      <a:schemeClr val="accent1"/>
+                    </a:lnRef>
+                    <a:fillRef idx="0">
+                      <a:schemeClr val="accent1"/>
+                    </a:fillRef>
+                    <a:effectRef idx="0">
+                      <a:schemeClr val="accent1"/>
+                    </a:effectRef>
+                    <a:fontRef idx="minor">
+                      <a:schemeClr val="tx1"/>
+                    </a:fontRef>
+                  </p:style>
+                </p:cxnSp>
+                <p:cxnSp>
+                  <p:nvCxnSpPr>
+                    <p:cNvPr id="379" name="直接连接符 91">
+                      <a:extLst>
+                        <a:ext uri="{FF2B5EF4-FFF2-40B4-BE49-F238E27FC236}">
+                          <a16:creationId xmlns:a16="http://schemas.microsoft.com/office/drawing/2014/main" id="{ED46B92D-0697-3A93-51FA-E6582A2712BC}"/>
+                        </a:ext>
+                      </a:extLst>
+                    </p:cNvPr>
+                    <p:cNvCxnSpPr>
+                      <a:cxnSpLocks/>
+                    </p:cNvCxnSpPr>
+                    <p:nvPr/>
+                  </p:nvCxnSpPr>
+                  <p:spPr>
+                    <a:xfrm>
+                      <a:off x="7457327" y="705328"/>
+                      <a:ext cx="213541" cy="0"/>
+                    </a:xfrm>
+                    <a:prstGeom prst="line">
+                      <a:avLst/>
+                    </a:prstGeom>
+                    <a:ln w="19050">
+                      <a:solidFill>
+                        <a:schemeClr val="tx1"/>
+                      </a:solidFill>
+                    </a:ln>
+                  </p:spPr>
+                  <p:style>
+                    <a:lnRef idx="1">
+                      <a:schemeClr val="accent1"/>
+                    </a:lnRef>
+                    <a:fillRef idx="0">
+                      <a:schemeClr val="accent1"/>
+                    </a:fillRef>
+                    <a:effectRef idx="0">
+                      <a:schemeClr val="accent1"/>
+                    </a:effectRef>
+                    <a:fontRef idx="minor">
+                      <a:schemeClr val="tx1"/>
+                    </a:fontRef>
+                  </p:style>
+                </p:cxnSp>
+                <p:cxnSp>
+                  <p:nvCxnSpPr>
+                    <p:cNvPr id="380" name="直接连接符 92">
+                      <a:extLst>
+                        <a:ext uri="{FF2B5EF4-FFF2-40B4-BE49-F238E27FC236}">
+                          <a16:creationId xmlns:a16="http://schemas.microsoft.com/office/drawing/2014/main" id="{B5B8BEDD-B75F-DAAC-FBE0-C1F6ED3E958E}"/>
+                        </a:ext>
+                      </a:extLst>
+                    </p:cNvPr>
+                    <p:cNvCxnSpPr>
+                      <a:cxnSpLocks/>
+                    </p:cNvCxnSpPr>
+                    <p:nvPr/>
+                  </p:nvCxnSpPr>
+                  <p:spPr>
+                    <a:xfrm flipV="1">
+                      <a:off x="7578639" y="714659"/>
+                      <a:ext cx="0" cy="598644"/>
+                    </a:xfrm>
+                    <a:prstGeom prst="line">
+                      <a:avLst/>
+                    </a:prstGeom>
+                    <a:ln w="19050">
+                      <a:solidFill>
+                        <a:schemeClr val="tx1"/>
+                      </a:solidFill>
+                      <a:headEnd type="stealth"/>
+                      <a:tailEnd type="stealth"/>
+                    </a:ln>
+                  </p:spPr>
+                  <p:style>
+                    <a:lnRef idx="1">
+                      <a:schemeClr val="accent1"/>
+                    </a:lnRef>
+                    <a:fillRef idx="0">
+                      <a:schemeClr val="accent1"/>
+                    </a:fillRef>
+                    <a:effectRef idx="0">
+                      <a:schemeClr val="accent1"/>
+                    </a:effectRef>
+                    <a:fontRef idx="minor">
+                      <a:schemeClr val="tx1"/>
+                    </a:fontRef>
+                  </p:style>
+                </p:cxnSp>
+                <p:sp>
+                  <p:nvSpPr>
+                    <p:cNvPr id="381" name="文本框 9">
+                      <a:extLst>
+                        <a:ext uri="{FF2B5EF4-FFF2-40B4-BE49-F238E27FC236}">
+                          <a16:creationId xmlns:a16="http://schemas.microsoft.com/office/drawing/2014/main" id="{1FF77F76-87D7-C9FE-BFB0-0F95525C99A8}"/>
+                        </a:ext>
+                      </a:extLst>
+                    </p:cNvPr>
+                    <p:cNvSpPr txBox="1"/>
+                    <p:nvPr/>
+                  </p:nvSpPr>
+                  <p:spPr>
+                    <a:xfrm rot="16200000">
+                      <a:off x="7027170" y="844703"/>
+                      <a:ext cx="766555" cy="338554"/>
+                    </a:xfrm>
+                    <a:prstGeom prst="rect">
+                      <a:avLst/>
+                    </a:prstGeom>
+                    <a:noFill/>
+                    <a:ln>
+                      <a:noFill/>
+                    </a:ln>
+                  </p:spPr>
+                  <p:txBody>
+                    <a:bodyPr wrap="square" rtlCol="0">
+                      <a:spAutoFit/>
+                    </a:bodyPr>
+                    <a:lstStyle/>
+                    <a:p>
+                      <a:pPr algn="ctr"/>
+                      <a:r>
+                        <a:rPr lang="en-US" altLang="zh-CN" sz="1600" dirty="0">
+                          <a:latin typeface="Calibri" panose="020F0502020204030204" pitchFamily="34" charset="0"/>
+                          <a:cs typeface="Calibri" panose="020F0502020204030204" pitchFamily="34" charset="0"/>
+                        </a:rPr>
+                        <a:t>16 mm</a:t>
+                      </a:r>
+                      <a:endParaRPr lang="zh-CN" altLang="en-US" sz="1600" dirty="0">
+                        <a:latin typeface="Calibri" panose="020F0502020204030204" pitchFamily="34" charset="0"/>
+                        <a:cs typeface="Calibri" panose="020F0502020204030204" pitchFamily="34" charset="0"/>
+                      </a:endParaRPr>
+                    </a:p>
+                  </p:txBody>
+                </p:sp>
+              </p:grpSp>
+              <p:sp>
+                <p:nvSpPr>
+                  <p:cNvPr id="377" name="文本框 9">
+                    <a:extLst>
+                      <a:ext uri="{FF2B5EF4-FFF2-40B4-BE49-F238E27FC236}">
+                        <a16:creationId xmlns:a16="http://schemas.microsoft.com/office/drawing/2014/main" id="{671C1E12-1E80-29B6-6784-1277F8EE2A1B}"/>
+                      </a:ext>
+                    </a:extLst>
+                  </p:cNvPr>
+                  <p:cNvSpPr txBox="1"/>
+                  <p:nvPr/>
+                </p:nvSpPr>
+                <p:spPr>
+                  <a:xfrm>
+                    <a:off x="7501677" y="406056"/>
+                    <a:ext cx="4151774" cy="338554"/>
+                  </a:xfrm>
+                  <a:prstGeom prst="rect">
+                    <a:avLst/>
+                  </a:prstGeom>
+                  <a:noFill/>
+                  <a:ln>
+                    <a:noFill/>
+                  </a:ln>
+                </p:spPr>
+                <p:txBody>
+                  <a:bodyPr wrap="square" rtlCol="0">
+                    <a:spAutoFit/>
+                  </a:bodyPr>
+                  <a:lstStyle/>
+                  <a:p>
+                    <a:pPr algn="ctr"/>
+                    <a:r>
+                      <a:rPr lang="en-US" altLang="zh-CN" sz="1600" dirty="0">
+                        <a:latin typeface="Calibri" panose="020F0502020204030204" pitchFamily="34" charset="0"/>
+                        <a:cs typeface="Calibri" panose="020F0502020204030204" pitchFamily="34" charset="0"/>
+                      </a:rPr>
+                      <a:t>Raster path, residual RMS = 0.20 nm</a:t>
+                    </a:r>
+                    <a:endParaRPr lang="zh-CN" altLang="en-US" sz="1600" dirty="0">
+                      <a:latin typeface="Calibri" panose="020F0502020204030204" pitchFamily="34" charset="0"/>
+                      <a:cs typeface="Calibri" panose="020F0502020204030204" pitchFamily="34" charset="0"/>
+                    </a:endParaRPr>
+                  </a:p>
+                </p:txBody>
+              </p:sp>
+            </p:grpSp>
+          </p:grpSp>
+          <p:grpSp>
+            <p:nvGrpSpPr>
+              <p:cNvPr id="369" name="Group 368">
+                <a:extLst>
+                  <a:ext uri="{FF2B5EF4-FFF2-40B4-BE49-F238E27FC236}">
+                    <a16:creationId xmlns:a16="http://schemas.microsoft.com/office/drawing/2014/main" id="{73C44B12-FA04-1F74-4579-7D9B197DB9E2}"/>
+                  </a:ext>
+                </a:extLst>
+              </p:cNvPr>
+              <p:cNvGrpSpPr/>
+              <p:nvPr/>
+            </p:nvGrpSpPr>
+            <p:grpSpPr>
+              <a:xfrm>
+                <a:off x="7485049" y="2340135"/>
+                <a:ext cx="4151774" cy="978839"/>
+                <a:chOff x="7485049" y="2359185"/>
+                <a:chExt cx="4151774" cy="978839"/>
+              </a:xfrm>
+            </p:grpSpPr>
+            <p:pic>
+              <p:nvPicPr>
+                <p:cNvPr id="370" name="Picture 369">
+                  <a:extLst>
+                    <a:ext uri="{FF2B5EF4-FFF2-40B4-BE49-F238E27FC236}">
+                      <a16:creationId xmlns:a16="http://schemas.microsoft.com/office/drawing/2014/main" id="{54F1CAA9-9ACE-9467-B65E-A3903ADBED1F}"/>
+                    </a:ext>
+                  </a:extLst>
+                </p:cNvPr>
+                <p:cNvPicPr>
+                  <a:picLocks noChangeAspect="1"/>
+                </p:cNvPicPr>
+                <p:nvPr/>
+              </p:nvPicPr>
+              <p:blipFill rotWithShape="1">
+                <a:blip r:embed="rId5"/>
+                <a:srcRect l="16631" t="32331" r="12619" b="49788"/>
+                <a:stretch/>
+              </p:blipFill>
+              <p:spPr>
+                <a:xfrm>
+                  <a:off x="7694255" y="2622703"/>
+                  <a:ext cx="3773845" cy="715321"/>
+                </a:xfrm>
+                <a:prstGeom prst="rect">
+                  <a:avLst/>
+                </a:prstGeom>
+              </p:spPr>
+            </p:pic>
+            <p:sp>
+              <p:nvSpPr>
+                <p:cNvPr id="371" name="文本框 9">
+                  <a:extLst>
+                    <a:ext uri="{FF2B5EF4-FFF2-40B4-BE49-F238E27FC236}">
+                      <a16:creationId xmlns:a16="http://schemas.microsoft.com/office/drawing/2014/main" id="{CF037D4B-4529-CCCB-F7AB-263501802939}"/>
+                    </a:ext>
+                  </a:extLst>
+                </p:cNvPr>
+                <p:cNvSpPr txBox="1"/>
+                <p:nvPr/>
+              </p:nvSpPr>
+              <p:spPr>
+                <a:xfrm>
+                  <a:off x="7485049" y="2359185"/>
+                  <a:ext cx="4151774" cy="338554"/>
+                </a:xfrm>
+                <a:prstGeom prst="rect">
+                  <a:avLst/>
+                </a:prstGeom>
+                <a:noFill/>
+                <a:ln>
+                  <a:noFill/>
+                </a:ln>
+              </p:spPr>
+              <p:txBody>
+                <a:bodyPr wrap="square" rtlCol="0">
+                  <a:spAutoFit/>
+                </a:bodyPr>
+                <a:lstStyle/>
+                <a:p>
+                  <a:pPr algn="ctr"/>
+                  <a:r>
+                    <a:rPr lang="en-US" altLang="zh-CN" sz="1600" dirty="0">
+                      <a:latin typeface="Calibri" panose="020F0502020204030204" pitchFamily="34" charset="0"/>
+                      <a:cs typeface="Calibri" panose="020F0502020204030204" pitchFamily="34" charset="0"/>
+                    </a:rPr>
+                    <a:t>Maze path, residual RMS = 0.26 nm</a:t>
+                  </a:r>
+                  <a:endParaRPr lang="zh-CN" altLang="en-US" sz="1600" dirty="0">
+                    <a:latin typeface="Calibri" panose="020F0502020204030204" pitchFamily="34" charset="0"/>
+                    <a:cs typeface="Calibri" panose="020F0502020204030204" pitchFamily="34" charset="0"/>
+                  </a:endParaRPr>
+                </a:p>
+              </p:txBody>
+            </p:sp>
+            <p:sp>
+              <p:nvSpPr>
+                <p:cNvPr id="372" name="文本框 9">
+                  <a:extLst>
+                    <a:ext uri="{FF2B5EF4-FFF2-40B4-BE49-F238E27FC236}">
+                      <a16:creationId xmlns:a16="http://schemas.microsoft.com/office/drawing/2014/main" id="{859988AA-7733-959E-B783-2F18543062AF}"/>
+                    </a:ext>
+                  </a:extLst>
+                </p:cNvPr>
+                <p:cNvSpPr txBox="1"/>
+                <p:nvPr/>
+              </p:nvSpPr>
+              <p:spPr>
+                <a:xfrm>
+                  <a:off x="7632931" y="2359185"/>
+                  <a:ext cx="384744" cy="338554"/>
+                </a:xfrm>
+                <a:prstGeom prst="rect">
+                  <a:avLst/>
+                </a:prstGeom>
+                <a:noFill/>
+                <a:ln>
+                  <a:noFill/>
+                </a:ln>
+              </p:spPr>
+              <p:txBody>
+                <a:bodyPr wrap="square" rtlCol="0">
+                  <a:spAutoFit/>
+                </a:bodyPr>
+                <a:lstStyle/>
+                <a:p>
+                  <a:pPr algn="ctr"/>
+                  <a:r>
+                    <a:rPr lang="en-US" altLang="zh-CN" sz="1600" b="1" dirty="0">
+                      <a:latin typeface="Calibri" panose="020F0502020204030204" pitchFamily="34" charset="0"/>
+                      <a:cs typeface="Calibri" panose="020F0502020204030204" pitchFamily="34" charset="0"/>
+                    </a:rPr>
+                    <a:t>(f)</a:t>
+                  </a:r>
+                  <a:endParaRPr lang="zh-CN" altLang="en-US" sz="1600" b="1" dirty="0">
+                    <a:latin typeface="Calibri" panose="020F0502020204030204" pitchFamily="34" charset="0"/>
+                    <a:cs typeface="Calibri" panose="020F0502020204030204" pitchFamily="34" charset="0"/>
+                  </a:endParaRPr>
+                </a:p>
+              </p:txBody>
+            </p:sp>
+          </p:grpSp>
+        </p:grpSp>
+        <p:cxnSp>
+          <p:nvCxnSpPr>
+            <p:cNvPr id="311" name="直接连接符 87">
+              <a:extLst>
+                <a:ext uri="{FF2B5EF4-FFF2-40B4-BE49-F238E27FC236}">
+                  <a16:creationId xmlns:a16="http://schemas.microsoft.com/office/drawing/2014/main" id="{E23CDD1C-F00C-00F0-CB02-9E5A634EA340}"/>
+                </a:ext>
+              </a:extLst>
+            </p:cNvPr>
+            <p:cNvCxnSpPr>
+              <a:cxnSpLocks/>
+            </p:cNvCxnSpPr>
+            <p:nvPr/>
+          </p:nvCxnSpPr>
+          <p:spPr>
+            <a:xfrm>
+              <a:off x="11463925" y="1098728"/>
+              <a:ext cx="1" cy="232456"/>
+            </a:xfrm>
+            <a:prstGeom prst="line">
+              <a:avLst/>
+            </a:prstGeom>
+            <a:ln w="19050">
+              <a:solidFill>
+                <a:schemeClr val="tx1"/>
+              </a:solidFill>
+            </a:ln>
+          </p:spPr>
+          <p:style>
+            <a:lnRef idx="1">
+              <a:schemeClr val="accent1"/>
+            </a:lnRef>
+            <a:fillRef idx="0">
+              <a:schemeClr val="accent1"/>
+            </a:fillRef>
+            <a:effectRef idx="0">
+              <a:schemeClr val="accent1"/>
+            </a:effectRef>
+            <a:fontRef idx="minor">
+              <a:schemeClr val="tx1"/>
+            </a:fontRef>
+          </p:style>
+        </p:cxnSp>
+        <p:cxnSp>
+          <p:nvCxnSpPr>
+            <p:cNvPr id="312" name="直接连接符 88">
+              <a:extLst>
+                <a:ext uri="{FF2B5EF4-FFF2-40B4-BE49-F238E27FC236}">
+                  <a16:creationId xmlns:a16="http://schemas.microsoft.com/office/drawing/2014/main" id="{F3170C23-59ED-B1F8-63B3-4457270383A1}"/>
+                </a:ext>
+              </a:extLst>
+            </p:cNvPr>
+            <p:cNvCxnSpPr>
+              <a:cxnSpLocks/>
+            </p:cNvCxnSpPr>
+            <p:nvPr/>
+          </p:nvCxnSpPr>
+          <p:spPr>
+            <a:xfrm>
+              <a:off x="7752549" y="1266639"/>
+              <a:ext cx="3707496" cy="0"/>
+            </a:xfrm>
+            <a:prstGeom prst="line">
+              <a:avLst/>
+            </a:prstGeom>
+            <a:ln w="19050">
+              <a:solidFill>
+                <a:schemeClr val="tx1"/>
+              </a:solidFill>
+              <a:headEnd type="stealth"/>
+              <a:tailEnd type="stealth"/>
+            </a:ln>
+          </p:spPr>
+          <p:style>
+            <a:lnRef idx="1">
+              <a:schemeClr val="accent1"/>
+            </a:lnRef>
+            <a:fillRef idx="0">
+              <a:schemeClr val="accent1"/>
+            </a:fillRef>
+            <a:effectRef idx="0">
+              <a:schemeClr val="accent1"/>
+            </a:effectRef>
+            <a:fontRef idx="minor">
+              <a:schemeClr val="tx1"/>
+            </a:fontRef>
+          </p:style>
+        </p:cxnSp>
+        <p:cxnSp>
+          <p:nvCxnSpPr>
+            <p:cNvPr id="313" name="直接连接符 94">
+              <a:extLst>
+                <a:ext uri="{FF2B5EF4-FFF2-40B4-BE49-F238E27FC236}">
+                  <a16:creationId xmlns:a16="http://schemas.microsoft.com/office/drawing/2014/main" id="{7F6B61A5-8674-9C6E-BC58-88DABC65DEB6}"/>
+                </a:ext>
+              </a:extLst>
+            </p:cNvPr>
+            <p:cNvCxnSpPr>
+              <a:cxnSpLocks/>
+            </p:cNvCxnSpPr>
+            <p:nvPr/>
+          </p:nvCxnSpPr>
+          <p:spPr>
+            <a:xfrm>
+              <a:off x="7747467" y="1091369"/>
+              <a:ext cx="1" cy="232456"/>
+            </a:xfrm>
+            <a:prstGeom prst="line">
+              <a:avLst/>
+            </a:prstGeom>
+            <a:ln w="19050">
+              <a:solidFill>
+                <a:schemeClr val="tx1"/>
+              </a:solidFill>
+            </a:ln>
+          </p:spPr>
+          <p:style>
+            <a:lnRef idx="1">
+              <a:schemeClr val="accent1"/>
+            </a:lnRef>
+            <a:fillRef idx="0">
+              <a:schemeClr val="accent1"/>
+            </a:fillRef>
+            <a:effectRef idx="0">
+              <a:schemeClr val="accent1"/>
+            </a:effectRef>
+            <a:fontRef idx="minor">
+              <a:schemeClr val="tx1"/>
+            </a:fontRef>
+          </p:style>
+        </p:cxnSp>
+        <p:sp>
+          <p:nvSpPr>
+            <p:cNvPr id="315" name="文本框 9">
+              <a:extLst>
+                <a:ext uri="{FF2B5EF4-FFF2-40B4-BE49-F238E27FC236}">
+                  <a16:creationId xmlns:a16="http://schemas.microsoft.com/office/drawing/2014/main" id="{7E9D32F3-1F35-94F3-F8B5-44895BFF4BF9}"/>
+                </a:ext>
+              </a:extLst>
+            </p:cNvPr>
+            <p:cNvSpPr txBox="1"/>
+            <p:nvPr/>
+          </p:nvSpPr>
+          <p:spPr>
+            <a:xfrm>
+              <a:off x="202603" y="0"/>
+              <a:ext cx="384744" cy="338554"/>
+            </a:xfrm>
+            <a:prstGeom prst="rect">
+              <a:avLst/>
+            </a:prstGeom>
+            <a:noFill/>
+            <a:ln>
+              <a:noFill/>
+            </a:ln>
+          </p:spPr>
+          <p:txBody>
+            <a:bodyPr wrap="square" rtlCol="0">
+              <a:spAutoFit/>
+            </a:bodyPr>
+            <a:lstStyle/>
+            <a:p>
+              <a:pPr algn="ctr"/>
+              <a:r>
+                <a:rPr lang="en-US" altLang="zh-CN" sz="1600" b="1" dirty="0">
+                  <a:latin typeface="Calibri" panose="020F0502020204030204" pitchFamily="34" charset="0"/>
+                  <a:cs typeface="Calibri" panose="020F0502020204030204" pitchFamily="34" charset="0"/>
+                </a:rPr>
+                <a:t>(a)</a:t>
+              </a:r>
+              <a:endParaRPr lang="zh-CN" altLang="en-US" sz="1600" b="1" dirty="0">
+                <a:latin typeface="Calibri" panose="020F0502020204030204" pitchFamily="34" charset="0"/>
+                <a:cs typeface="Calibri" panose="020F0502020204030204" pitchFamily="34" charset="0"/>
+              </a:endParaRPr>
+            </a:p>
+          </p:txBody>
+        </p:sp>
+        <p:sp>
+          <p:nvSpPr>
+            <p:cNvPr id="316" name="文本框 9">
+              <a:extLst>
+                <a:ext uri="{FF2B5EF4-FFF2-40B4-BE49-F238E27FC236}">
+                  <a16:creationId xmlns:a16="http://schemas.microsoft.com/office/drawing/2014/main" id="{7CDECA39-B239-85DD-F799-74F575BF425B}"/>
+                </a:ext>
+              </a:extLst>
+            </p:cNvPr>
+            <p:cNvSpPr txBox="1"/>
+            <p:nvPr/>
+          </p:nvSpPr>
+          <p:spPr>
+            <a:xfrm>
+              <a:off x="202603" y="1880036"/>
+              <a:ext cx="384744" cy="338554"/>
+            </a:xfrm>
+            <a:prstGeom prst="rect">
+              <a:avLst/>
+            </a:prstGeom>
+            <a:noFill/>
+            <a:ln>
+              <a:noFill/>
+            </a:ln>
+          </p:spPr>
+          <p:txBody>
+            <a:bodyPr wrap="square" rtlCol="0">
+              <a:spAutoFit/>
+            </a:bodyPr>
+            <a:lstStyle/>
+            <a:p>
+              <a:pPr algn="ctr"/>
+              <a:r>
+                <a:rPr lang="en-US" altLang="zh-CN" sz="1600" b="1" dirty="0">
+                  <a:latin typeface="Calibri" panose="020F0502020204030204" pitchFamily="34" charset="0"/>
+                  <a:cs typeface="Calibri" panose="020F0502020204030204" pitchFamily="34" charset="0"/>
+                </a:rPr>
+                <a:t>(b)</a:t>
+              </a:r>
+              <a:endParaRPr lang="zh-CN" altLang="en-US" sz="1600" b="1" dirty="0">
+                <a:latin typeface="Calibri" panose="020F0502020204030204" pitchFamily="34" charset="0"/>
+                <a:cs typeface="Calibri" panose="020F0502020204030204" pitchFamily="34" charset="0"/>
+              </a:endParaRPr>
+            </a:p>
+          </p:txBody>
+        </p:sp>
+        <p:sp>
+          <p:nvSpPr>
+            <p:cNvPr id="317" name="文本框 9">
+              <a:extLst>
+                <a:ext uri="{FF2B5EF4-FFF2-40B4-BE49-F238E27FC236}">
+                  <a16:creationId xmlns:a16="http://schemas.microsoft.com/office/drawing/2014/main" id="{13A0A11E-10F5-047F-E46A-3C97C78FA125}"/>
+                </a:ext>
+              </a:extLst>
+            </p:cNvPr>
+            <p:cNvSpPr txBox="1"/>
+            <p:nvPr/>
+          </p:nvSpPr>
+          <p:spPr>
+            <a:xfrm>
+              <a:off x="202603" y="3544563"/>
+              <a:ext cx="384744" cy="338554"/>
+            </a:xfrm>
+            <a:prstGeom prst="rect">
+              <a:avLst/>
+            </a:prstGeom>
+            <a:noFill/>
+            <a:ln>
+              <a:noFill/>
+            </a:ln>
+          </p:spPr>
+          <p:txBody>
+            <a:bodyPr wrap="square" rtlCol="0">
+              <a:spAutoFit/>
+            </a:bodyPr>
+            <a:lstStyle/>
+            <a:p>
+              <a:pPr algn="ctr"/>
+              <a:r>
+                <a:rPr lang="en-US" altLang="zh-CN" sz="1600" b="1" dirty="0">
+                  <a:latin typeface="Calibri" panose="020F0502020204030204" pitchFamily="34" charset="0"/>
+                  <a:cs typeface="Calibri" panose="020F0502020204030204" pitchFamily="34" charset="0"/>
+                </a:rPr>
+                <a:t>(c)</a:t>
+              </a:r>
+              <a:endParaRPr lang="zh-CN" altLang="en-US" sz="1600" b="1" dirty="0">
+                <a:latin typeface="Calibri" panose="020F0502020204030204" pitchFamily="34" charset="0"/>
+                <a:cs typeface="Calibri" panose="020F0502020204030204" pitchFamily="34" charset="0"/>
+              </a:endParaRPr>
+            </a:p>
+          </p:txBody>
+        </p:sp>
+        <p:sp>
+          <p:nvSpPr>
+            <p:cNvPr id="318" name="文本框 9">
+              <a:extLst>
+                <a:ext uri="{FF2B5EF4-FFF2-40B4-BE49-F238E27FC236}">
+                  <a16:creationId xmlns:a16="http://schemas.microsoft.com/office/drawing/2014/main" id="{9EEDA0D1-D527-86A6-7B5E-940ACD47BEEC}"/>
+                </a:ext>
+              </a:extLst>
+            </p:cNvPr>
+            <p:cNvSpPr txBox="1"/>
+            <p:nvPr/>
+          </p:nvSpPr>
+          <p:spPr>
+            <a:xfrm>
+              <a:off x="7612017" y="160270"/>
+              <a:ext cx="384744" cy="338554"/>
+            </a:xfrm>
+            <a:prstGeom prst="rect">
+              <a:avLst/>
+            </a:prstGeom>
+            <a:noFill/>
+            <a:ln>
+              <a:noFill/>
+            </a:ln>
+          </p:spPr>
+          <p:txBody>
+            <a:bodyPr wrap="square" rtlCol="0">
+              <a:spAutoFit/>
+            </a:bodyPr>
+            <a:lstStyle/>
+            <a:p>
+              <a:pPr algn="ctr"/>
+              <a:r>
+                <a:rPr lang="en-US" altLang="zh-CN" sz="1600" b="1" dirty="0">
+                  <a:latin typeface="Calibri" panose="020F0502020204030204" pitchFamily="34" charset="0"/>
+                  <a:cs typeface="Calibri" panose="020F0502020204030204" pitchFamily="34" charset="0"/>
+                </a:rPr>
+                <a:t>(e)</a:t>
+              </a:r>
+              <a:endParaRPr lang="zh-CN" altLang="en-US" sz="1600" b="1" dirty="0">
+                <a:latin typeface="Calibri" panose="020F0502020204030204" pitchFamily="34" charset="0"/>
+                <a:cs typeface="Calibri" panose="020F0502020204030204" pitchFamily="34" charset="0"/>
+              </a:endParaRPr>
+            </a:p>
+          </p:txBody>
+        </p:sp>
+        <p:grpSp>
+          <p:nvGrpSpPr>
+            <p:cNvPr id="418" name="Group 417">
+              <a:extLst>
+                <a:ext uri="{FF2B5EF4-FFF2-40B4-BE49-F238E27FC236}">
+                  <a16:creationId xmlns:a16="http://schemas.microsoft.com/office/drawing/2014/main" id="{89D179F4-745D-A00C-9B3B-0B59A6EBE198}"/>
+                </a:ext>
+              </a:extLst>
+            </p:cNvPr>
+            <p:cNvGrpSpPr/>
+            <p:nvPr/>
+          </p:nvGrpSpPr>
+          <p:grpSpPr>
+            <a:xfrm>
+              <a:off x="4470015" y="302171"/>
+              <a:ext cx="2970079" cy="4792136"/>
+              <a:chOff x="4470015" y="302171"/>
+              <a:chExt cx="2970079" cy="4792136"/>
+            </a:xfrm>
+          </p:grpSpPr>
+          <p:grpSp>
+            <p:nvGrpSpPr>
+              <p:cNvPr id="413" name="Group 412">
+                <a:extLst>
+                  <a:ext uri="{FF2B5EF4-FFF2-40B4-BE49-F238E27FC236}">
+                    <a16:creationId xmlns:a16="http://schemas.microsoft.com/office/drawing/2014/main" id="{C1D1131E-9C93-8907-6535-E41E7B66E86C}"/>
+                  </a:ext>
+                </a:extLst>
+              </p:cNvPr>
+              <p:cNvGrpSpPr/>
+              <p:nvPr/>
+            </p:nvGrpSpPr>
+            <p:grpSpPr>
+              <a:xfrm>
+                <a:off x="4470015" y="302171"/>
+                <a:ext cx="2970079" cy="4792136"/>
+                <a:chOff x="4470015" y="216446"/>
+                <a:chExt cx="2970079" cy="4792136"/>
+              </a:xfrm>
+            </p:grpSpPr>
+            <p:grpSp>
+              <p:nvGrpSpPr>
+                <p:cNvPr id="411" name="Group 410">
+                  <a:extLst>
+                    <a:ext uri="{FF2B5EF4-FFF2-40B4-BE49-F238E27FC236}">
+                      <a16:creationId xmlns:a16="http://schemas.microsoft.com/office/drawing/2014/main" id="{2D54A503-E5DF-9E9E-48FD-B87111CF9D8C}"/>
+                    </a:ext>
+                  </a:extLst>
+                </p:cNvPr>
+                <p:cNvGrpSpPr/>
+                <p:nvPr/>
+              </p:nvGrpSpPr>
+              <p:grpSpPr>
+                <a:xfrm>
+                  <a:off x="4519004" y="238245"/>
+                  <a:ext cx="2921090" cy="4770337"/>
+                  <a:chOff x="4423754" y="238245"/>
+                  <a:chExt cx="2921090" cy="4770337"/>
+                </a:xfrm>
+              </p:grpSpPr>
+              <p:grpSp>
+                <p:nvGrpSpPr>
+                  <p:cNvPr id="410" name="Group 409">
+                    <a:extLst>
+                      <a:ext uri="{FF2B5EF4-FFF2-40B4-BE49-F238E27FC236}">
+                        <a16:creationId xmlns:a16="http://schemas.microsoft.com/office/drawing/2014/main" id="{89A0D433-B7D6-F8AD-F4C3-D34C1917B652}"/>
+                      </a:ext>
+                    </a:extLst>
+                  </p:cNvPr>
+                  <p:cNvGrpSpPr/>
+                  <p:nvPr/>
+                </p:nvGrpSpPr>
+                <p:grpSpPr>
+                  <a:xfrm>
+                    <a:off x="4423754" y="238245"/>
+                    <a:ext cx="2921090" cy="4770337"/>
+                    <a:chOff x="4423754" y="238245"/>
+                    <a:chExt cx="2921090" cy="4770337"/>
+                  </a:xfrm>
+                </p:grpSpPr>
+                <p:grpSp>
+                  <p:nvGrpSpPr>
+                    <p:cNvPr id="409" name="Group 408">
+                      <a:extLst>
+                        <a:ext uri="{FF2B5EF4-FFF2-40B4-BE49-F238E27FC236}">
+                          <a16:creationId xmlns:a16="http://schemas.microsoft.com/office/drawing/2014/main" id="{C76AD50C-3FC5-9CF1-51DE-9A18FAC98AC1}"/>
+                        </a:ext>
+                      </a:extLst>
+                    </p:cNvPr>
+                    <p:cNvGrpSpPr/>
+                    <p:nvPr/>
+                  </p:nvGrpSpPr>
+                  <p:grpSpPr>
+                    <a:xfrm>
+                      <a:off x="4445159" y="2500293"/>
+                      <a:ext cx="2899685" cy="2508289"/>
+                      <a:chOff x="4445159" y="2500293"/>
+                      <a:chExt cx="2899685" cy="2508289"/>
+                    </a:xfrm>
+                  </p:grpSpPr>
+                  <p:pic>
+                    <p:nvPicPr>
+                      <p:cNvPr id="396" name="Picture 395">
+                        <a:extLst>
+                          <a:ext uri="{FF2B5EF4-FFF2-40B4-BE49-F238E27FC236}">
+                            <a16:creationId xmlns:a16="http://schemas.microsoft.com/office/drawing/2014/main" id="{4E2859FE-1760-2667-26B4-E33D2D8526B0}"/>
+                          </a:ext>
+                        </a:extLst>
+                      </p:cNvPr>
+                      <p:cNvPicPr>
+                        <a:picLocks noChangeAspect="1"/>
+                      </p:cNvPicPr>
+                      <p:nvPr/>
+                    </p:nvPicPr>
+                    <p:blipFill rotWithShape="1">
+                      <a:blip r:embed="rId6"/>
+                      <a:srcRect l="840" r="7473"/>
+                      <a:stretch/>
+                    </p:blipFill>
+                    <p:spPr>
+                      <a:xfrm>
+                        <a:off x="4445159" y="2608282"/>
+                        <a:ext cx="2812086" cy="2400300"/>
+                      </a:xfrm>
+                      <a:prstGeom prst="rect">
+                        <a:avLst/>
+                      </a:prstGeom>
+                    </p:spPr>
+                  </p:pic>
+                  <p:sp>
+                    <p:nvSpPr>
+                      <p:cNvPr id="362" name="文本框 9">
+                        <a:extLst>
+                          <a:ext uri="{FF2B5EF4-FFF2-40B4-BE49-F238E27FC236}">
+                            <a16:creationId xmlns:a16="http://schemas.microsoft.com/office/drawing/2014/main" id="{34C547BF-123F-8DE7-DECA-963F4BD82056}"/>
+                          </a:ext>
+                        </a:extLst>
+                      </p:cNvPr>
+                      <p:cNvSpPr txBox="1"/>
+                      <p:nvPr/>
+                    </p:nvSpPr>
+                    <p:spPr>
+                      <a:xfrm>
+                        <a:off x="4967582" y="2500293"/>
+                        <a:ext cx="2221305" cy="338554"/>
+                      </a:xfrm>
+                      <a:prstGeom prst="rect">
+                        <a:avLst/>
+                      </a:prstGeom>
+                      <a:noFill/>
+                      <a:ln>
+                        <a:noFill/>
+                      </a:ln>
+                    </p:spPr>
+                    <p:txBody>
+                      <a:bodyPr wrap="square" rtlCol="0">
+                        <a:spAutoFit/>
+                      </a:bodyPr>
+                      <a:lstStyle/>
+                      <a:p>
+                        <a:pPr algn="ctr"/>
+                        <a:r>
+                          <a:rPr lang="en-US" altLang="zh-CN" sz="1600" dirty="0">
+                            <a:latin typeface="Calibri" panose="020F0502020204030204" pitchFamily="34" charset="0"/>
+                            <a:cs typeface="Calibri" panose="020F0502020204030204" pitchFamily="34" charset="0"/>
+                          </a:rPr>
+                          <a:t>Velocities in </a:t>
+                        </a:r>
+                        <a:r>
+                          <a:rPr lang="en-US" altLang="zh-CN" sz="1600" i="1" dirty="0">
+                            <a:latin typeface="Calibri" panose="020F0502020204030204" pitchFamily="34" charset="0"/>
+                            <a:cs typeface="Calibri" panose="020F0502020204030204" pitchFamily="34" charset="0"/>
+                          </a:rPr>
+                          <a:t>y</a:t>
+                        </a:r>
+                        <a:r>
+                          <a:rPr lang="en-US" altLang="zh-CN" sz="1600" dirty="0">
+                            <a:latin typeface="Calibri" panose="020F0502020204030204" pitchFamily="34" charset="0"/>
+                            <a:cs typeface="Calibri" panose="020F0502020204030204" pitchFamily="34" charset="0"/>
+                          </a:rPr>
+                          <a:t> direction</a:t>
+                        </a:r>
+                        <a:endParaRPr lang="zh-CN" altLang="en-US" sz="1600" dirty="0">
+                          <a:latin typeface="Calibri" panose="020F0502020204030204" pitchFamily="34" charset="0"/>
+                          <a:cs typeface="Calibri" panose="020F0502020204030204" pitchFamily="34" charset="0"/>
+                        </a:endParaRPr>
+                      </a:p>
+                    </p:txBody>
+                  </p:sp>
+                  <p:grpSp>
+                    <p:nvGrpSpPr>
+                      <p:cNvPr id="397" name="Group 396">
+                        <a:extLst>
+                          <a:ext uri="{FF2B5EF4-FFF2-40B4-BE49-F238E27FC236}">
+                            <a16:creationId xmlns:a16="http://schemas.microsoft.com/office/drawing/2014/main" id="{80C5289E-732B-923B-C1AE-55A35E35A705}"/>
+                          </a:ext>
+                        </a:extLst>
+                      </p:cNvPr>
+                      <p:cNvGrpSpPr/>
+                      <p:nvPr/>
+                    </p:nvGrpSpPr>
+                    <p:grpSpPr>
+                      <a:xfrm>
+                        <a:off x="4981656" y="4424885"/>
+                        <a:ext cx="2363188" cy="307777"/>
+                        <a:chOff x="4995798" y="4310585"/>
+                        <a:chExt cx="2363188" cy="307777"/>
+                      </a:xfrm>
+                    </p:grpSpPr>
+                    <p:grpSp>
+                      <p:nvGrpSpPr>
+                        <p:cNvPr id="349" name="Group 348">
+                          <a:extLst>
+                            <a:ext uri="{FF2B5EF4-FFF2-40B4-BE49-F238E27FC236}">
+                              <a16:creationId xmlns:a16="http://schemas.microsoft.com/office/drawing/2014/main" id="{6FF64147-9671-9C48-0E25-130492E68A1D}"/>
+                            </a:ext>
+                          </a:extLst>
+                        </p:cNvPr>
+                        <p:cNvGrpSpPr/>
+                        <p:nvPr/>
+                      </p:nvGrpSpPr>
+                      <p:grpSpPr>
+                        <a:xfrm>
+                          <a:off x="4995798" y="4310585"/>
+                          <a:ext cx="827750" cy="307777"/>
+                          <a:chOff x="5433443" y="4249705"/>
+                          <a:chExt cx="826516" cy="307777"/>
+                        </a:xfrm>
+                      </p:grpSpPr>
+                      <p:cxnSp>
+                        <p:nvCxnSpPr>
+                          <p:cNvPr id="356" name="Straight Connector 355">
+                            <a:extLst>
+                              <a:ext uri="{FF2B5EF4-FFF2-40B4-BE49-F238E27FC236}">
+                                <a16:creationId xmlns:a16="http://schemas.microsoft.com/office/drawing/2014/main" id="{D0CF5FD6-8F2F-1CC9-D5D0-D6FF2C83B19E}"/>
+                              </a:ext>
+                            </a:extLst>
+                          </p:cNvPr>
+                          <p:cNvCxnSpPr>
+                            <a:cxnSpLocks/>
+                          </p:cNvCxnSpPr>
+                          <p:nvPr/>
+                        </p:nvCxnSpPr>
+                        <p:spPr>
+                          <a:xfrm>
+                            <a:off x="5433443" y="4397729"/>
+                            <a:ext cx="251021" cy="0"/>
+                          </a:xfrm>
+                          <a:prstGeom prst="line">
+                            <a:avLst/>
+                          </a:prstGeom>
+                          <a:ln w="19050">
+                            <a:solidFill>
+                              <a:srgbClr val="0A00F5"/>
+                            </a:solidFill>
+                          </a:ln>
+                        </p:spPr>
+                        <p:style>
+                          <a:lnRef idx="1">
+                            <a:schemeClr val="accent1"/>
+                          </a:lnRef>
+                          <a:fillRef idx="0">
+                            <a:schemeClr val="accent1"/>
+                          </a:fillRef>
+                          <a:effectRef idx="0">
+                            <a:schemeClr val="accent1"/>
+                          </a:effectRef>
+                          <a:fontRef idx="minor">
+                            <a:schemeClr val="tx1"/>
+                          </a:fontRef>
+                        </p:style>
+                      </p:cxnSp>
+                      <p:sp>
+                        <p:nvSpPr>
+                          <p:cNvPr id="357" name="文本框 9">
+                            <a:extLst>
+                              <a:ext uri="{FF2B5EF4-FFF2-40B4-BE49-F238E27FC236}">
+                                <a16:creationId xmlns:a16="http://schemas.microsoft.com/office/drawing/2014/main" id="{26E36D16-F10E-063C-4887-37CAD621824A}"/>
+                              </a:ext>
+                            </a:extLst>
+                          </p:cNvPr>
+                          <p:cNvSpPr txBox="1"/>
+                          <p:nvPr/>
+                        </p:nvSpPr>
+                        <p:spPr>
+                          <a:xfrm>
+                            <a:off x="5585564" y="4249705"/>
+                            <a:ext cx="674395" cy="307777"/>
+                          </a:xfrm>
+                          <a:prstGeom prst="rect">
+                            <a:avLst/>
+                          </a:prstGeom>
+                          <a:noFill/>
+                          <a:ln>
+                            <a:noFill/>
+                          </a:ln>
+                        </p:spPr>
+                        <p:txBody>
+                          <a:bodyPr wrap="square" rtlCol="0">
+                            <a:spAutoFit/>
+                          </a:bodyPr>
+                          <a:lstStyle/>
+                          <a:p>
+                            <a:pPr algn="ctr"/>
+                            <a:r>
+                              <a:rPr lang="en-US" altLang="zh-CN" sz="1400" dirty="0">
+                                <a:latin typeface="Calibri" panose="020F0502020204030204" pitchFamily="34" charset="0"/>
+                                <a:cs typeface="Calibri" panose="020F0502020204030204" pitchFamily="34" charset="0"/>
+                              </a:rPr>
+                              <a:t>Raster</a:t>
+                            </a:r>
+                            <a:endParaRPr lang="zh-CN" altLang="en-US" sz="1400" dirty="0">
+                              <a:latin typeface="Calibri" panose="020F0502020204030204" pitchFamily="34" charset="0"/>
+                              <a:cs typeface="Calibri" panose="020F0502020204030204" pitchFamily="34" charset="0"/>
+                            </a:endParaRPr>
+                          </a:p>
+                        </p:txBody>
+                      </p:sp>
+                    </p:grpSp>
+                    <p:grpSp>
+                      <p:nvGrpSpPr>
+                        <p:cNvPr id="350" name="Group 349">
+                          <a:extLst>
+                            <a:ext uri="{FF2B5EF4-FFF2-40B4-BE49-F238E27FC236}">
+                              <a16:creationId xmlns:a16="http://schemas.microsoft.com/office/drawing/2014/main" id="{68D6BB7F-EEE7-2EF8-596D-A46384A44719}"/>
+                            </a:ext>
+                          </a:extLst>
+                        </p:cNvPr>
+                        <p:cNvGrpSpPr/>
+                        <p:nvPr/>
+                      </p:nvGrpSpPr>
+                      <p:grpSpPr>
+                        <a:xfrm>
+                          <a:off x="5808217" y="4310585"/>
+                          <a:ext cx="806694" cy="307777"/>
+                          <a:chOff x="6178525" y="4249705"/>
+                          <a:chExt cx="805490" cy="307777"/>
+                        </a:xfrm>
+                      </p:grpSpPr>
+                      <p:cxnSp>
+                        <p:nvCxnSpPr>
+                          <p:cNvPr id="354" name="Straight Connector 353">
+                            <a:extLst>
+                              <a:ext uri="{FF2B5EF4-FFF2-40B4-BE49-F238E27FC236}">
+                                <a16:creationId xmlns:a16="http://schemas.microsoft.com/office/drawing/2014/main" id="{93127DE2-7B18-57FD-A058-E9D5EF2F4EF2}"/>
+                              </a:ext>
+                            </a:extLst>
+                          </p:cNvPr>
+                          <p:cNvCxnSpPr>
+                            <a:cxnSpLocks/>
+                          </p:cNvCxnSpPr>
+                          <p:nvPr/>
+                        </p:nvCxnSpPr>
+                        <p:spPr>
+                          <a:xfrm>
+                            <a:off x="6178525" y="4397729"/>
+                            <a:ext cx="251021" cy="0"/>
+                          </a:xfrm>
+                          <a:prstGeom prst="line">
+                            <a:avLst/>
+                          </a:prstGeom>
+                          <a:ln w="19050">
+                            <a:solidFill>
+                              <a:srgbClr val="FF0000"/>
+                            </a:solidFill>
+                          </a:ln>
+                        </p:spPr>
+                        <p:style>
+                          <a:lnRef idx="1">
+                            <a:schemeClr val="accent1"/>
+                          </a:lnRef>
+                          <a:fillRef idx="0">
+                            <a:schemeClr val="accent1"/>
+                          </a:fillRef>
+                          <a:effectRef idx="0">
+                            <a:schemeClr val="accent1"/>
+                          </a:effectRef>
+                          <a:fontRef idx="minor">
+                            <a:schemeClr val="tx1"/>
+                          </a:fontRef>
+                        </p:style>
+                      </p:cxnSp>
+                      <p:sp>
+                        <p:nvSpPr>
+                          <p:cNvPr id="355" name="文本框 9">
+                            <a:extLst>
+                              <a:ext uri="{FF2B5EF4-FFF2-40B4-BE49-F238E27FC236}">
+                                <a16:creationId xmlns:a16="http://schemas.microsoft.com/office/drawing/2014/main" id="{A75A07B0-F862-5153-6487-45858DF92CFC}"/>
+                              </a:ext>
+                            </a:extLst>
+                          </p:cNvPr>
+                          <p:cNvSpPr txBox="1"/>
+                          <p:nvPr/>
+                        </p:nvSpPr>
+                        <p:spPr>
+                          <a:xfrm>
+                            <a:off x="6309620" y="4249705"/>
+                            <a:ext cx="674395" cy="307777"/>
+                          </a:xfrm>
+                          <a:prstGeom prst="rect">
+                            <a:avLst/>
+                          </a:prstGeom>
+                          <a:noFill/>
+                          <a:ln>
+                            <a:noFill/>
+                          </a:ln>
+                        </p:spPr>
+                        <p:txBody>
+                          <a:bodyPr wrap="square" rtlCol="0">
+                            <a:spAutoFit/>
+                          </a:bodyPr>
+                          <a:lstStyle/>
+                          <a:p>
+                            <a:pPr algn="ctr"/>
+                            <a:r>
+                              <a:rPr lang="en-US" altLang="zh-CN" sz="1400" dirty="0">
+                                <a:latin typeface="Calibri" panose="020F0502020204030204" pitchFamily="34" charset="0"/>
+                                <a:cs typeface="Calibri" panose="020F0502020204030204" pitchFamily="34" charset="0"/>
+                              </a:rPr>
+                              <a:t>Maze</a:t>
+                            </a:r>
+                            <a:endParaRPr lang="zh-CN" altLang="en-US" sz="1400" dirty="0">
+                              <a:latin typeface="Calibri" panose="020F0502020204030204" pitchFamily="34" charset="0"/>
+                              <a:cs typeface="Calibri" panose="020F0502020204030204" pitchFamily="34" charset="0"/>
+                            </a:endParaRPr>
+                          </a:p>
+                        </p:txBody>
+                      </p:sp>
+                    </p:grpSp>
+                    <p:grpSp>
+                      <p:nvGrpSpPr>
+                        <p:cNvPr id="351" name="Group 350">
+                          <a:extLst>
+                            <a:ext uri="{FF2B5EF4-FFF2-40B4-BE49-F238E27FC236}">
+                              <a16:creationId xmlns:a16="http://schemas.microsoft.com/office/drawing/2014/main" id="{75BC9875-D6F4-D26D-C2E5-0D29DCAF1551}"/>
+                            </a:ext>
+                          </a:extLst>
+                        </p:cNvPr>
+                        <p:cNvGrpSpPr/>
+                        <p:nvPr/>
+                      </p:nvGrpSpPr>
+                      <p:grpSpPr>
+                        <a:xfrm>
+                          <a:off x="6599580" y="4310585"/>
+                          <a:ext cx="759406" cy="307777"/>
+                          <a:chOff x="6923607" y="4249705"/>
+                          <a:chExt cx="758274" cy="307777"/>
+                        </a:xfrm>
+                      </p:grpSpPr>
+                      <p:cxnSp>
+                        <p:nvCxnSpPr>
+                          <p:cNvPr id="352" name="Straight Connector 351">
+                            <a:extLst>
+                              <a:ext uri="{FF2B5EF4-FFF2-40B4-BE49-F238E27FC236}">
+                                <a16:creationId xmlns:a16="http://schemas.microsoft.com/office/drawing/2014/main" id="{D46177B7-C128-F199-E78C-EA1F830FCD69}"/>
+                              </a:ext>
+                            </a:extLst>
+                          </p:cNvPr>
+                          <p:cNvCxnSpPr>
+                            <a:cxnSpLocks/>
+                          </p:cNvCxnSpPr>
+                          <p:nvPr/>
+                        </p:nvCxnSpPr>
+                        <p:spPr>
+                          <a:xfrm>
+                            <a:off x="6923607" y="4397729"/>
+                            <a:ext cx="251021" cy="0"/>
+                          </a:xfrm>
+                          <a:prstGeom prst="line">
+                            <a:avLst/>
+                          </a:prstGeom>
+                          <a:ln w="19050">
+                            <a:solidFill>
+                              <a:srgbClr val="BEBE00"/>
+                            </a:solidFill>
+                          </a:ln>
+                        </p:spPr>
+                        <p:style>
+                          <a:lnRef idx="1">
+                            <a:schemeClr val="accent1"/>
+                          </a:lnRef>
+                          <a:fillRef idx="0">
+                            <a:schemeClr val="accent1"/>
+                          </a:fillRef>
+                          <a:effectRef idx="0">
+                            <a:schemeClr val="accent1"/>
+                          </a:effectRef>
+                          <a:fontRef idx="minor">
+                            <a:schemeClr val="tx1"/>
+                          </a:fontRef>
+                        </p:style>
+                      </p:cxnSp>
+                      <p:sp>
+                        <p:nvSpPr>
+                          <p:cNvPr id="353" name="文本框 9">
+                            <a:extLst>
+                              <a:ext uri="{FF2B5EF4-FFF2-40B4-BE49-F238E27FC236}">
+                                <a16:creationId xmlns:a16="http://schemas.microsoft.com/office/drawing/2014/main" id="{0F9FDA67-E811-6F4A-3E4C-629C11E86AF8}"/>
+                              </a:ext>
+                            </a:extLst>
+                          </p:cNvPr>
+                          <p:cNvSpPr txBox="1"/>
+                          <p:nvPr/>
+                        </p:nvSpPr>
+                        <p:spPr>
+                          <a:xfrm>
+                            <a:off x="7007486" y="4249705"/>
+                            <a:ext cx="674395" cy="307777"/>
+                          </a:xfrm>
+                          <a:prstGeom prst="rect">
+                            <a:avLst/>
+                          </a:prstGeom>
+                          <a:noFill/>
+                          <a:ln>
+                            <a:noFill/>
+                          </a:ln>
+                        </p:spPr>
+                        <p:txBody>
+                          <a:bodyPr wrap="square" rtlCol="0">
+                            <a:spAutoFit/>
+                          </a:bodyPr>
+                          <a:lstStyle/>
+                          <a:p>
+                            <a:pPr algn="ctr"/>
+                            <a:r>
+                              <a:rPr lang="en-US" altLang="zh-CN" sz="1400" dirty="0">
+                                <a:latin typeface="Calibri" panose="020F0502020204030204" pitchFamily="34" charset="0"/>
+                                <a:cs typeface="Calibri" panose="020F0502020204030204" pitchFamily="34" charset="0"/>
+                              </a:rPr>
+                              <a:t>RAP</a:t>
+                            </a:r>
+                            <a:endParaRPr lang="zh-CN" altLang="en-US" sz="1400" dirty="0">
+                              <a:latin typeface="Calibri" panose="020F0502020204030204" pitchFamily="34" charset="0"/>
+                              <a:cs typeface="Calibri" panose="020F0502020204030204" pitchFamily="34" charset="0"/>
+                            </a:endParaRPr>
+                          </a:p>
+                        </p:txBody>
+                      </p:sp>
+                    </p:grpSp>
+                  </p:grpSp>
+                </p:grpSp>
+                <p:grpSp>
+                  <p:nvGrpSpPr>
+                    <p:cNvPr id="408" name="Group 407">
+                      <a:extLst>
+                        <a:ext uri="{FF2B5EF4-FFF2-40B4-BE49-F238E27FC236}">
+                          <a16:creationId xmlns:a16="http://schemas.microsoft.com/office/drawing/2014/main" id="{D4BE1EC2-3238-ECE2-B54F-E85FF86C0B8E}"/>
+                        </a:ext>
+                      </a:extLst>
+                    </p:cNvPr>
+                    <p:cNvGrpSpPr/>
+                    <p:nvPr/>
+                  </p:nvGrpSpPr>
+                  <p:grpSpPr>
+                    <a:xfrm>
+                      <a:off x="4423754" y="238245"/>
+                      <a:ext cx="2921090" cy="2256295"/>
+                      <a:chOff x="4423754" y="238245"/>
+                      <a:chExt cx="2921090" cy="2256295"/>
+                    </a:xfrm>
+                  </p:grpSpPr>
+                  <p:pic>
+                    <p:nvPicPr>
+                      <p:cNvPr id="394" name="Picture 393">
+                        <a:extLst>
+                          <a:ext uri="{FF2B5EF4-FFF2-40B4-BE49-F238E27FC236}">
+                            <a16:creationId xmlns:a16="http://schemas.microsoft.com/office/drawing/2014/main" id="{DDB1BECD-C161-A6BC-0592-965936DB23AA}"/>
+                          </a:ext>
+                        </a:extLst>
+                      </p:cNvPr>
+                      <p:cNvPicPr>
+                        <a:picLocks noChangeAspect="1"/>
+                      </p:cNvPicPr>
+                      <p:nvPr/>
+                    </p:nvPicPr>
+                    <p:blipFill rotWithShape="1">
+                      <a:blip r:embed="rId7"/>
+                      <a:srcRect r="8313" b="9864"/>
+                      <a:stretch/>
+                    </p:blipFill>
+                    <p:spPr>
+                      <a:xfrm>
+                        <a:off x="4423754" y="331020"/>
+                        <a:ext cx="2812086" cy="2163520"/>
+                      </a:xfrm>
+                      <a:prstGeom prst="rect">
+                        <a:avLst/>
+                      </a:prstGeom>
+                    </p:spPr>
+                  </p:pic>
+                  <p:sp>
+                    <p:nvSpPr>
+                      <p:cNvPr id="361" name="文本框 9">
+                        <a:extLst>
+                          <a:ext uri="{FF2B5EF4-FFF2-40B4-BE49-F238E27FC236}">
+                            <a16:creationId xmlns:a16="http://schemas.microsoft.com/office/drawing/2014/main" id="{74B2A516-30FA-FAC1-81B5-C149F86A26B1}"/>
+                          </a:ext>
+                        </a:extLst>
+                      </p:cNvPr>
+                      <p:cNvSpPr txBox="1"/>
+                      <p:nvPr/>
+                    </p:nvSpPr>
+                    <p:spPr>
+                      <a:xfrm>
+                        <a:off x="4954815" y="238245"/>
+                        <a:ext cx="2242516" cy="338554"/>
+                      </a:xfrm>
+                      <a:prstGeom prst="rect">
+                        <a:avLst/>
+                      </a:prstGeom>
+                      <a:noFill/>
+                      <a:ln>
+                        <a:noFill/>
+                      </a:ln>
+                    </p:spPr>
+                    <p:txBody>
+                      <a:bodyPr wrap="square" rtlCol="0">
+                        <a:spAutoFit/>
+                      </a:bodyPr>
+                      <a:lstStyle/>
+                      <a:p>
+                        <a:pPr algn="ctr"/>
+                        <a:r>
+                          <a:rPr lang="en-US" altLang="zh-CN" sz="1600" dirty="0">
+                            <a:latin typeface="Calibri" panose="020F0502020204030204" pitchFamily="34" charset="0"/>
+                            <a:cs typeface="Calibri" panose="020F0502020204030204" pitchFamily="34" charset="0"/>
+                          </a:rPr>
+                          <a:t>Velocities in </a:t>
+                        </a:r>
+                        <a:r>
+                          <a:rPr lang="en-US" altLang="zh-CN" sz="1600" i="1" dirty="0">
+                            <a:latin typeface="Calibri" panose="020F0502020204030204" pitchFamily="34" charset="0"/>
+                            <a:cs typeface="Calibri" panose="020F0502020204030204" pitchFamily="34" charset="0"/>
+                          </a:rPr>
+                          <a:t>x</a:t>
+                        </a:r>
+                        <a:r>
+                          <a:rPr lang="en-US" altLang="zh-CN" sz="1600" dirty="0">
+                            <a:latin typeface="Calibri" panose="020F0502020204030204" pitchFamily="34" charset="0"/>
+                            <a:cs typeface="Calibri" panose="020F0502020204030204" pitchFamily="34" charset="0"/>
+                          </a:rPr>
+                          <a:t> direction</a:t>
+                        </a:r>
+                        <a:endParaRPr lang="zh-CN" altLang="en-US" sz="1600" dirty="0">
+                          <a:latin typeface="Calibri" panose="020F0502020204030204" pitchFamily="34" charset="0"/>
+                          <a:cs typeface="Calibri" panose="020F0502020204030204" pitchFamily="34" charset="0"/>
+                        </a:endParaRPr>
+                      </a:p>
+                    </p:txBody>
+                  </p:sp>
+                  <p:grpSp>
+                    <p:nvGrpSpPr>
+                      <p:cNvPr id="398" name="Group 397">
+                        <a:extLst>
+                          <a:ext uri="{FF2B5EF4-FFF2-40B4-BE49-F238E27FC236}">
+                            <a16:creationId xmlns:a16="http://schemas.microsoft.com/office/drawing/2014/main" id="{070E85F3-3A14-F001-5CA9-844869EF56D8}"/>
+                          </a:ext>
+                        </a:extLst>
+                      </p:cNvPr>
+                      <p:cNvGrpSpPr/>
+                      <p:nvPr/>
+                    </p:nvGrpSpPr>
+                    <p:grpSpPr>
+                      <a:xfrm>
+                        <a:off x="4981656" y="2167395"/>
+                        <a:ext cx="2363188" cy="307777"/>
+                        <a:chOff x="4995798" y="4310585"/>
+                        <a:chExt cx="2363188" cy="307777"/>
+                      </a:xfrm>
+                    </p:grpSpPr>
+                    <p:grpSp>
+                      <p:nvGrpSpPr>
+                        <p:cNvPr id="399" name="Group 398">
+                          <a:extLst>
+                            <a:ext uri="{FF2B5EF4-FFF2-40B4-BE49-F238E27FC236}">
+                              <a16:creationId xmlns:a16="http://schemas.microsoft.com/office/drawing/2014/main" id="{EC83A912-26A2-28EF-7125-31281233105E}"/>
+                            </a:ext>
+                          </a:extLst>
+                        </p:cNvPr>
+                        <p:cNvGrpSpPr/>
+                        <p:nvPr/>
+                      </p:nvGrpSpPr>
+                      <p:grpSpPr>
+                        <a:xfrm>
+                          <a:off x="4995798" y="4310585"/>
+                          <a:ext cx="827750" cy="307777"/>
+                          <a:chOff x="5433443" y="4249705"/>
+                          <a:chExt cx="826516" cy="307777"/>
+                        </a:xfrm>
+                      </p:grpSpPr>
+                      <p:cxnSp>
+                        <p:nvCxnSpPr>
+                          <p:cNvPr id="406" name="Straight Connector 405">
+                            <a:extLst>
+                              <a:ext uri="{FF2B5EF4-FFF2-40B4-BE49-F238E27FC236}">
+                                <a16:creationId xmlns:a16="http://schemas.microsoft.com/office/drawing/2014/main" id="{0DCB7562-D606-A01F-4023-A01C49136651}"/>
+                              </a:ext>
+                            </a:extLst>
+                          </p:cNvPr>
+                          <p:cNvCxnSpPr>
+                            <a:cxnSpLocks/>
+                          </p:cNvCxnSpPr>
+                          <p:nvPr/>
+                        </p:nvCxnSpPr>
+                        <p:spPr>
+                          <a:xfrm>
+                            <a:off x="5433443" y="4397729"/>
+                            <a:ext cx="251021" cy="0"/>
+                          </a:xfrm>
+                          <a:prstGeom prst="line">
+                            <a:avLst/>
+                          </a:prstGeom>
+                          <a:ln w="19050">
+                            <a:solidFill>
+                              <a:srgbClr val="0A00F5"/>
+                            </a:solidFill>
+                          </a:ln>
+                        </p:spPr>
+                        <p:style>
+                          <a:lnRef idx="1">
+                            <a:schemeClr val="accent1"/>
+                          </a:lnRef>
+                          <a:fillRef idx="0">
+                            <a:schemeClr val="accent1"/>
+                          </a:fillRef>
+                          <a:effectRef idx="0">
+                            <a:schemeClr val="accent1"/>
+                          </a:effectRef>
+                          <a:fontRef idx="minor">
+                            <a:schemeClr val="tx1"/>
+                          </a:fontRef>
+                        </p:style>
+                      </p:cxnSp>
+                      <p:sp>
+                        <p:nvSpPr>
+                          <p:cNvPr id="407" name="文本框 9">
+                            <a:extLst>
+                              <a:ext uri="{FF2B5EF4-FFF2-40B4-BE49-F238E27FC236}">
+                                <a16:creationId xmlns:a16="http://schemas.microsoft.com/office/drawing/2014/main" id="{B97270B3-3BA8-6BCD-B5C8-AAB215977D62}"/>
+                              </a:ext>
+                            </a:extLst>
+                          </p:cNvPr>
+                          <p:cNvSpPr txBox="1"/>
+                          <p:nvPr/>
+                        </p:nvSpPr>
+                        <p:spPr>
+                          <a:xfrm>
+                            <a:off x="5585564" y="4249705"/>
+                            <a:ext cx="674395" cy="307777"/>
+                          </a:xfrm>
+                          <a:prstGeom prst="rect">
+                            <a:avLst/>
+                          </a:prstGeom>
+                          <a:noFill/>
+                          <a:ln>
+                            <a:noFill/>
+                          </a:ln>
+                        </p:spPr>
+                        <p:txBody>
+                          <a:bodyPr wrap="square" rtlCol="0">
+                            <a:spAutoFit/>
+                          </a:bodyPr>
+                          <a:lstStyle/>
+                          <a:p>
+                            <a:pPr algn="ctr"/>
+                            <a:r>
+                              <a:rPr lang="en-US" altLang="zh-CN" sz="1400" dirty="0">
+                                <a:latin typeface="Calibri" panose="020F0502020204030204" pitchFamily="34" charset="0"/>
+                                <a:cs typeface="Calibri" panose="020F0502020204030204" pitchFamily="34" charset="0"/>
+                              </a:rPr>
+                              <a:t>Raster</a:t>
+                            </a:r>
+                            <a:endParaRPr lang="zh-CN" altLang="en-US" sz="1400" dirty="0">
+                              <a:latin typeface="Calibri" panose="020F0502020204030204" pitchFamily="34" charset="0"/>
+                              <a:cs typeface="Calibri" panose="020F0502020204030204" pitchFamily="34" charset="0"/>
+                            </a:endParaRPr>
+                          </a:p>
+                        </p:txBody>
+                      </p:sp>
+                    </p:grpSp>
+                    <p:grpSp>
+                      <p:nvGrpSpPr>
+                        <p:cNvPr id="400" name="Group 399">
+                          <a:extLst>
+                            <a:ext uri="{FF2B5EF4-FFF2-40B4-BE49-F238E27FC236}">
+                              <a16:creationId xmlns:a16="http://schemas.microsoft.com/office/drawing/2014/main" id="{467C887D-5C88-716A-7105-285BC661A3F0}"/>
+                            </a:ext>
+                          </a:extLst>
+                        </p:cNvPr>
+                        <p:cNvGrpSpPr/>
+                        <p:nvPr/>
+                      </p:nvGrpSpPr>
+                      <p:grpSpPr>
+                        <a:xfrm>
+                          <a:off x="5808217" y="4310585"/>
+                          <a:ext cx="806694" cy="307777"/>
+                          <a:chOff x="6178525" y="4249705"/>
+                          <a:chExt cx="805490" cy="307777"/>
+                        </a:xfrm>
+                      </p:grpSpPr>
+                      <p:cxnSp>
+                        <p:nvCxnSpPr>
+                          <p:cNvPr id="404" name="Straight Connector 403">
+                            <a:extLst>
+                              <a:ext uri="{FF2B5EF4-FFF2-40B4-BE49-F238E27FC236}">
+                                <a16:creationId xmlns:a16="http://schemas.microsoft.com/office/drawing/2014/main" id="{6AE00896-AA58-2D22-D4AD-0C59E26E8DE3}"/>
+                              </a:ext>
+                            </a:extLst>
+                          </p:cNvPr>
+                          <p:cNvCxnSpPr>
+                            <a:cxnSpLocks/>
+                          </p:cNvCxnSpPr>
+                          <p:nvPr/>
+                        </p:nvCxnSpPr>
+                        <p:spPr>
+                          <a:xfrm>
+                            <a:off x="6178525" y="4397729"/>
+                            <a:ext cx="251021" cy="0"/>
+                          </a:xfrm>
+                          <a:prstGeom prst="line">
+                            <a:avLst/>
+                          </a:prstGeom>
+                          <a:ln w="19050">
+                            <a:solidFill>
+                              <a:srgbClr val="FF0000"/>
+                            </a:solidFill>
+                          </a:ln>
+                        </p:spPr>
+                        <p:style>
+                          <a:lnRef idx="1">
+                            <a:schemeClr val="accent1"/>
+                          </a:lnRef>
+                          <a:fillRef idx="0">
+                            <a:schemeClr val="accent1"/>
+                          </a:fillRef>
+                          <a:effectRef idx="0">
+                            <a:schemeClr val="accent1"/>
+                          </a:effectRef>
+                          <a:fontRef idx="minor">
+                            <a:schemeClr val="tx1"/>
+                          </a:fontRef>
+                        </p:style>
+                      </p:cxnSp>
+                      <p:sp>
+                        <p:nvSpPr>
+                          <p:cNvPr id="405" name="文本框 9">
+                            <a:extLst>
+                              <a:ext uri="{FF2B5EF4-FFF2-40B4-BE49-F238E27FC236}">
+                                <a16:creationId xmlns:a16="http://schemas.microsoft.com/office/drawing/2014/main" id="{65F192AA-EC41-52E1-99D9-41D3CA772278}"/>
+                              </a:ext>
+                            </a:extLst>
+                          </p:cNvPr>
+                          <p:cNvSpPr txBox="1"/>
+                          <p:nvPr/>
+                        </p:nvSpPr>
+                        <p:spPr>
+                          <a:xfrm>
+                            <a:off x="6309620" y="4249705"/>
+                            <a:ext cx="674395" cy="307777"/>
+                          </a:xfrm>
+                          <a:prstGeom prst="rect">
+                            <a:avLst/>
+                          </a:prstGeom>
+                          <a:noFill/>
+                          <a:ln>
+                            <a:noFill/>
+                          </a:ln>
+                        </p:spPr>
+                        <p:txBody>
+                          <a:bodyPr wrap="square" rtlCol="0">
+                            <a:spAutoFit/>
+                          </a:bodyPr>
+                          <a:lstStyle/>
+                          <a:p>
+                            <a:pPr algn="ctr"/>
+                            <a:r>
+                              <a:rPr lang="en-US" altLang="zh-CN" sz="1400" dirty="0">
+                                <a:latin typeface="Calibri" panose="020F0502020204030204" pitchFamily="34" charset="0"/>
+                                <a:cs typeface="Calibri" panose="020F0502020204030204" pitchFamily="34" charset="0"/>
+                              </a:rPr>
+                              <a:t>Maze</a:t>
+                            </a:r>
+                            <a:endParaRPr lang="zh-CN" altLang="en-US" sz="1400" dirty="0">
+                              <a:latin typeface="Calibri" panose="020F0502020204030204" pitchFamily="34" charset="0"/>
+                              <a:cs typeface="Calibri" panose="020F0502020204030204" pitchFamily="34" charset="0"/>
+                            </a:endParaRPr>
+                          </a:p>
+                        </p:txBody>
+                      </p:sp>
+                    </p:grpSp>
+                    <p:grpSp>
+                      <p:nvGrpSpPr>
+                        <p:cNvPr id="401" name="Group 400">
+                          <a:extLst>
+                            <a:ext uri="{FF2B5EF4-FFF2-40B4-BE49-F238E27FC236}">
+                              <a16:creationId xmlns:a16="http://schemas.microsoft.com/office/drawing/2014/main" id="{22E32A5F-9171-1209-1D76-123AE9CCE1E7}"/>
+                            </a:ext>
+                          </a:extLst>
+                        </p:cNvPr>
+                        <p:cNvGrpSpPr/>
+                        <p:nvPr/>
+                      </p:nvGrpSpPr>
+                      <p:grpSpPr>
+                        <a:xfrm>
+                          <a:off x="6599580" y="4310585"/>
+                          <a:ext cx="759406" cy="307777"/>
+                          <a:chOff x="6923607" y="4249705"/>
+                          <a:chExt cx="758274" cy="307777"/>
+                        </a:xfrm>
+                      </p:grpSpPr>
+                      <p:cxnSp>
+                        <p:nvCxnSpPr>
+                          <p:cNvPr id="402" name="Straight Connector 401">
+                            <a:extLst>
+                              <a:ext uri="{FF2B5EF4-FFF2-40B4-BE49-F238E27FC236}">
+                                <a16:creationId xmlns:a16="http://schemas.microsoft.com/office/drawing/2014/main" id="{859BF4A1-52A7-3F6B-2974-0AC184536964}"/>
+                              </a:ext>
+                            </a:extLst>
+                          </p:cNvPr>
+                          <p:cNvCxnSpPr>
+                            <a:cxnSpLocks/>
+                          </p:cNvCxnSpPr>
+                          <p:nvPr/>
+                        </p:nvCxnSpPr>
+                        <p:spPr>
+                          <a:xfrm>
+                            <a:off x="6923607" y="4397729"/>
+                            <a:ext cx="251021" cy="0"/>
+                          </a:xfrm>
+                          <a:prstGeom prst="line">
+                            <a:avLst/>
+                          </a:prstGeom>
+                          <a:ln w="19050">
+                            <a:solidFill>
+                              <a:srgbClr val="BEBE00"/>
+                            </a:solidFill>
+                          </a:ln>
+                        </p:spPr>
+                        <p:style>
+                          <a:lnRef idx="1">
+                            <a:schemeClr val="accent1"/>
+                          </a:lnRef>
+                          <a:fillRef idx="0">
+                            <a:schemeClr val="accent1"/>
+                          </a:fillRef>
+                          <a:effectRef idx="0">
+                            <a:schemeClr val="accent1"/>
+                          </a:effectRef>
+                          <a:fontRef idx="minor">
+                            <a:schemeClr val="tx1"/>
+                          </a:fontRef>
+                        </p:style>
+                      </p:cxnSp>
+                      <p:sp>
+                        <p:nvSpPr>
+                          <p:cNvPr id="403" name="文本框 9">
+                            <a:extLst>
+                              <a:ext uri="{FF2B5EF4-FFF2-40B4-BE49-F238E27FC236}">
+                                <a16:creationId xmlns:a16="http://schemas.microsoft.com/office/drawing/2014/main" id="{5EDE38A9-CDCC-AE1A-C663-028946949D21}"/>
+                              </a:ext>
+                            </a:extLst>
+                          </p:cNvPr>
+                          <p:cNvSpPr txBox="1"/>
+                          <p:nvPr/>
+                        </p:nvSpPr>
+                        <p:spPr>
+                          <a:xfrm>
+                            <a:off x="7007486" y="4249705"/>
+                            <a:ext cx="674395" cy="307777"/>
+                          </a:xfrm>
+                          <a:prstGeom prst="rect">
+                            <a:avLst/>
+                          </a:prstGeom>
+                          <a:noFill/>
+                          <a:ln>
+                            <a:noFill/>
+                          </a:ln>
+                        </p:spPr>
+                        <p:txBody>
+                          <a:bodyPr wrap="square" rtlCol="0">
+                            <a:spAutoFit/>
+                          </a:bodyPr>
+                          <a:lstStyle/>
+                          <a:p>
+                            <a:pPr algn="ctr"/>
+                            <a:r>
+                              <a:rPr lang="en-US" altLang="zh-CN" sz="1400" dirty="0">
+                                <a:latin typeface="Calibri" panose="020F0502020204030204" pitchFamily="34" charset="0"/>
+                                <a:cs typeface="Calibri" panose="020F0502020204030204" pitchFamily="34" charset="0"/>
+                              </a:rPr>
+                              <a:t>RAP</a:t>
+                            </a:r>
+                            <a:endParaRPr lang="zh-CN" altLang="en-US" sz="1400" dirty="0">
+                              <a:latin typeface="Calibri" panose="020F0502020204030204" pitchFamily="34" charset="0"/>
+                              <a:cs typeface="Calibri" panose="020F0502020204030204" pitchFamily="34" charset="0"/>
+                            </a:endParaRPr>
+                          </a:p>
+                        </p:txBody>
+                      </p:sp>
+                    </p:grpSp>
+                  </p:grpSp>
+                </p:grpSp>
+              </p:grpSp>
+              <p:grpSp>
+                <p:nvGrpSpPr>
+                  <p:cNvPr id="360" name="Group 359">
+                    <a:extLst>
+                      <a:ext uri="{FF2B5EF4-FFF2-40B4-BE49-F238E27FC236}">
+                        <a16:creationId xmlns:a16="http://schemas.microsoft.com/office/drawing/2014/main" id="{696973D9-38A5-B8BD-B7FB-851B4C06D1B3}"/>
+                      </a:ext>
+                    </a:extLst>
+                  </p:cNvPr>
+                  <p:cNvGrpSpPr/>
+                  <p:nvPr/>
+                </p:nvGrpSpPr>
+                <p:grpSpPr>
+                  <a:xfrm>
+                    <a:off x="4954815" y="276345"/>
+                    <a:ext cx="2383679" cy="4405159"/>
+                    <a:chOff x="5382175" y="1738760"/>
+                    <a:chExt cx="2383679" cy="2903471"/>
+                  </a:xfrm>
+                </p:grpSpPr>
+                <p:cxnSp>
+                  <p:nvCxnSpPr>
+                    <p:cNvPr id="365" name="Straight Arrow Connector 364">
+                      <a:extLst>
+                        <a:ext uri="{FF2B5EF4-FFF2-40B4-BE49-F238E27FC236}">
+                          <a16:creationId xmlns:a16="http://schemas.microsoft.com/office/drawing/2014/main" id="{E47FFEA4-DA8B-6E73-586D-FDB26D7B1EB4}"/>
+                        </a:ext>
+                      </a:extLst>
+                    </p:cNvPr>
+                    <p:cNvCxnSpPr>
+                      <a:cxnSpLocks/>
+                    </p:cNvCxnSpPr>
+                    <p:nvPr/>
+                  </p:nvCxnSpPr>
+                  <p:spPr>
+                    <a:xfrm>
+                      <a:off x="5385233" y="4642231"/>
+                      <a:ext cx="2380621" cy="0"/>
+                    </a:xfrm>
+                    <a:prstGeom prst="straightConnector1">
+                      <a:avLst/>
+                    </a:prstGeom>
+                    <a:ln w="12700">
+                      <a:solidFill>
+                        <a:schemeClr val="tx1"/>
+                      </a:solidFill>
+                      <a:tailEnd type="triangle"/>
+                    </a:ln>
+                  </p:spPr>
+                  <p:style>
+                    <a:lnRef idx="1">
+                      <a:schemeClr val="accent1"/>
+                    </a:lnRef>
+                    <a:fillRef idx="0">
+                      <a:schemeClr val="accent1"/>
+                    </a:fillRef>
+                    <a:effectRef idx="0">
+                      <a:schemeClr val="accent1"/>
+                    </a:effectRef>
+                    <a:fontRef idx="minor">
+                      <a:schemeClr val="tx1"/>
+                    </a:fontRef>
+                  </p:style>
+                </p:cxnSp>
+                <p:cxnSp>
+                  <p:nvCxnSpPr>
+                    <p:cNvPr id="366" name="Straight Arrow Connector 365">
+                      <a:extLst>
+                        <a:ext uri="{FF2B5EF4-FFF2-40B4-BE49-F238E27FC236}">
+                          <a16:creationId xmlns:a16="http://schemas.microsoft.com/office/drawing/2014/main" id="{0F7A9ECC-EACF-6997-EE73-751381699107}"/>
+                        </a:ext>
+                      </a:extLst>
+                    </p:cNvPr>
+                    <p:cNvCxnSpPr>
+                      <a:cxnSpLocks/>
+                    </p:cNvCxnSpPr>
+                    <p:nvPr/>
+                  </p:nvCxnSpPr>
+                  <p:spPr>
+                    <a:xfrm flipV="1">
+                      <a:off x="5382175" y="1738760"/>
+                      <a:ext cx="0" cy="1536996"/>
+                    </a:xfrm>
+                    <a:prstGeom prst="straightConnector1">
+                      <a:avLst/>
+                    </a:prstGeom>
+                    <a:ln w="12700">
+                      <a:solidFill>
+                        <a:schemeClr val="tx1"/>
+                      </a:solidFill>
+                      <a:tailEnd type="triangle"/>
+                    </a:ln>
+                  </p:spPr>
+                  <p:style>
+                    <a:lnRef idx="1">
+                      <a:schemeClr val="accent1"/>
+                    </a:lnRef>
+                    <a:fillRef idx="0">
+                      <a:schemeClr val="accent1"/>
+                    </a:fillRef>
+                    <a:effectRef idx="0">
+                      <a:schemeClr val="accent1"/>
+                    </a:effectRef>
+                    <a:fontRef idx="minor">
+                      <a:schemeClr val="tx1"/>
+                    </a:fontRef>
+                  </p:style>
+                </p:cxnSp>
+              </p:grpSp>
+            </p:grpSp>
+            <p:sp>
+              <p:nvSpPr>
+                <p:cNvPr id="359" name="文本框 9">
+                  <a:extLst>
+                    <a:ext uri="{FF2B5EF4-FFF2-40B4-BE49-F238E27FC236}">
+                      <a16:creationId xmlns:a16="http://schemas.microsoft.com/office/drawing/2014/main" id="{13443929-CE93-EDB3-66C7-F60DAC2ECF64}"/>
+                    </a:ext>
+                  </a:extLst>
+                </p:cNvPr>
+                <p:cNvSpPr txBox="1"/>
+                <p:nvPr/>
+              </p:nvSpPr>
+              <p:spPr>
+                <a:xfrm>
+                  <a:off x="4470015" y="216446"/>
+                  <a:ext cx="384744" cy="338554"/>
+                </a:xfrm>
+                <a:prstGeom prst="rect">
+                  <a:avLst/>
+                </a:prstGeom>
+                <a:noFill/>
+                <a:ln>
+                  <a:noFill/>
+                </a:ln>
+              </p:spPr>
+              <p:txBody>
+                <a:bodyPr wrap="square" rtlCol="0">
+                  <a:spAutoFit/>
+                </a:bodyPr>
+                <a:lstStyle/>
+                <a:p>
+                  <a:pPr algn="ctr"/>
+                  <a:r>
+                    <a:rPr lang="en-US" altLang="zh-CN" sz="1600" b="1" dirty="0">
+                      <a:latin typeface="Calibri" panose="020F0502020204030204" pitchFamily="34" charset="0"/>
+                      <a:cs typeface="Calibri" panose="020F0502020204030204" pitchFamily="34" charset="0"/>
+                    </a:rPr>
+                    <a:t>(d)</a:t>
+                  </a:r>
+                  <a:endParaRPr lang="zh-CN" altLang="en-US" sz="1600" b="1" dirty="0">
+                    <a:latin typeface="Calibri" panose="020F0502020204030204" pitchFamily="34" charset="0"/>
+                    <a:cs typeface="Calibri" panose="020F0502020204030204" pitchFamily="34" charset="0"/>
+                  </a:endParaRPr>
+                </a:p>
+              </p:txBody>
+            </p:sp>
+          </p:grpSp>
+          <p:cxnSp>
+            <p:nvCxnSpPr>
+              <p:cNvPr id="414" name="Straight Arrow Connector 413">
+                <a:extLst>
+                  <a:ext uri="{FF2B5EF4-FFF2-40B4-BE49-F238E27FC236}">
+                    <a16:creationId xmlns:a16="http://schemas.microsoft.com/office/drawing/2014/main" id="{B4359659-9662-3343-D7CD-FCF5E24E7C19}"/>
+                  </a:ext>
+                </a:extLst>
+              </p:cNvPr>
+              <p:cNvCxnSpPr>
+                <a:cxnSpLocks/>
+              </p:cNvCxnSpPr>
+              <p:nvPr/>
+            </p:nvCxnSpPr>
+            <p:spPr>
+              <a:xfrm flipV="1">
+                <a:off x="5055157" y="2674937"/>
+                <a:ext cx="0" cy="2087627"/>
+              </a:xfrm>
+              <a:prstGeom prst="straightConnector1">
+                <a:avLst/>
+              </a:prstGeom>
+              <a:ln w="12700">
+                <a:solidFill>
+                  <a:schemeClr val="tx1"/>
+                </a:solidFill>
+                <a:tailEnd type="triangle"/>
+              </a:ln>
+            </p:spPr>
+            <p:style>
+              <a:lnRef idx="1">
+                <a:schemeClr val="accent1"/>
+              </a:lnRef>
+              <a:fillRef idx="0">
+                <a:schemeClr val="accent1"/>
+              </a:fillRef>
+              <a:effectRef idx="0">
+                <a:schemeClr val="accent1"/>
+              </a:effectRef>
+              <a:fontRef idx="minor">
+                <a:schemeClr val="tx1"/>
+              </a:fontRef>
+            </p:style>
+          </p:cxnSp>
+        </p:grpSp>
+        <p:grpSp>
+          <p:nvGrpSpPr>
+            <p:cNvPr id="310" name="Group 309">
+              <a:extLst>
+                <a:ext uri="{FF2B5EF4-FFF2-40B4-BE49-F238E27FC236}">
+                  <a16:creationId xmlns:a16="http://schemas.microsoft.com/office/drawing/2014/main" id="{DBE60EB4-0D5E-8A83-11B7-996049C74CBF}"/>
+                </a:ext>
+              </a:extLst>
+            </p:cNvPr>
+            <p:cNvGrpSpPr/>
+            <p:nvPr/>
+          </p:nvGrpSpPr>
+          <p:grpSpPr>
+            <a:xfrm>
+              <a:off x="-97114" y="20418"/>
+              <a:ext cx="4727685" cy="5357817"/>
+              <a:chOff x="0" y="266204"/>
+              <a:chExt cx="4727685" cy="5357817"/>
+            </a:xfrm>
+          </p:grpSpPr>
+          <p:grpSp>
+            <p:nvGrpSpPr>
+              <p:cNvPr id="328" name="Group 327">
+                <a:extLst>
+                  <a:ext uri="{FF2B5EF4-FFF2-40B4-BE49-F238E27FC236}">
+                    <a16:creationId xmlns:a16="http://schemas.microsoft.com/office/drawing/2014/main" id="{3B17BD3F-92BD-4CE9-8DEE-9FAF47486F0A}"/>
+                  </a:ext>
+                </a:extLst>
+              </p:cNvPr>
+              <p:cNvGrpSpPr/>
+              <p:nvPr/>
+            </p:nvGrpSpPr>
+            <p:grpSpPr>
+              <a:xfrm>
+                <a:off x="0" y="266204"/>
+                <a:ext cx="4548080" cy="1607575"/>
+                <a:chOff x="-636479" y="-287681"/>
+                <a:chExt cx="4548080" cy="1607575"/>
+              </a:xfrm>
+            </p:grpSpPr>
+            <p:pic>
+              <p:nvPicPr>
+                <p:cNvPr id="338" name="Picture 337">
+                  <a:extLst>
+                    <a:ext uri="{FF2B5EF4-FFF2-40B4-BE49-F238E27FC236}">
+                      <a16:creationId xmlns:a16="http://schemas.microsoft.com/office/drawing/2014/main" id="{A4AD06FA-9AC8-0A76-C27D-8002F16C8733}"/>
+                    </a:ext>
+                  </a:extLst>
+                </p:cNvPr>
+                <p:cNvPicPr>
+                  <a:picLocks noChangeAspect="1"/>
+                </p:cNvPicPr>
+                <p:nvPr/>
+              </p:nvPicPr>
+              <p:blipFill rotWithShape="1">
+                <a:blip r:embed="rId8"/>
+                <a:srcRect l="12517" t="28504" r="9387" b="44807"/>
+                <a:stretch/>
+              </p:blipFill>
+              <p:spPr>
+                <a:xfrm>
+                  <a:off x="-254000" y="0"/>
+                  <a:ext cx="4165600" cy="1067719"/>
+                </a:xfrm>
+                <a:prstGeom prst="rect">
+                  <a:avLst/>
+                </a:prstGeom>
+              </p:spPr>
+            </p:pic>
+            <p:grpSp>
+              <p:nvGrpSpPr>
+                <p:cNvPr id="339" name="Group 338">
+                  <a:extLst>
+                    <a:ext uri="{FF2B5EF4-FFF2-40B4-BE49-F238E27FC236}">
+                      <a16:creationId xmlns:a16="http://schemas.microsoft.com/office/drawing/2014/main" id="{679EC3CF-B814-28D2-DC12-425B22227E0A}"/>
+                    </a:ext>
+                  </a:extLst>
+                </p:cNvPr>
+                <p:cNvGrpSpPr/>
+                <p:nvPr/>
+              </p:nvGrpSpPr>
+              <p:grpSpPr>
+                <a:xfrm>
+                  <a:off x="-636479" y="25758"/>
+                  <a:ext cx="396305" cy="1000335"/>
+                  <a:chOff x="-572979" y="38458"/>
+                  <a:chExt cx="396305" cy="1000335"/>
                 </a:xfrm>
               </p:grpSpPr>
               <p:cxnSp>
                 <p:nvCxnSpPr>
-                  <p:cNvPr id="378" name="直接连接符 90">
+                  <p:cNvPr id="345" name="直接连接符 90">
                     <a:extLst>
                       <a:ext uri="{FF2B5EF4-FFF2-40B4-BE49-F238E27FC236}">
-                        <a16:creationId xmlns:a16="http://schemas.microsoft.com/office/drawing/2014/main" id="{F6C30BB2-194A-6902-B52E-A6654A465391}"/>
+                        <a16:creationId xmlns:a16="http://schemas.microsoft.com/office/drawing/2014/main" id="{78E57522-E4F7-6077-9E5E-8189331A0503}"/>
                       </a:ext>
                     </a:extLst>
                   </p:cNvPr>
@@ -3886,7 +5884,7 @@
                 </p:nvCxnSpPr>
                 <p:spPr>
                   <a:xfrm>
-                    <a:off x="7457327" y="1317518"/>
+                    <a:off x="-390215" y="1038793"/>
                     <a:ext cx="213541" cy="0"/>
                   </a:xfrm>
                   <a:prstGeom prst="line">
@@ -3915,10 +5913,10 @@
               </p:cxnSp>
               <p:cxnSp>
                 <p:nvCxnSpPr>
-                  <p:cNvPr id="379" name="直接连接符 91">
+                  <p:cNvPr id="346" name="直接连接符 91">
                     <a:extLst>
                       <a:ext uri="{FF2B5EF4-FFF2-40B4-BE49-F238E27FC236}">
-                        <a16:creationId xmlns:a16="http://schemas.microsoft.com/office/drawing/2014/main" id="{ED46B92D-0697-3A93-51FA-E6582A2712BC}"/>
+                        <a16:creationId xmlns:a16="http://schemas.microsoft.com/office/drawing/2014/main" id="{C9F7FCD4-A1D2-2244-8EDA-05B60AC46AEA}"/>
                       </a:ext>
                     </a:extLst>
                   </p:cNvPr>
@@ -3929,7 +5927,7 @@
                 </p:nvCxnSpPr>
                 <p:spPr>
                   <a:xfrm>
-                    <a:off x="7457327" y="705328"/>
+                    <a:off x="-390215" y="38458"/>
                     <a:ext cx="213541" cy="0"/>
                   </a:xfrm>
                   <a:prstGeom prst="line">
@@ -3958,10 +5956,10 @@
               </p:cxnSp>
               <p:cxnSp>
                 <p:nvCxnSpPr>
-                  <p:cNvPr id="380" name="直接连接符 92">
+                  <p:cNvPr id="347" name="直接连接符 92">
                     <a:extLst>
                       <a:ext uri="{FF2B5EF4-FFF2-40B4-BE49-F238E27FC236}">
-                        <a16:creationId xmlns:a16="http://schemas.microsoft.com/office/drawing/2014/main" id="{B5B8BEDD-B75F-DAAC-FBE0-C1F6ED3E958E}"/>
+                        <a16:creationId xmlns:a16="http://schemas.microsoft.com/office/drawing/2014/main" id="{8D02A329-278B-F656-6F02-35BB18B817FF}"/>
                       </a:ext>
                     </a:extLst>
                   </p:cNvPr>
@@ -3972,8 +5970,8 @@
                 </p:nvCxnSpPr>
                 <p:spPr>
                   <a:xfrm flipV="1">
-                    <a:off x="7578639" y="714659"/>
-                    <a:ext cx="0" cy="598644"/>
+                    <a:off x="-268903" y="47789"/>
+                    <a:ext cx="0" cy="972342"/>
                   </a:xfrm>
                   <a:prstGeom prst="line">
                     <a:avLst/>
@@ -4003,10 +6001,10 @@
               </p:cxnSp>
               <p:sp>
                 <p:nvSpPr>
-                  <p:cNvPr id="381" name="文本框 9">
+                  <p:cNvPr id="348" name="文本框 9">
                     <a:extLst>
                       <a:ext uri="{FF2B5EF4-FFF2-40B4-BE49-F238E27FC236}">
-                        <a16:creationId xmlns:a16="http://schemas.microsoft.com/office/drawing/2014/main" id="{1FF77F76-87D7-C9FE-BFB0-0F95525C99A8}"/>
+                        <a16:creationId xmlns:a16="http://schemas.microsoft.com/office/drawing/2014/main" id="{C21F6A61-73D3-D8D2-35D1-1F54C8A32664}"/>
                       </a:ext>
                     </a:extLst>
                   </p:cNvPr>
@@ -4015,7 +6013,7 @@
                 </p:nvSpPr>
                 <p:spPr>
                   <a:xfrm rot="16200000">
-                    <a:off x="7027170" y="844703"/>
+                    <a:off x="-786980" y="329960"/>
                     <a:ext cx="766555" cy="338554"/>
                   </a:xfrm>
                   <a:prstGeom prst="rect">
@@ -4027,7 +6025,7 @@
                   </a:ln>
                 </p:spPr>
                 <p:txBody>
-                  <a:bodyPr wrap="square" rtlCol="0">
+                  <a:bodyPr wrap="none" rtlCol="0">
                     <a:spAutoFit/>
                   </a:bodyPr>
                   <a:lstStyle/>
@@ -4038,7 +6036,7 @@
                         <a:latin typeface="Calibri" panose="020F0502020204030204" pitchFamily="34" charset="0"/>
                         <a:cs typeface="Calibri" panose="020F0502020204030204" pitchFamily="34" charset="0"/>
                       </a:rPr>
-                      <a:t>16 mm</a:t>
+                      <a:t>26 mm</a:t>
                     </a:r>
                     <a:endParaRPr lang="zh-CN" altLang="en-US" sz="1600" dirty="0">
                       <a:latin typeface="Calibri" panose="020F0502020204030204" pitchFamily="34" charset="0"/>
@@ -4048,1812 +6046,12 @@
                 </p:txBody>
               </p:sp>
             </p:grpSp>
-            <p:sp>
-              <p:nvSpPr>
-                <p:cNvPr id="377" name="文本框 9">
+            <p:cxnSp>
+              <p:nvCxnSpPr>
+                <p:cNvPr id="340" name="直接连接符 87">
                   <a:extLst>
                     <a:ext uri="{FF2B5EF4-FFF2-40B4-BE49-F238E27FC236}">
-                      <a16:creationId xmlns:a16="http://schemas.microsoft.com/office/drawing/2014/main" id="{671C1E12-1E80-29B6-6784-1277F8EE2A1B}"/>
-                    </a:ext>
-                  </a:extLst>
-                </p:cNvPr>
-                <p:cNvSpPr txBox="1"/>
-                <p:nvPr/>
-              </p:nvSpPr>
-              <p:spPr>
-                <a:xfrm>
-                  <a:off x="7501677" y="406056"/>
-                  <a:ext cx="4151774" cy="338554"/>
-                </a:xfrm>
-                <a:prstGeom prst="rect">
-                  <a:avLst/>
-                </a:prstGeom>
-                <a:noFill/>
-                <a:ln>
-                  <a:noFill/>
-                </a:ln>
-              </p:spPr>
-              <p:txBody>
-                <a:bodyPr wrap="square" rtlCol="0">
-                  <a:spAutoFit/>
-                </a:bodyPr>
-                <a:lstStyle/>
-                <a:p>
-                  <a:pPr algn="ctr"/>
-                  <a:r>
-                    <a:rPr lang="en-US" altLang="zh-CN" sz="1600" dirty="0">
-                      <a:latin typeface="Calibri" panose="020F0502020204030204" pitchFamily="34" charset="0"/>
-                      <a:cs typeface="Calibri" panose="020F0502020204030204" pitchFamily="34" charset="0"/>
-                    </a:rPr>
-                    <a:t>Raster path, residual RMS = 0.20 nm</a:t>
-                  </a:r>
-                  <a:endParaRPr lang="zh-CN" altLang="en-US" sz="1600" dirty="0">
-                    <a:latin typeface="Calibri" panose="020F0502020204030204" pitchFamily="34" charset="0"/>
-                    <a:cs typeface="Calibri" panose="020F0502020204030204" pitchFamily="34" charset="0"/>
-                  </a:endParaRPr>
-                </a:p>
-              </p:txBody>
-            </p:sp>
-          </p:grpSp>
-        </p:grpSp>
-        <p:grpSp>
-          <p:nvGrpSpPr>
-            <p:cNvPr id="369" name="Group 368">
-              <a:extLst>
-                <a:ext uri="{FF2B5EF4-FFF2-40B4-BE49-F238E27FC236}">
-                  <a16:creationId xmlns:a16="http://schemas.microsoft.com/office/drawing/2014/main" id="{73C44B12-FA04-1F74-4579-7D9B197DB9E2}"/>
-                </a:ext>
-              </a:extLst>
-            </p:cNvPr>
-            <p:cNvGrpSpPr/>
-            <p:nvPr/>
-          </p:nvGrpSpPr>
-          <p:grpSpPr>
-            <a:xfrm>
-              <a:off x="7485049" y="2340135"/>
-              <a:ext cx="4151774" cy="978839"/>
-              <a:chOff x="7485049" y="2359185"/>
-              <a:chExt cx="4151774" cy="978839"/>
-            </a:xfrm>
-          </p:grpSpPr>
-          <p:pic>
-            <p:nvPicPr>
-              <p:cNvPr id="370" name="Picture 369">
-                <a:extLst>
-                  <a:ext uri="{FF2B5EF4-FFF2-40B4-BE49-F238E27FC236}">
-                    <a16:creationId xmlns:a16="http://schemas.microsoft.com/office/drawing/2014/main" id="{54F1CAA9-9ACE-9467-B65E-A3903ADBED1F}"/>
-                  </a:ext>
-                </a:extLst>
-              </p:cNvPr>
-              <p:cNvPicPr>
-                <a:picLocks noChangeAspect="1"/>
-              </p:cNvPicPr>
-              <p:nvPr/>
-            </p:nvPicPr>
-            <p:blipFill rotWithShape="1">
-              <a:blip r:embed="rId5"/>
-              <a:srcRect l="16631" t="32331" r="12619" b="49788"/>
-              <a:stretch/>
-            </p:blipFill>
-            <p:spPr>
-              <a:xfrm>
-                <a:off x="7694255" y="2622703"/>
-                <a:ext cx="3773845" cy="715321"/>
-              </a:xfrm>
-              <a:prstGeom prst="rect">
-                <a:avLst/>
-              </a:prstGeom>
-            </p:spPr>
-          </p:pic>
-          <p:sp>
-            <p:nvSpPr>
-              <p:cNvPr id="371" name="文本框 9">
-                <a:extLst>
-                  <a:ext uri="{FF2B5EF4-FFF2-40B4-BE49-F238E27FC236}">
-                    <a16:creationId xmlns:a16="http://schemas.microsoft.com/office/drawing/2014/main" id="{CF037D4B-4529-CCCB-F7AB-263501802939}"/>
-                  </a:ext>
-                </a:extLst>
-              </p:cNvPr>
-              <p:cNvSpPr txBox="1"/>
-              <p:nvPr/>
-            </p:nvSpPr>
-            <p:spPr>
-              <a:xfrm>
-                <a:off x="7485049" y="2359185"/>
-                <a:ext cx="4151774" cy="338554"/>
-              </a:xfrm>
-              <a:prstGeom prst="rect">
-                <a:avLst/>
-              </a:prstGeom>
-              <a:noFill/>
-              <a:ln>
-                <a:noFill/>
-              </a:ln>
-            </p:spPr>
-            <p:txBody>
-              <a:bodyPr wrap="square" rtlCol="0">
-                <a:spAutoFit/>
-              </a:bodyPr>
-              <a:lstStyle/>
-              <a:p>
-                <a:pPr algn="ctr"/>
-                <a:r>
-                  <a:rPr lang="en-US" altLang="zh-CN" sz="1600" dirty="0">
-                    <a:latin typeface="Calibri" panose="020F0502020204030204" pitchFamily="34" charset="0"/>
-                    <a:cs typeface="Calibri" panose="020F0502020204030204" pitchFamily="34" charset="0"/>
-                  </a:rPr>
-                  <a:t>Maze path, residual RMS = 0.26 nm</a:t>
-                </a:r>
-                <a:endParaRPr lang="zh-CN" altLang="en-US" sz="1600" dirty="0">
-                  <a:latin typeface="Calibri" panose="020F0502020204030204" pitchFamily="34" charset="0"/>
-                  <a:cs typeface="Calibri" panose="020F0502020204030204" pitchFamily="34" charset="0"/>
-                </a:endParaRPr>
-              </a:p>
-            </p:txBody>
-          </p:sp>
-          <p:sp>
-            <p:nvSpPr>
-              <p:cNvPr id="372" name="文本框 9">
-                <a:extLst>
-                  <a:ext uri="{FF2B5EF4-FFF2-40B4-BE49-F238E27FC236}">
-                    <a16:creationId xmlns:a16="http://schemas.microsoft.com/office/drawing/2014/main" id="{859988AA-7733-959E-B783-2F18543062AF}"/>
-                  </a:ext>
-                </a:extLst>
-              </p:cNvPr>
-              <p:cNvSpPr txBox="1"/>
-              <p:nvPr/>
-            </p:nvSpPr>
-            <p:spPr>
-              <a:xfrm>
-                <a:off x="7632931" y="2359185"/>
-                <a:ext cx="384744" cy="338554"/>
-              </a:xfrm>
-              <a:prstGeom prst="rect">
-                <a:avLst/>
-              </a:prstGeom>
-              <a:noFill/>
-              <a:ln>
-                <a:noFill/>
-              </a:ln>
-            </p:spPr>
-            <p:txBody>
-              <a:bodyPr wrap="square" rtlCol="0">
-                <a:spAutoFit/>
-              </a:bodyPr>
-              <a:lstStyle/>
-              <a:p>
-                <a:pPr algn="ctr"/>
-                <a:r>
-                  <a:rPr lang="en-US" altLang="zh-CN" sz="1600" b="1" dirty="0">
-                    <a:latin typeface="Calibri" panose="020F0502020204030204" pitchFamily="34" charset="0"/>
-                    <a:cs typeface="Calibri" panose="020F0502020204030204" pitchFamily="34" charset="0"/>
-                  </a:rPr>
-                  <a:t>(f)</a:t>
-                </a:r>
-                <a:endParaRPr lang="zh-CN" altLang="en-US" sz="1600" b="1" dirty="0">
-                  <a:latin typeface="Calibri" panose="020F0502020204030204" pitchFamily="34" charset="0"/>
-                  <a:cs typeface="Calibri" panose="020F0502020204030204" pitchFamily="34" charset="0"/>
-                </a:endParaRPr>
-              </a:p>
-            </p:txBody>
-          </p:sp>
-        </p:grpSp>
-      </p:grpSp>
-      <p:cxnSp>
-        <p:nvCxnSpPr>
-          <p:cNvPr id="311" name="直接连接符 87">
-            <a:extLst>
-              <a:ext uri="{FF2B5EF4-FFF2-40B4-BE49-F238E27FC236}">
-                <a16:creationId xmlns:a16="http://schemas.microsoft.com/office/drawing/2014/main" id="{E23CDD1C-F00C-00F0-CB02-9E5A634EA340}"/>
-              </a:ext>
-            </a:extLst>
-          </p:cNvPr>
-          <p:cNvCxnSpPr>
-            <a:cxnSpLocks/>
-          </p:cNvCxnSpPr>
-          <p:nvPr/>
-        </p:nvCxnSpPr>
-        <p:spPr>
-          <a:xfrm>
-            <a:off x="11410585" y="1117780"/>
-            <a:ext cx="1" cy="232456"/>
-          </a:xfrm>
-          <a:prstGeom prst="line">
-            <a:avLst/>
-          </a:prstGeom>
-          <a:ln w="19050">
-            <a:solidFill>
-              <a:schemeClr val="tx1"/>
-            </a:solidFill>
-          </a:ln>
-        </p:spPr>
-        <p:style>
-          <a:lnRef idx="1">
-            <a:schemeClr val="accent1"/>
-          </a:lnRef>
-          <a:fillRef idx="0">
-            <a:schemeClr val="accent1"/>
-          </a:fillRef>
-          <a:effectRef idx="0">
-            <a:schemeClr val="accent1"/>
-          </a:effectRef>
-          <a:fontRef idx="minor">
-            <a:schemeClr val="tx1"/>
-          </a:fontRef>
-        </p:style>
-      </p:cxnSp>
-      <p:cxnSp>
-        <p:nvCxnSpPr>
-          <p:cNvPr id="312" name="直接连接符 88">
-            <a:extLst>
-              <a:ext uri="{FF2B5EF4-FFF2-40B4-BE49-F238E27FC236}">
-                <a16:creationId xmlns:a16="http://schemas.microsoft.com/office/drawing/2014/main" id="{F3170C23-59ED-B1F8-63B3-4457270383A1}"/>
-              </a:ext>
-            </a:extLst>
-          </p:cNvPr>
-          <p:cNvCxnSpPr>
-            <a:cxnSpLocks/>
-          </p:cNvCxnSpPr>
-          <p:nvPr/>
-        </p:nvCxnSpPr>
-        <p:spPr>
-          <a:xfrm>
-            <a:off x="7699209" y="1266639"/>
-            <a:ext cx="3707496" cy="0"/>
-          </a:xfrm>
-          <a:prstGeom prst="line">
-            <a:avLst/>
-          </a:prstGeom>
-          <a:ln w="19050">
-            <a:solidFill>
-              <a:schemeClr val="tx1"/>
-            </a:solidFill>
-            <a:headEnd type="stealth"/>
-            <a:tailEnd type="stealth"/>
-          </a:ln>
-        </p:spPr>
-        <p:style>
-          <a:lnRef idx="1">
-            <a:schemeClr val="accent1"/>
-          </a:lnRef>
-          <a:fillRef idx="0">
-            <a:schemeClr val="accent1"/>
-          </a:fillRef>
-          <a:effectRef idx="0">
-            <a:schemeClr val="accent1"/>
-          </a:effectRef>
-          <a:fontRef idx="minor">
-            <a:schemeClr val="tx1"/>
-          </a:fontRef>
-        </p:style>
-      </p:cxnSp>
-      <p:cxnSp>
-        <p:nvCxnSpPr>
-          <p:cNvPr id="313" name="直接连接符 94">
-            <a:extLst>
-              <a:ext uri="{FF2B5EF4-FFF2-40B4-BE49-F238E27FC236}">
-                <a16:creationId xmlns:a16="http://schemas.microsoft.com/office/drawing/2014/main" id="{7F6B61A5-8674-9C6E-BC58-88DABC65DEB6}"/>
-              </a:ext>
-            </a:extLst>
-          </p:cNvPr>
-          <p:cNvCxnSpPr>
-            <a:cxnSpLocks/>
-          </p:cNvCxnSpPr>
-          <p:nvPr/>
-        </p:nvCxnSpPr>
-        <p:spPr>
-          <a:xfrm>
-            <a:off x="7694127" y="1091369"/>
-            <a:ext cx="1" cy="232456"/>
-          </a:xfrm>
-          <a:prstGeom prst="line">
-            <a:avLst/>
-          </a:prstGeom>
-          <a:ln w="19050">
-            <a:solidFill>
-              <a:schemeClr val="tx1"/>
-            </a:solidFill>
-          </a:ln>
-        </p:spPr>
-        <p:style>
-          <a:lnRef idx="1">
-            <a:schemeClr val="accent1"/>
-          </a:lnRef>
-          <a:fillRef idx="0">
-            <a:schemeClr val="accent1"/>
-          </a:fillRef>
-          <a:effectRef idx="0">
-            <a:schemeClr val="accent1"/>
-          </a:effectRef>
-          <a:fontRef idx="minor">
-            <a:schemeClr val="tx1"/>
-          </a:fontRef>
-        </p:style>
-      </p:cxnSp>
-      <p:sp>
-        <p:nvSpPr>
-          <p:cNvPr id="315" name="文本框 9">
-            <a:extLst>
-              <a:ext uri="{FF2B5EF4-FFF2-40B4-BE49-F238E27FC236}">
-                <a16:creationId xmlns:a16="http://schemas.microsoft.com/office/drawing/2014/main" id="{7E9D32F3-1F35-94F3-F8B5-44895BFF4BF9}"/>
-              </a:ext>
-            </a:extLst>
-          </p:cNvPr>
-          <p:cNvSpPr txBox="1"/>
-          <p:nvPr/>
-        </p:nvSpPr>
-        <p:spPr>
-          <a:xfrm>
-            <a:off x="202603" y="0"/>
-            <a:ext cx="384744" cy="338554"/>
-          </a:xfrm>
-          <a:prstGeom prst="rect">
-            <a:avLst/>
-          </a:prstGeom>
-          <a:noFill/>
-          <a:ln>
-            <a:noFill/>
-          </a:ln>
-        </p:spPr>
-        <p:txBody>
-          <a:bodyPr wrap="square" rtlCol="0">
-            <a:spAutoFit/>
-          </a:bodyPr>
-          <a:lstStyle/>
-          <a:p>
-            <a:pPr algn="ctr"/>
-            <a:r>
-              <a:rPr lang="en-US" altLang="zh-CN" sz="1600" b="1" dirty="0">
-                <a:latin typeface="Calibri" panose="020F0502020204030204" pitchFamily="34" charset="0"/>
-                <a:cs typeface="Calibri" panose="020F0502020204030204" pitchFamily="34" charset="0"/>
-              </a:rPr>
-              <a:t>(a)</a:t>
-            </a:r>
-            <a:endParaRPr lang="zh-CN" altLang="en-US" sz="1600" b="1" dirty="0">
-              <a:latin typeface="Calibri" panose="020F0502020204030204" pitchFamily="34" charset="0"/>
-              <a:cs typeface="Calibri" panose="020F0502020204030204" pitchFamily="34" charset="0"/>
-            </a:endParaRPr>
-          </a:p>
-        </p:txBody>
-      </p:sp>
-      <p:sp>
-        <p:nvSpPr>
-          <p:cNvPr id="316" name="文本框 9">
-            <a:extLst>
-              <a:ext uri="{FF2B5EF4-FFF2-40B4-BE49-F238E27FC236}">
-                <a16:creationId xmlns:a16="http://schemas.microsoft.com/office/drawing/2014/main" id="{7CDECA39-B239-85DD-F799-74F575BF425B}"/>
-              </a:ext>
-            </a:extLst>
-          </p:cNvPr>
-          <p:cNvSpPr txBox="1"/>
-          <p:nvPr/>
-        </p:nvSpPr>
-        <p:spPr>
-          <a:xfrm>
-            <a:off x="202603" y="1880036"/>
-            <a:ext cx="384744" cy="338554"/>
-          </a:xfrm>
-          <a:prstGeom prst="rect">
-            <a:avLst/>
-          </a:prstGeom>
-          <a:noFill/>
-          <a:ln>
-            <a:noFill/>
-          </a:ln>
-        </p:spPr>
-        <p:txBody>
-          <a:bodyPr wrap="square" rtlCol="0">
-            <a:spAutoFit/>
-          </a:bodyPr>
-          <a:lstStyle/>
-          <a:p>
-            <a:pPr algn="ctr"/>
-            <a:r>
-              <a:rPr lang="en-US" altLang="zh-CN" sz="1600" b="1" dirty="0">
-                <a:latin typeface="Calibri" panose="020F0502020204030204" pitchFamily="34" charset="0"/>
-                <a:cs typeface="Calibri" panose="020F0502020204030204" pitchFamily="34" charset="0"/>
-              </a:rPr>
-              <a:t>(b)</a:t>
-            </a:r>
-            <a:endParaRPr lang="zh-CN" altLang="en-US" sz="1600" b="1" dirty="0">
-              <a:latin typeface="Calibri" panose="020F0502020204030204" pitchFamily="34" charset="0"/>
-              <a:cs typeface="Calibri" panose="020F0502020204030204" pitchFamily="34" charset="0"/>
-            </a:endParaRPr>
-          </a:p>
-        </p:txBody>
-      </p:sp>
-      <p:sp>
-        <p:nvSpPr>
-          <p:cNvPr id="317" name="文本框 9">
-            <a:extLst>
-              <a:ext uri="{FF2B5EF4-FFF2-40B4-BE49-F238E27FC236}">
-                <a16:creationId xmlns:a16="http://schemas.microsoft.com/office/drawing/2014/main" id="{13A0A11E-10F5-047F-E46A-3C97C78FA125}"/>
-              </a:ext>
-            </a:extLst>
-          </p:cNvPr>
-          <p:cNvSpPr txBox="1"/>
-          <p:nvPr/>
-        </p:nvSpPr>
-        <p:spPr>
-          <a:xfrm>
-            <a:off x="202603" y="3544563"/>
-            <a:ext cx="384744" cy="338554"/>
-          </a:xfrm>
-          <a:prstGeom prst="rect">
-            <a:avLst/>
-          </a:prstGeom>
-          <a:noFill/>
-          <a:ln>
-            <a:noFill/>
-          </a:ln>
-        </p:spPr>
-        <p:txBody>
-          <a:bodyPr wrap="square" rtlCol="0">
-            <a:spAutoFit/>
-          </a:bodyPr>
-          <a:lstStyle/>
-          <a:p>
-            <a:pPr algn="ctr"/>
-            <a:r>
-              <a:rPr lang="en-US" altLang="zh-CN" sz="1600" b="1" dirty="0">
-                <a:latin typeface="Calibri" panose="020F0502020204030204" pitchFamily="34" charset="0"/>
-                <a:cs typeface="Calibri" panose="020F0502020204030204" pitchFamily="34" charset="0"/>
-              </a:rPr>
-              <a:t>(c)</a:t>
-            </a:r>
-            <a:endParaRPr lang="zh-CN" altLang="en-US" sz="1600" b="1" dirty="0">
-              <a:latin typeface="Calibri" panose="020F0502020204030204" pitchFamily="34" charset="0"/>
-              <a:cs typeface="Calibri" panose="020F0502020204030204" pitchFamily="34" charset="0"/>
-            </a:endParaRPr>
-          </a:p>
-        </p:txBody>
-      </p:sp>
-      <p:sp>
-        <p:nvSpPr>
-          <p:cNvPr id="318" name="文本框 9">
-            <a:extLst>
-              <a:ext uri="{FF2B5EF4-FFF2-40B4-BE49-F238E27FC236}">
-                <a16:creationId xmlns:a16="http://schemas.microsoft.com/office/drawing/2014/main" id="{9EEDA0D1-D527-86A6-7B5E-940ACD47BEEC}"/>
-              </a:ext>
-            </a:extLst>
-          </p:cNvPr>
-          <p:cNvSpPr txBox="1"/>
-          <p:nvPr/>
-        </p:nvSpPr>
-        <p:spPr>
-          <a:xfrm>
-            <a:off x="7612017" y="160270"/>
-            <a:ext cx="384744" cy="338554"/>
-          </a:xfrm>
-          <a:prstGeom prst="rect">
-            <a:avLst/>
-          </a:prstGeom>
-          <a:noFill/>
-          <a:ln>
-            <a:noFill/>
-          </a:ln>
-        </p:spPr>
-        <p:txBody>
-          <a:bodyPr wrap="square" rtlCol="0">
-            <a:spAutoFit/>
-          </a:bodyPr>
-          <a:lstStyle/>
-          <a:p>
-            <a:pPr algn="ctr"/>
-            <a:r>
-              <a:rPr lang="en-US" altLang="zh-CN" sz="1600" b="1" dirty="0">
-                <a:latin typeface="Calibri" panose="020F0502020204030204" pitchFamily="34" charset="0"/>
-                <a:cs typeface="Calibri" panose="020F0502020204030204" pitchFamily="34" charset="0"/>
-              </a:rPr>
-              <a:t>(e)</a:t>
-            </a:r>
-            <a:endParaRPr lang="zh-CN" altLang="en-US" sz="1600" b="1" dirty="0">
-              <a:latin typeface="Calibri" panose="020F0502020204030204" pitchFamily="34" charset="0"/>
-              <a:cs typeface="Calibri" panose="020F0502020204030204" pitchFamily="34" charset="0"/>
-            </a:endParaRPr>
-          </a:p>
-        </p:txBody>
-      </p:sp>
-      <p:grpSp>
-        <p:nvGrpSpPr>
-          <p:cNvPr id="418" name="Group 417">
-            <a:extLst>
-              <a:ext uri="{FF2B5EF4-FFF2-40B4-BE49-F238E27FC236}">
-                <a16:creationId xmlns:a16="http://schemas.microsoft.com/office/drawing/2014/main" id="{89D179F4-745D-A00C-9B3B-0B59A6EBE198}"/>
-              </a:ext>
-            </a:extLst>
-          </p:cNvPr>
-          <p:cNvGrpSpPr/>
-          <p:nvPr/>
-        </p:nvGrpSpPr>
-        <p:grpSpPr>
-          <a:xfrm>
-            <a:off x="4470015" y="302171"/>
-            <a:ext cx="2970079" cy="4792136"/>
-            <a:chOff x="4470015" y="302171"/>
-            <a:chExt cx="2970079" cy="4792136"/>
-          </a:xfrm>
-        </p:grpSpPr>
-        <p:grpSp>
-          <p:nvGrpSpPr>
-            <p:cNvPr id="413" name="Group 412">
-              <a:extLst>
-                <a:ext uri="{FF2B5EF4-FFF2-40B4-BE49-F238E27FC236}">
-                  <a16:creationId xmlns:a16="http://schemas.microsoft.com/office/drawing/2014/main" id="{C1D1131E-9C93-8907-6535-E41E7B66E86C}"/>
-                </a:ext>
-              </a:extLst>
-            </p:cNvPr>
-            <p:cNvGrpSpPr/>
-            <p:nvPr/>
-          </p:nvGrpSpPr>
-          <p:grpSpPr>
-            <a:xfrm>
-              <a:off x="4470015" y="302171"/>
-              <a:ext cx="2970079" cy="4792136"/>
-              <a:chOff x="4470015" y="216446"/>
-              <a:chExt cx="2970079" cy="4792136"/>
-            </a:xfrm>
-          </p:grpSpPr>
-          <p:grpSp>
-            <p:nvGrpSpPr>
-              <p:cNvPr id="411" name="Group 410">
-                <a:extLst>
-                  <a:ext uri="{FF2B5EF4-FFF2-40B4-BE49-F238E27FC236}">
-                    <a16:creationId xmlns:a16="http://schemas.microsoft.com/office/drawing/2014/main" id="{2D54A503-E5DF-9E9E-48FD-B87111CF9D8C}"/>
-                  </a:ext>
-                </a:extLst>
-              </p:cNvPr>
-              <p:cNvGrpSpPr/>
-              <p:nvPr/>
-            </p:nvGrpSpPr>
-            <p:grpSpPr>
-              <a:xfrm>
-                <a:off x="4519004" y="276345"/>
-                <a:ext cx="2921090" cy="4732237"/>
-                <a:chOff x="4423754" y="276345"/>
-                <a:chExt cx="2921090" cy="4732237"/>
-              </a:xfrm>
-            </p:grpSpPr>
-            <p:grpSp>
-              <p:nvGrpSpPr>
-                <p:cNvPr id="410" name="Group 409">
-                  <a:extLst>
-                    <a:ext uri="{FF2B5EF4-FFF2-40B4-BE49-F238E27FC236}">
-                      <a16:creationId xmlns:a16="http://schemas.microsoft.com/office/drawing/2014/main" id="{89A0D433-B7D6-F8AD-F4C3-D34C1917B652}"/>
-                    </a:ext>
-                  </a:extLst>
-                </p:cNvPr>
-                <p:cNvGrpSpPr/>
-                <p:nvPr/>
-              </p:nvGrpSpPr>
-              <p:grpSpPr>
-                <a:xfrm>
-                  <a:off x="4423754" y="276345"/>
-                  <a:ext cx="2921090" cy="4732237"/>
-                  <a:chOff x="4423754" y="276345"/>
-                  <a:chExt cx="2921090" cy="4732237"/>
-                </a:xfrm>
-              </p:grpSpPr>
-              <p:grpSp>
-                <p:nvGrpSpPr>
-                  <p:cNvPr id="409" name="Group 408">
-                    <a:extLst>
-                      <a:ext uri="{FF2B5EF4-FFF2-40B4-BE49-F238E27FC236}">
-                        <a16:creationId xmlns:a16="http://schemas.microsoft.com/office/drawing/2014/main" id="{C76AD50C-3FC5-9CF1-51DE-9A18FAC98AC1}"/>
-                      </a:ext>
-                    </a:extLst>
-                  </p:cNvPr>
-                  <p:cNvGrpSpPr/>
-                  <p:nvPr/>
-                </p:nvGrpSpPr>
-                <p:grpSpPr>
-                  <a:xfrm>
-                    <a:off x="4445159" y="2500293"/>
-                    <a:ext cx="2899685" cy="2508289"/>
-                    <a:chOff x="4445159" y="2500293"/>
-                    <a:chExt cx="2899685" cy="2508289"/>
-                  </a:xfrm>
-                </p:grpSpPr>
-                <p:pic>
-                  <p:nvPicPr>
-                    <p:cNvPr id="396" name="Picture 395">
-                      <a:extLst>
-                        <a:ext uri="{FF2B5EF4-FFF2-40B4-BE49-F238E27FC236}">
-                          <a16:creationId xmlns:a16="http://schemas.microsoft.com/office/drawing/2014/main" id="{4E2859FE-1760-2667-26B4-E33D2D8526B0}"/>
-                        </a:ext>
-                      </a:extLst>
-                    </p:cNvPr>
-                    <p:cNvPicPr>
-                      <a:picLocks noChangeAspect="1"/>
-                    </p:cNvPicPr>
-                    <p:nvPr/>
-                  </p:nvPicPr>
-                  <p:blipFill rotWithShape="1">
-                    <a:blip r:embed="rId6"/>
-                    <a:srcRect l="840" r="7473"/>
-                    <a:stretch/>
-                  </p:blipFill>
-                  <p:spPr>
-                    <a:xfrm>
-                      <a:off x="4445159" y="2608282"/>
-                      <a:ext cx="2812086" cy="2400300"/>
-                    </a:xfrm>
-                    <a:prstGeom prst="rect">
-                      <a:avLst/>
-                    </a:prstGeom>
-                  </p:spPr>
-                </p:pic>
-                <p:sp>
-                  <p:nvSpPr>
-                    <p:cNvPr id="362" name="文本框 9">
-                      <a:extLst>
-                        <a:ext uri="{FF2B5EF4-FFF2-40B4-BE49-F238E27FC236}">
-                          <a16:creationId xmlns:a16="http://schemas.microsoft.com/office/drawing/2014/main" id="{34C547BF-123F-8DE7-DECA-963F4BD82056}"/>
-                        </a:ext>
-                      </a:extLst>
-                    </p:cNvPr>
-                    <p:cNvSpPr txBox="1"/>
-                    <p:nvPr/>
-                  </p:nvSpPr>
-                  <p:spPr>
-                    <a:xfrm>
-                      <a:off x="4967582" y="2500293"/>
-                      <a:ext cx="2221305" cy="338554"/>
-                    </a:xfrm>
-                    <a:prstGeom prst="rect">
-                      <a:avLst/>
-                    </a:prstGeom>
-                    <a:noFill/>
-                    <a:ln>
-                      <a:noFill/>
-                    </a:ln>
-                  </p:spPr>
-                  <p:txBody>
-                    <a:bodyPr wrap="square" rtlCol="0">
-                      <a:spAutoFit/>
-                    </a:bodyPr>
-                    <a:lstStyle/>
-                    <a:p>
-                      <a:pPr algn="ctr"/>
-                      <a:r>
-                        <a:rPr lang="en-US" altLang="zh-CN" sz="1600" dirty="0">
-                          <a:latin typeface="Calibri" panose="020F0502020204030204" pitchFamily="34" charset="0"/>
-                          <a:cs typeface="Calibri" panose="020F0502020204030204" pitchFamily="34" charset="0"/>
-                        </a:rPr>
-                        <a:t>Velocities in </a:t>
-                      </a:r>
-                      <a:r>
-                        <a:rPr lang="en-US" altLang="zh-CN" sz="1600" i="1" dirty="0">
-                          <a:latin typeface="Calibri" panose="020F0502020204030204" pitchFamily="34" charset="0"/>
-                          <a:cs typeface="Calibri" panose="020F0502020204030204" pitchFamily="34" charset="0"/>
-                        </a:rPr>
-                        <a:t>y</a:t>
-                      </a:r>
-                      <a:r>
-                        <a:rPr lang="en-US" altLang="zh-CN" sz="1600" dirty="0">
-                          <a:latin typeface="Calibri" panose="020F0502020204030204" pitchFamily="34" charset="0"/>
-                          <a:cs typeface="Calibri" panose="020F0502020204030204" pitchFamily="34" charset="0"/>
-                        </a:rPr>
-                        <a:t> direction</a:t>
-                      </a:r>
-                      <a:endParaRPr lang="zh-CN" altLang="en-US" sz="1600" dirty="0">
-                        <a:latin typeface="Calibri" panose="020F0502020204030204" pitchFamily="34" charset="0"/>
-                        <a:cs typeface="Calibri" panose="020F0502020204030204" pitchFamily="34" charset="0"/>
-                      </a:endParaRPr>
-                    </a:p>
-                  </p:txBody>
-                </p:sp>
-                <p:grpSp>
-                  <p:nvGrpSpPr>
-                    <p:cNvPr id="397" name="Group 396">
-                      <a:extLst>
-                        <a:ext uri="{FF2B5EF4-FFF2-40B4-BE49-F238E27FC236}">
-                          <a16:creationId xmlns:a16="http://schemas.microsoft.com/office/drawing/2014/main" id="{80C5289E-732B-923B-C1AE-55A35E35A705}"/>
-                        </a:ext>
-                      </a:extLst>
-                    </p:cNvPr>
-                    <p:cNvGrpSpPr/>
-                    <p:nvPr/>
-                  </p:nvGrpSpPr>
-                  <p:grpSpPr>
-                    <a:xfrm>
-                      <a:off x="4981656" y="4424885"/>
-                      <a:ext cx="2363188" cy="307777"/>
-                      <a:chOff x="4995798" y="4310585"/>
-                      <a:chExt cx="2363188" cy="307777"/>
-                    </a:xfrm>
-                  </p:grpSpPr>
-                  <p:grpSp>
-                    <p:nvGrpSpPr>
-                      <p:cNvPr id="349" name="Group 348">
-                        <a:extLst>
-                          <a:ext uri="{FF2B5EF4-FFF2-40B4-BE49-F238E27FC236}">
-                            <a16:creationId xmlns:a16="http://schemas.microsoft.com/office/drawing/2014/main" id="{6FF64147-9671-9C48-0E25-130492E68A1D}"/>
-                          </a:ext>
-                        </a:extLst>
-                      </p:cNvPr>
-                      <p:cNvGrpSpPr/>
-                      <p:nvPr/>
-                    </p:nvGrpSpPr>
-                    <p:grpSpPr>
-                      <a:xfrm>
-                        <a:off x="4995798" y="4310585"/>
-                        <a:ext cx="827750" cy="307777"/>
-                        <a:chOff x="5433443" y="4249705"/>
-                        <a:chExt cx="826516" cy="307777"/>
-                      </a:xfrm>
-                    </p:grpSpPr>
-                    <p:cxnSp>
-                      <p:nvCxnSpPr>
-                        <p:cNvPr id="356" name="Straight Connector 355">
-                          <a:extLst>
-                            <a:ext uri="{FF2B5EF4-FFF2-40B4-BE49-F238E27FC236}">
-                              <a16:creationId xmlns:a16="http://schemas.microsoft.com/office/drawing/2014/main" id="{D0CF5FD6-8F2F-1CC9-D5D0-D6FF2C83B19E}"/>
-                            </a:ext>
-                          </a:extLst>
-                        </p:cNvPr>
-                        <p:cNvCxnSpPr>
-                          <a:cxnSpLocks/>
-                        </p:cNvCxnSpPr>
-                        <p:nvPr/>
-                      </p:nvCxnSpPr>
-                      <p:spPr>
-                        <a:xfrm>
-                          <a:off x="5433443" y="4397729"/>
-                          <a:ext cx="251021" cy="0"/>
-                        </a:xfrm>
-                        <a:prstGeom prst="line">
-                          <a:avLst/>
-                        </a:prstGeom>
-                        <a:ln w="19050">
-                          <a:solidFill>
-                            <a:srgbClr val="0A00F5"/>
-                          </a:solidFill>
-                        </a:ln>
-                      </p:spPr>
-                      <p:style>
-                        <a:lnRef idx="1">
-                          <a:schemeClr val="accent1"/>
-                        </a:lnRef>
-                        <a:fillRef idx="0">
-                          <a:schemeClr val="accent1"/>
-                        </a:fillRef>
-                        <a:effectRef idx="0">
-                          <a:schemeClr val="accent1"/>
-                        </a:effectRef>
-                        <a:fontRef idx="minor">
-                          <a:schemeClr val="tx1"/>
-                        </a:fontRef>
-                      </p:style>
-                    </p:cxnSp>
-                    <p:sp>
-                      <p:nvSpPr>
-                        <p:cNvPr id="357" name="文本框 9">
-                          <a:extLst>
-                            <a:ext uri="{FF2B5EF4-FFF2-40B4-BE49-F238E27FC236}">
-                              <a16:creationId xmlns:a16="http://schemas.microsoft.com/office/drawing/2014/main" id="{26E36D16-F10E-063C-4887-37CAD621824A}"/>
-                            </a:ext>
-                          </a:extLst>
-                        </p:cNvPr>
-                        <p:cNvSpPr txBox="1"/>
-                        <p:nvPr/>
-                      </p:nvSpPr>
-                      <p:spPr>
-                        <a:xfrm>
-                          <a:off x="5585564" y="4249705"/>
-                          <a:ext cx="674395" cy="307777"/>
-                        </a:xfrm>
-                        <a:prstGeom prst="rect">
-                          <a:avLst/>
-                        </a:prstGeom>
-                        <a:noFill/>
-                        <a:ln>
-                          <a:noFill/>
-                        </a:ln>
-                      </p:spPr>
-                      <p:txBody>
-                        <a:bodyPr wrap="square" rtlCol="0">
-                          <a:spAutoFit/>
-                        </a:bodyPr>
-                        <a:lstStyle/>
-                        <a:p>
-                          <a:pPr algn="ctr"/>
-                          <a:r>
-                            <a:rPr lang="en-US" altLang="zh-CN" sz="1400" dirty="0">
-                              <a:latin typeface="Calibri" panose="020F0502020204030204" pitchFamily="34" charset="0"/>
-                              <a:cs typeface="Calibri" panose="020F0502020204030204" pitchFamily="34" charset="0"/>
-                            </a:rPr>
-                            <a:t>Raster</a:t>
-                          </a:r>
-                          <a:endParaRPr lang="zh-CN" altLang="en-US" sz="1400" dirty="0">
-                            <a:latin typeface="Calibri" panose="020F0502020204030204" pitchFamily="34" charset="0"/>
-                            <a:cs typeface="Calibri" panose="020F0502020204030204" pitchFamily="34" charset="0"/>
-                          </a:endParaRPr>
-                        </a:p>
-                      </p:txBody>
-                    </p:sp>
-                  </p:grpSp>
-                  <p:grpSp>
-                    <p:nvGrpSpPr>
-                      <p:cNvPr id="350" name="Group 349">
-                        <a:extLst>
-                          <a:ext uri="{FF2B5EF4-FFF2-40B4-BE49-F238E27FC236}">
-                            <a16:creationId xmlns:a16="http://schemas.microsoft.com/office/drawing/2014/main" id="{68D6BB7F-EEE7-2EF8-596D-A46384A44719}"/>
-                          </a:ext>
-                        </a:extLst>
-                      </p:cNvPr>
-                      <p:cNvGrpSpPr/>
-                      <p:nvPr/>
-                    </p:nvGrpSpPr>
-                    <p:grpSpPr>
-                      <a:xfrm>
-                        <a:off x="5808217" y="4310585"/>
-                        <a:ext cx="806694" cy="307777"/>
-                        <a:chOff x="6178525" y="4249705"/>
-                        <a:chExt cx="805490" cy="307777"/>
-                      </a:xfrm>
-                    </p:grpSpPr>
-                    <p:cxnSp>
-                      <p:nvCxnSpPr>
-                        <p:cNvPr id="354" name="Straight Connector 353">
-                          <a:extLst>
-                            <a:ext uri="{FF2B5EF4-FFF2-40B4-BE49-F238E27FC236}">
-                              <a16:creationId xmlns:a16="http://schemas.microsoft.com/office/drawing/2014/main" id="{93127DE2-7B18-57FD-A058-E9D5EF2F4EF2}"/>
-                            </a:ext>
-                          </a:extLst>
-                        </p:cNvPr>
-                        <p:cNvCxnSpPr>
-                          <a:cxnSpLocks/>
-                        </p:cNvCxnSpPr>
-                        <p:nvPr/>
-                      </p:nvCxnSpPr>
-                      <p:spPr>
-                        <a:xfrm>
-                          <a:off x="6178525" y="4397729"/>
-                          <a:ext cx="251021" cy="0"/>
-                        </a:xfrm>
-                        <a:prstGeom prst="line">
-                          <a:avLst/>
-                        </a:prstGeom>
-                        <a:ln w="19050">
-                          <a:solidFill>
-                            <a:srgbClr val="FF0000"/>
-                          </a:solidFill>
-                        </a:ln>
-                      </p:spPr>
-                      <p:style>
-                        <a:lnRef idx="1">
-                          <a:schemeClr val="accent1"/>
-                        </a:lnRef>
-                        <a:fillRef idx="0">
-                          <a:schemeClr val="accent1"/>
-                        </a:fillRef>
-                        <a:effectRef idx="0">
-                          <a:schemeClr val="accent1"/>
-                        </a:effectRef>
-                        <a:fontRef idx="minor">
-                          <a:schemeClr val="tx1"/>
-                        </a:fontRef>
-                      </p:style>
-                    </p:cxnSp>
-                    <p:sp>
-                      <p:nvSpPr>
-                        <p:cNvPr id="355" name="文本框 9">
-                          <a:extLst>
-                            <a:ext uri="{FF2B5EF4-FFF2-40B4-BE49-F238E27FC236}">
-                              <a16:creationId xmlns:a16="http://schemas.microsoft.com/office/drawing/2014/main" id="{A75A07B0-F862-5153-6487-45858DF92CFC}"/>
-                            </a:ext>
-                          </a:extLst>
-                        </p:cNvPr>
-                        <p:cNvSpPr txBox="1"/>
-                        <p:nvPr/>
-                      </p:nvSpPr>
-                      <p:spPr>
-                        <a:xfrm>
-                          <a:off x="6309620" y="4249705"/>
-                          <a:ext cx="674395" cy="307777"/>
-                        </a:xfrm>
-                        <a:prstGeom prst="rect">
-                          <a:avLst/>
-                        </a:prstGeom>
-                        <a:noFill/>
-                        <a:ln>
-                          <a:noFill/>
-                        </a:ln>
-                      </p:spPr>
-                      <p:txBody>
-                        <a:bodyPr wrap="square" rtlCol="0">
-                          <a:spAutoFit/>
-                        </a:bodyPr>
-                        <a:lstStyle/>
-                        <a:p>
-                          <a:pPr algn="ctr"/>
-                          <a:r>
-                            <a:rPr lang="en-US" altLang="zh-CN" sz="1400" dirty="0">
-                              <a:latin typeface="Calibri" panose="020F0502020204030204" pitchFamily="34" charset="0"/>
-                              <a:cs typeface="Calibri" panose="020F0502020204030204" pitchFamily="34" charset="0"/>
-                            </a:rPr>
-                            <a:t>Maze</a:t>
-                          </a:r>
-                          <a:endParaRPr lang="zh-CN" altLang="en-US" sz="1400" dirty="0">
-                            <a:latin typeface="Calibri" panose="020F0502020204030204" pitchFamily="34" charset="0"/>
-                            <a:cs typeface="Calibri" panose="020F0502020204030204" pitchFamily="34" charset="0"/>
-                          </a:endParaRPr>
-                        </a:p>
-                      </p:txBody>
-                    </p:sp>
-                  </p:grpSp>
-                  <p:grpSp>
-                    <p:nvGrpSpPr>
-                      <p:cNvPr id="351" name="Group 350">
-                        <a:extLst>
-                          <a:ext uri="{FF2B5EF4-FFF2-40B4-BE49-F238E27FC236}">
-                            <a16:creationId xmlns:a16="http://schemas.microsoft.com/office/drawing/2014/main" id="{75BC9875-D6F4-D26D-C2E5-0D29DCAF1551}"/>
-                          </a:ext>
-                        </a:extLst>
-                      </p:cNvPr>
-                      <p:cNvGrpSpPr/>
-                      <p:nvPr/>
-                    </p:nvGrpSpPr>
-                    <p:grpSpPr>
-                      <a:xfrm>
-                        <a:off x="6599580" y="4310585"/>
-                        <a:ext cx="759406" cy="307777"/>
-                        <a:chOff x="6923607" y="4249705"/>
-                        <a:chExt cx="758274" cy="307777"/>
-                      </a:xfrm>
-                    </p:grpSpPr>
-                    <p:cxnSp>
-                      <p:nvCxnSpPr>
-                        <p:cNvPr id="352" name="Straight Connector 351">
-                          <a:extLst>
-                            <a:ext uri="{FF2B5EF4-FFF2-40B4-BE49-F238E27FC236}">
-                              <a16:creationId xmlns:a16="http://schemas.microsoft.com/office/drawing/2014/main" id="{D46177B7-C128-F199-E78C-EA1F830FCD69}"/>
-                            </a:ext>
-                          </a:extLst>
-                        </p:cNvPr>
-                        <p:cNvCxnSpPr>
-                          <a:cxnSpLocks/>
-                        </p:cNvCxnSpPr>
-                        <p:nvPr/>
-                      </p:nvCxnSpPr>
-                      <p:spPr>
-                        <a:xfrm>
-                          <a:off x="6923607" y="4397729"/>
-                          <a:ext cx="251021" cy="0"/>
-                        </a:xfrm>
-                        <a:prstGeom prst="line">
-                          <a:avLst/>
-                        </a:prstGeom>
-                        <a:ln w="19050">
-                          <a:solidFill>
-                            <a:srgbClr val="BEBE00"/>
-                          </a:solidFill>
-                        </a:ln>
-                      </p:spPr>
-                      <p:style>
-                        <a:lnRef idx="1">
-                          <a:schemeClr val="accent1"/>
-                        </a:lnRef>
-                        <a:fillRef idx="0">
-                          <a:schemeClr val="accent1"/>
-                        </a:fillRef>
-                        <a:effectRef idx="0">
-                          <a:schemeClr val="accent1"/>
-                        </a:effectRef>
-                        <a:fontRef idx="minor">
-                          <a:schemeClr val="tx1"/>
-                        </a:fontRef>
-                      </p:style>
-                    </p:cxnSp>
-                    <p:sp>
-                      <p:nvSpPr>
-                        <p:cNvPr id="353" name="文本框 9">
-                          <a:extLst>
-                            <a:ext uri="{FF2B5EF4-FFF2-40B4-BE49-F238E27FC236}">
-                              <a16:creationId xmlns:a16="http://schemas.microsoft.com/office/drawing/2014/main" id="{0F9FDA67-E811-6F4A-3E4C-629C11E86AF8}"/>
-                            </a:ext>
-                          </a:extLst>
-                        </p:cNvPr>
-                        <p:cNvSpPr txBox="1"/>
-                        <p:nvPr/>
-                      </p:nvSpPr>
-                      <p:spPr>
-                        <a:xfrm>
-                          <a:off x="7007486" y="4249705"/>
-                          <a:ext cx="674395" cy="307777"/>
-                        </a:xfrm>
-                        <a:prstGeom prst="rect">
-                          <a:avLst/>
-                        </a:prstGeom>
-                        <a:noFill/>
-                        <a:ln>
-                          <a:noFill/>
-                        </a:ln>
-                      </p:spPr>
-                      <p:txBody>
-                        <a:bodyPr wrap="square" rtlCol="0">
-                          <a:spAutoFit/>
-                        </a:bodyPr>
-                        <a:lstStyle/>
-                        <a:p>
-                          <a:pPr algn="ctr"/>
-                          <a:r>
-                            <a:rPr lang="en-US" altLang="zh-CN" sz="1400" dirty="0">
-                              <a:latin typeface="Calibri" panose="020F0502020204030204" pitchFamily="34" charset="0"/>
-                              <a:cs typeface="Calibri" panose="020F0502020204030204" pitchFamily="34" charset="0"/>
-                            </a:rPr>
-                            <a:t>RAP</a:t>
-                          </a:r>
-                          <a:endParaRPr lang="zh-CN" altLang="en-US" sz="1400" dirty="0">
-                            <a:latin typeface="Calibri" panose="020F0502020204030204" pitchFamily="34" charset="0"/>
-                            <a:cs typeface="Calibri" panose="020F0502020204030204" pitchFamily="34" charset="0"/>
-                          </a:endParaRPr>
-                        </a:p>
-                      </p:txBody>
-                    </p:sp>
-                  </p:grpSp>
-                </p:grpSp>
-              </p:grpSp>
-              <p:grpSp>
-                <p:nvGrpSpPr>
-                  <p:cNvPr id="408" name="Group 407">
-                    <a:extLst>
-                      <a:ext uri="{FF2B5EF4-FFF2-40B4-BE49-F238E27FC236}">
-                        <a16:creationId xmlns:a16="http://schemas.microsoft.com/office/drawing/2014/main" id="{D4BE1EC2-3238-ECE2-B54F-E85FF86C0B8E}"/>
-                      </a:ext>
-                    </a:extLst>
-                  </p:cNvPr>
-                  <p:cNvGrpSpPr/>
-                  <p:nvPr/>
-                </p:nvGrpSpPr>
-                <p:grpSpPr>
-                  <a:xfrm>
-                    <a:off x="4423754" y="276345"/>
-                    <a:ext cx="2921090" cy="2256295"/>
-                    <a:chOff x="4423754" y="276345"/>
-                    <a:chExt cx="2921090" cy="2256295"/>
-                  </a:xfrm>
-                </p:grpSpPr>
-                <p:pic>
-                  <p:nvPicPr>
-                    <p:cNvPr id="394" name="Picture 393">
-                      <a:extLst>
-                        <a:ext uri="{FF2B5EF4-FFF2-40B4-BE49-F238E27FC236}">
-                          <a16:creationId xmlns:a16="http://schemas.microsoft.com/office/drawing/2014/main" id="{DDB1BECD-C161-A6BC-0592-965936DB23AA}"/>
-                        </a:ext>
-                      </a:extLst>
-                    </p:cNvPr>
-                    <p:cNvPicPr>
-                      <a:picLocks noChangeAspect="1"/>
-                    </p:cNvPicPr>
-                    <p:nvPr/>
-                  </p:nvPicPr>
-                  <p:blipFill rotWithShape="1">
-                    <a:blip r:embed="rId7"/>
-                    <a:srcRect r="8313" b="9864"/>
-                    <a:stretch/>
-                  </p:blipFill>
-                  <p:spPr>
-                    <a:xfrm>
-                      <a:off x="4423754" y="369120"/>
-                      <a:ext cx="2812086" cy="2163520"/>
-                    </a:xfrm>
-                    <a:prstGeom prst="rect">
-                      <a:avLst/>
-                    </a:prstGeom>
-                  </p:spPr>
-                </p:pic>
-                <p:sp>
-                  <p:nvSpPr>
-                    <p:cNvPr id="361" name="文本框 9">
-                      <a:extLst>
-                        <a:ext uri="{FF2B5EF4-FFF2-40B4-BE49-F238E27FC236}">
-                          <a16:creationId xmlns:a16="http://schemas.microsoft.com/office/drawing/2014/main" id="{74B2A516-30FA-FAC1-81B5-C149F86A26B1}"/>
-                        </a:ext>
-                      </a:extLst>
-                    </p:cNvPr>
-                    <p:cNvSpPr txBox="1"/>
-                    <p:nvPr/>
-                  </p:nvSpPr>
-                  <p:spPr>
-                    <a:xfrm>
-                      <a:off x="4954815" y="276345"/>
-                      <a:ext cx="2242516" cy="338554"/>
-                    </a:xfrm>
-                    <a:prstGeom prst="rect">
-                      <a:avLst/>
-                    </a:prstGeom>
-                    <a:noFill/>
-                    <a:ln>
-                      <a:noFill/>
-                    </a:ln>
-                  </p:spPr>
-                  <p:txBody>
-                    <a:bodyPr wrap="square" rtlCol="0">
-                      <a:spAutoFit/>
-                    </a:bodyPr>
-                    <a:lstStyle/>
-                    <a:p>
-                      <a:pPr algn="ctr"/>
-                      <a:r>
-                        <a:rPr lang="en-US" altLang="zh-CN" sz="1600" dirty="0">
-                          <a:latin typeface="Calibri" panose="020F0502020204030204" pitchFamily="34" charset="0"/>
-                          <a:cs typeface="Calibri" panose="020F0502020204030204" pitchFamily="34" charset="0"/>
-                        </a:rPr>
-                        <a:t>Velocities in </a:t>
-                      </a:r>
-                      <a:r>
-                        <a:rPr lang="en-US" altLang="zh-CN" sz="1600" i="1" dirty="0">
-                          <a:latin typeface="Calibri" panose="020F0502020204030204" pitchFamily="34" charset="0"/>
-                          <a:cs typeface="Calibri" panose="020F0502020204030204" pitchFamily="34" charset="0"/>
-                        </a:rPr>
-                        <a:t>x</a:t>
-                      </a:r>
-                      <a:r>
-                        <a:rPr lang="en-US" altLang="zh-CN" sz="1600" dirty="0">
-                          <a:latin typeface="Calibri" panose="020F0502020204030204" pitchFamily="34" charset="0"/>
-                          <a:cs typeface="Calibri" panose="020F0502020204030204" pitchFamily="34" charset="0"/>
-                        </a:rPr>
-                        <a:t> direction</a:t>
-                      </a:r>
-                      <a:endParaRPr lang="zh-CN" altLang="en-US" sz="1600" dirty="0">
-                        <a:latin typeface="Calibri" panose="020F0502020204030204" pitchFamily="34" charset="0"/>
-                        <a:cs typeface="Calibri" panose="020F0502020204030204" pitchFamily="34" charset="0"/>
-                      </a:endParaRPr>
-                    </a:p>
-                  </p:txBody>
-                </p:sp>
-                <p:grpSp>
-                  <p:nvGrpSpPr>
-                    <p:cNvPr id="398" name="Group 397">
-                      <a:extLst>
-                        <a:ext uri="{FF2B5EF4-FFF2-40B4-BE49-F238E27FC236}">
-                          <a16:creationId xmlns:a16="http://schemas.microsoft.com/office/drawing/2014/main" id="{070E85F3-3A14-F001-5CA9-844869EF56D8}"/>
-                        </a:ext>
-                      </a:extLst>
-                    </p:cNvPr>
-                    <p:cNvGrpSpPr/>
-                    <p:nvPr/>
-                  </p:nvGrpSpPr>
-                  <p:grpSpPr>
-                    <a:xfrm>
-                      <a:off x="4981656" y="2167395"/>
-                      <a:ext cx="2363188" cy="307777"/>
-                      <a:chOff x="4995798" y="4310585"/>
-                      <a:chExt cx="2363188" cy="307777"/>
-                    </a:xfrm>
-                  </p:grpSpPr>
-                  <p:grpSp>
-                    <p:nvGrpSpPr>
-                      <p:cNvPr id="399" name="Group 398">
-                        <a:extLst>
-                          <a:ext uri="{FF2B5EF4-FFF2-40B4-BE49-F238E27FC236}">
-                            <a16:creationId xmlns:a16="http://schemas.microsoft.com/office/drawing/2014/main" id="{EC83A912-26A2-28EF-7125-31281233105E}"/>
-                          </a:ext>
-                        </a:extLst>
-                      </p:cNvPr>
-                      <p:cNvGrpSpPr/>
-                      <p:nvPr/>
-                    </p:nvGrpSpPr>
-                    <p:grpSpPr>
-                      <a:xfrm>
-                        <a:off x="4995798" y="4310585"/>
-                        <a:ext cx="827750" cy="307777"/>
-                        <a:chOff x="5433443" y="4249705"/>
-                        <a:chExt cx="826516" cy="307777"/>
-                      </a:xfrm>
-                    </p:grpSpPr>
-                    <p:cxnSp>
-                      <p:nvCxnSpPr>
-                        <p:cNvPr id="406" name="Straight Connector 405">
-                          <a:extLst>
-                            <a:ext uri="{FF2B5EF4-FFF2-40B4-BE49-F238E27FC236}">
-                              <a16:creationId xmlns:a16="http://schemas.microsoft.com/office/drawing/2014/main" id="{0DCB7562-D606-A01F-4023-A01C49136651}"/>
-                            </a:ext>
-                          </a:extLst>
-                        </p:cNvPr>
-                        <p:cNvCxnSpPr>
-                          <a:cxnSpLocks/>
-                        </p:cNvCxnSpPr>
-                        <p:nvPr/>
-                      </p:nvCxnSpPr>
-                      <p:spPr>
-                        <a:xfrm>
-                          <a:off x="5433443" y="4397729"/>
-                          <a:ext cx="251021" cy="0"/>
-                        </a:xfrm>
-                        <a:prstGeom prst="line">
-                          <a:avLst/>
-                        </a:prstGeom>
-                        <a:ln w="19050">
-                          <a:solidFill>
-                            <a:srgbClr val="0A00F5"/>
-                          </a:solidFill>
-                        </a:ln>
-                      </p:spPr>
-                      <p:style>
-                        <a:lnRef idx="1">
-                          <a:schemeClr val="accent1"/>
-                        </a:lnRef>
-                        <a:fillRef idx="0">
-                          <a:schemeClr val="accent1"/>
-                        </a:fillRef>
-                        <a:effectRef idx="0">
-                          <a:schemeClr val="accent1"/>
-                        </a:effectRef>
-                        <a:fontRef idx="minor">
-                          <a:schemeClr val="tx1"/>
-                        </a:fontRef>
-                      </p:style>
-                    </p:cxnSp>
-                    <p:sp>
-                      <p:nvSpPr>
-                        <p:cNvPr id="407" name="文本框 9">
-                          <a:extLst>
-                            <a:ext uri="{FF2B5EF4-FFF2-40B4-BE49-F238E27FC236}">
-                              <a16:creationId xmlns:a16="http://schemas.microsoft.com/office/drawing/2014/main" id="{B97270B3-3BA8-6BCD-B5C8-AAB215977D62}"/>
-                            </a:ext>
-                          </a:extLst>
-                        </p:cNvPr>
-                        <p:cNvSpPr txBox="1"/>
-                        <p:nvPr/>
-                      </p:nvSpPr>
-                      <p:spPr>
-                        <a:xfrm>
-                          <a:off x="5585564" y="4249705"/>
-                          <a:ext cx="674395" cy="307777"/>
-                        </a:xfrm>
-                        <a:prstGeom prst="rect">
-                          <a:avLst/>
-                        </a:prstGeom>
-                        <a:noFill/>
-                        <a:ln>
-                          <a:noFill/>
-                        </a:ln>
-                      </p:spPr>
-                      <p:txBody>
-                        <a:bodyPr wrap="square" rtlCol="0">
-                          <a:spAutoFit/>
-                        </a:bodyPr>
-                        <a:lstStyle/>
-                        <a:p>
-                          <a:pPr algn="ctr"/>
-                          <a:r>
-                            <a:rPr lang="en-US" altLang="zh-CN" sz="1400" dirty="0">
-                              <a:latin typeface="Calibri" panose="020F0502020204030204" pitchFamily="34" charset="0"/>
-                              <a:cs typeface="Calibri" panose="020F0502020204030204" pitchFamily="34" charset="0"/>
-                            </a:rPr>
-                            <a:t>Raster</a:t>
-                          </a:r>
-                          <a:endParaRPr lang="zh-CN" altLang="en-US" sz="1400" dirty="0">
-                            <a:latin typeface="Calibri" panose="020F0502020204030204" pitchFamily="34" charset="0"/>
-                            <a:cs typeface="Calibri" panose="020F0502020204030204" pitchFamily="34" charset="0"/>
-                          </a:endParaRPr>
-                        </a:p>
-                      </p:txBody>
-                    </p:sp>
-                  </p:grpSp>
-                  <p:grpSp>
-                    <p:nvGrpSpPr>
-                      <p:cNvPr id="400" name="Group 399">
-                        <a:extLst>
-                          <a:ext uri="{FF2B5EF4-FFF2-40B4-BE49-F238E27FC236}">
-                            <a16:creationId xmlns:a16="http://schemas.microsoft.com/office/drawing/2014/main" id="{467C887D-5C88-716A-7105-285BC661A3F0}"/>
-                          </a:ext>
-                        </a:extLst>
-                      </p:cNvPr>
-                      <p:cNvGrpSpPr/>
-                      <p:nvPr/>
-                    </p:nvGrpSpPr>
-                    <p:grpSpPr>
-                      <a:xfrm>
-                        <a:off x="5808217" y="4310585"/>
-                        <a:ext cx="806694" cy="307777"/>
-                        <a:chOff x="6178525" y="4249705"/>
-                        <a:chExt cx="805490" cy="307777"/>
-                      </a:xfrm>
-                    </p:grpSpPr>
-                    <p:cxnSp>
-                      <p:nvCxnSpPr>
-                        <p:cNvPr id="404" name="Straight Connector 403">
-                          <a:extLst>
-                            <a:ext uri="{FF2B5EF4-FFF2-40B4-BE49-F238E27FC236}">
-                              <a16:creationId xmlns:a16="http://schemas.microsoft.com/office/drawing/2014/main" id="{6AE00896-AA58-2D22-D4AD-0C59E26E8DE3}"/>
-                            </a:ext>
-                          </a:extLst>
-                        </p:cNvPr>
-                        <p:cNvCxnSpPr>
-                          <a:cxnSpLocks/>
-                        </p:cNvCxnSpPr>
-                        <p:nvPr/>
-                      </p:nvCxnSpPr>
-                      <p:spPr>
-                        <a:xfrm>
-                          <a:off x="6178525" y="4397729"/>
-                          <a:ext cx="251021" cy="0"/>
-                        </a:xfrm>
-                        <a:prstGeom prst="line">
-                          <a:avLst/>
-                        </a:prstGeom>
-                        <a:ln w="19050">
-                          <a:solidFill>
-                            <a:srgbClr val="FF0000"/>
-                          </a:solidFill>
-                        </a:ln>
-                      </p:spPr>
-                      <p:style>
-                        <a:lnRef idx="1">
-                          <a:schemeClr val="accent1"/>
-                        </a:lnRef>
-                        <a:fillRef idx="0">
-                          <a:schemeClr val="accent1"/>
-                        </a:fillRef>
-                        <a:effectRef idx="0">
-                          <a:schemeClr val="accent1"/>
-                        </a:effectRef>
-                        <a:fontRef idx="minor">
-                          <a:schemeClr val="tx1"/>
-                        </a:fontRef>
-                      </p:style>
-                    </p:cxnSp>
-                    <p:sp>
-                      <p:nvSpPr>
-                        <p:cNvPr id="405" name="文本框 9">
-                          <a:extLst>
-                            <a:ext uri="{FF2B5EF4-FFF2-40B4-BE49-F238E27FC236}">
-                              <a16:creationId xmlns:a16="http://schemas.microsoft.com/office/drawing/2014/main" id="{65F192AA-EC41-52E1-99D9-41D3CA772278}"/>
-                            </a:ext>
-                          </a:extLst>
-                        </p:cNvPr>
-                        <p:cNvSpPr txBox="1"/>
-                        <p:nvPr/>
-                      </p:nvSpPr>
-                      <p:spPr>
-                        <a:xfrm>
-                          <a:off x="6309620" y="4249705"/>
-                          <a:ext cx="674395" cy="307777"/>
-                        </a:xfrm>
-                        <a:prstGeom prst="rect">
-                          <a:avLst/>
-                        </a:prstGeom>
-                        <a:noFill/>
-                        <a:ln>
-                          <a:noFill/>
-                        </a:ln>
-                      </p:spPr>
-                      <p:txBody>
-                        <a:bodyPr wrap="square" rtlCol="0">
-                          <a:spAutoFit/>
-                        </a:bodyPr>
-                        <a:lstStyle/>
-                        <a:p>
-                          <a:pPr algn="ctr"/>
-                          <a:r>
-                            <a:rPr lang="en-US" altLang="zh-CN" sz="1400" dirty="0">
-                              <a:latin typeface="Calibri" panose="020F0502020204030204" pitchFamily="34" charset="0"/>
-                              <a:cs typeface="Calibri" panose="020F0502020204030204" pitchFamily="34" charset="0"/>
-                            </a:rPr>
-                            <a:t>Maze</a:t>
-                          </a:r>
-                          <a:endParaRPr lang="zh-CN" altLang="en-US" sz="1400" dirty="0">
-                            <a:latin typeface="Calibri" panose="020F0502020204030204" pitchFamily="34" charset="0"/>
-                            <a:cs typeface="Calibri" panose="020F0502020204030204" pitchFamily="34" charset="0"/>
-                          </a:endParaRPr>
-                        </a:p>
-                      </p:txBody>
-                    </p:sp>
-                  </p:grpSp>
-                  <p:grpSp>
-                    <p:nvGrpSpPr>
-                      <p:cNvPr id="401" name="Group 400">
-                        <a:extLst>
-                          <a:ext uri="{FF2B5EF4-FFF2-40B4-BE49-F238E27FC236}">
-                            <a16:creationId xmlns:a16="http://schemas.microsoft.com/office/drawing/2014/main" id="{22E32A5F-9171-1209-1D76-123AE9CCE1E7}"/>
-                          </a:ext>
-                        </a:extLst>
-                      </p:cNvPr>
-                      <p:cNvGrpSpPr/>
-                      <p:nvPr/>
-                    </p:nvGrpSpPr>
-                    <p:grpSpPr>
-                      <a:xfrm>
-                        <a:off x="6599580" y="4310585"/>
-                        <a:ext cx="759406" cy="307777"/>
-                        <a:chOff x="6923607" y="4249705"/>
-                        <a:chExt cx="758274" cy="307777"/>
-                      </a:xfrm>
-                    </p:grpSpPr>
-                    <p:cxnSp>
-                      <p:nvCxnSpPr>
-                        <p:cNvPr id="402" name="Straight Connector 401">
-                          <a:extLst>
-                            <a:ext uri="{FF2B5EF4-FFF2-40B4-BE49-F238E27FC236}">
-                              <a16:creationId xmlns:a16="http://schemas.microsoft.com/office/drawing/2014/main" id="{859BF4A1-52A7-3F6B-2974-0AC184536964}"/>
-                            </a:ext>
-                          </a:extLst>
-                        </p:cNvPr>
-                        <p:cNvCxnSpPr>
-                          <a:cxnSpLocks/>
-                        </p:cNvCxnSpPr>
-                        <p:nvPr/>
-                      </p:nvCxnSpPr>
-                      <p:spPr>
-                        <a:xfrm>
-                          <a:off x="6923607" y="4397729"/>
-                          <a:ext cx="251021" cy="0"/>
-                        </a:xfrm>
-                        <a:prstGeom prst="line">
-                          <a:avLst/>
-                        </a:prstGeom>
-                        <a:ln w="19050">
-                          <a:solidFill>
-                            <a:srgbClr val="BEBE00"/>
-                          </a:solidFill>
-                        </a:ln>
-                      </p:spPr>
-                      <p:style>
-                        <a:lnRef idx="1">
-                          <a:schemeClr val="accent1"/>
-                        </a:lnRef>
-                        <a:fillRef idx="0">
-                          <a:schemeClr val="accent1"/>
-                        </a:fillRef>
-                        <a:effectRef idx="0">
-                          <a:schemeClr val="accent1"/>
-                        </a:effectRef>
-                        <a:fontRef idx="minor">
-                          <a:schemeClr val="tx1"/>
-                        </a:fontRef>
-                      </p:style>
-                    </p:cxnSp>
-                    <p:sp>
-                      <p:nvSpPr>
-                        <p:cNvPr id="403" name="文本框 9">
-                          <a:extLst>
-                            <a:ext uri="{FF2B5EF4-FFF2-40B4-BE49-F238E27FC236}">
-                              <a16:creationId xmlns:a16="http://schemas.microsoft.com/office/drawing/2014/main" id="{5EDE38A9-CDCC-AE1A-C663-028946949D21}"/>
-                            </a:ext>
-                          </a:extLst>
-                        </p:cNvPr>
-                        <p:cNvSpPr txBox="1"/>
-                        <p:nvPr/>
-                      </p:nvSpPr>
-                      <p:spPr>
-                        <a:xfrm>
-                          <a:off x="7007486" y="4249705"/>
-                          <a:ext cx="674395" cy="307777"/>
-                        </a:xfrm>
-                        <a:prstGeom prst="rect">
-                          <a:avLst/>
-                        </a:prstGeom>
-                        <a:noFill/>
-                        <a:ln>
-                          <a:noFill/>
-                        </a:ln>
-                      </p:spPr>
-                      <p:txBody>
-                        <a:bodyPr wrap="square" rtlCol="0">
-                          <a:spAutoFit/>
-                        </a:bodyPr>
-                        <a:lstStyle/>
-                        <a:p>
-                          <a:pPr algn="ctr"/>
-                          <a:r>
-                            <a:rPr lang="en-US" altLang="zh-CN" sz="1400" dirty="0">
-                              <a:latin typeface="Calibri" panose="020F0502020204030204" pitchFamily="34" charset="0"/>
-                              <a:cs typeface="Calibri" panose="020F0502020204030204" pitchFamily="34" charset="0"/>
-                            </a:rPr>
-                            <a:t>RAP</a:t>
-                          </a:r>
-                          <a:endParaRPr lang="zh-CN" altLang="en-US" sz="1400" dirty="0">
-                            <a:latin typeface="Calibri" panose="020F0502020204030204" pitchFamily="34" charset="0"/>
-                            <a:cs typeface="Calibri" panose="020F0502020204030204" pitchFamily="34" charset="0"/>
-                          </a:endParaRPr>
-                        </a:p>
-                      </p:txBody>
-                    </p:sp>
-                  </p:grpSp>
-                </p:grpSp>
-              </p:grpSp>
-            </p:grpSp>
-            <p:grpSp>
-              <p:nvGrpSpPr>
-                <p:cNvPr id="360" name="Group 359">
-                  <a:extLst>
-                    <a:ext uri="{FF2B5EF4-FFF2-40B4-BE49-F238E27FC236}">
-                      <a16:creationId xmlns:a16="http://schemas.microsoft.com/office/drawing/2014/main" id="{696973D9-38A5-B8BD-B7FB-851B4C06D1B3}"/>
-                    </a:ext>
-                  </a:extLst>
-                </p:cNvPr>
-                <p:cNvGrpSpPr/>
-                <p:nvPr/>
-              </p:nvGrpSpPr>
-              <p:grpSpPr>
-                <a:xfrm>
-                  <a:off x="4954815" y="276345"/>
-                  <a:ext cx="2383679" cy="4405159"/>
-                  <a:chOff x="5382175" y="1738760"/>
-                  <a:chExt cx="2383679" cy="2903471"/>
-                </a:xfrm>
-              </p:grpSpPr>
-              <p:cxnSp>
-                <p:nvCxnSpPr>
-                  <p:cNvPr id="365" name="Straight Arrow Connector 364">
-                    <a:extLst>
-                      <a:ext uri="{FF2B5EF4-FFF2-40B4-BE49-F238E27FC236}">
-                        <a16:creationId xmlns:a16="http://schemas.microsoft.com/office/drawing/2014/main" id="{E47FFEA4-DA8B-6E73-586D-FDB26D7B1EB4}"/>
-                      </a:ext>
-                    </a:extLst>
-                  </p:cNvPr>
-                  <p:cNvCxnSpPr>
-                    <a:cxnSpLocks/>
-                  </p:cNvCxnSpPr>
-                  <p:nvPr/>
-                </p:nvCxnSpPr>
-                <p:spPr>
-                  <a:xfrm>
-                    <a:off x="5385233" y="4642231"/>
-                    <a:ext cx="2380621" cy="0"/>
-                  </a:xfrm>
-                  <a:prstGeom prst="straightConnector1">
-                    <a:avLst/>
-                  </a:prstGeom>
-                  <a:ln w="12700">
-                    <a:solidFill>
-                      <a:schemeClr val="tx1"/>
-                    </a:solidFill>
-                    <a:tailEnd type="triangle"/>
-                  </a:ln>
-                </p:spPr>
-                <p:style>
-                  <a:lnRef idx="1">
-                    <a:schemeClr val="accent1"/>
-                  </a:lnRef>
-                  <a:fillRef idx="0">
-                    <a:schemeClr val="accent1"/>
-                  </a:fillRef>
-                  <a:effectRef idx="0">
-                    <a:schemeClr val="accent1"/>
-                  </a:effectRef>
-                  <a:fontRef idx="minor">
-                    <a:schemeClr val="tx1"/>
-                  </a:fontRef>
-                </p:style>
-              </p:cxnSp>
-              <p:cxnSp>
-                <p:nvCxnSpPr>
-                  <p:cNvPr id="366" name="Straight Arrow Connector 365">
-                    <a:extLst>
-                      <a:ext uri="{FF2B5EF4-FFF2-40B4-BE49-F238E27FC236}">
-                        <a16:creationId xmlns:a16="http://schemas.microsoft.com/office/drawing/2014/main" id="{0F7A9ECC-EACF-6997-EE73-751381699107}"/>
-                      </a:ext>
-                    </a:extLst>
-                  </p:cNvPr>
-                  <p:cNvCxnSpPr>
-                    <a:cxnSpLocks/>
-                  </p:cNvCxnSpPr>
-                  <p:nvPr/>
-                </p:nvCxnSpPr>
-                <p:spPr>
-                  <a:xfrm flipV="1">
-                    <a:off x="5382175" y="1738760"/>
-                    <a:ext cx="0" cy="1536996"/>
-                  </a:xfrm>
-                  <a:prstGeom prst="straightConnector1">
-                    <a:avLst/>
-                  </a:prstGeom>
-                  <a:ln w="12700">
-                    <a:solidFill>
-                      <a:schemeClr val="tx1"/>
-                    </a:solidFill>
-                    <a:tailEnd type="triangle"/>
-                  </a:ln>
-                </p:spPr>
-                <p:style>
-                  <a:lnRef idx="1">
-                    <a:schemeClr val="accent1"/>
-                  </a:lnRef>
-                  <a:fillRef idx="0">
-                    <a:schemeClr val="accent1"/>
-                  </a:fillRef>
-                  <a:effectRef idx="0">
-                    <a:schemeClr val="accent1"/>
-                  </a:effectRef>
-                  <a:fontRef idx="minor">
-                    <a:schemeClr val="tx1"/>
-                  </a:fontRef>
-                </p:style>
-              </p:cxnSp>
-            </p:grpSp>
-          </p:grpSp>
-          <p:sp>
-            <p:nvSpPr>
-              <p:cNvPr id="359" name="文本框 9">
-                <a:extLst>
-                  <a:ext uri="{FF2B5EF4-FFF2-40B4-BE49-F238E27FC236}">
-                    <a16:creationId xmlns:a16="http://schemas.microsoft.com/office/drawing/2014/main" id="{13443929-CE93-EDB3-66C7-F60DAC2ECF64}"/>
-                  </a:ext>
-                </a:extLst>
-              </p:cNvPr>
-              <p:cNvSpPr txBox="1"/>
-              <p:nvPr/>
-            </p:nvSpPr>
-            <p:spPr>
-              <a:xfrm>
-                <a:off x="4470015" y="216446"/>
-                <a:ext cx="384744" cy="338554"/>
-              </a:xfrm>
-              <a:prstGeom prst="rect">
-                <a:avLst/>
-              </a:prstGeom>
-              <a:noFill/>
-              <a:ln>
-                <a:noFill/>
-              </a:ln>
-            </p:spPr>
-            <p:txBody>
-              <a:bodyPr wrap="square" rtlCol="0">
-                <a:spAutoFit/>
-              </a:bodyPr>
-              <a:lstStyle/>
-              <a:p>
-                <a:pPr algn="ctr"/>
-                <a:r>
-                  <a:rPr lang="en-US" altLang="zh-CN" sz="1600" b="1" dirty="0">
-                    <a:latin typeface="Calibri" panose="020F0502020204030204" pitchFamily="34" charset="0"/>
-                    <a:cs typeface="Calibri" panose="020F0502020204030204" pitchFamily="34" charset="0"/>
-                  </a:rPr>
-                  <a:t>(d)</a:t>
-                </a:r>
-                <a:endParaRPr lang="zh-CN" altLang="en-US" sz="1600" b="1" dirty="0">
-                  <a:latin typeface="Calibri" panose="020F0502020204030204" pitchFamily="34" charset="0"/>
-                  <a:cs typeface="Calibri" panose="020F0502020204030204" pitchFamily="34" charset="0"/>
-                </a:endParaRPr>
-              </a:p>
-            </p:txBody>
-          </p:sp>
-        </p:grpSp>
-        <p:cxnSp>
-          <p:nvCxnSpPr>
-            <p:cNvPr id="414" name="Straight Arrow Connector 413">
-              <a:extLst>
-                <a:ext uri="{FF2B5EF4-FFF2-40B4-BE49-F238E27FC236}">
-                  <a16:creationId xmlns:a16="http://schemas.microsoft.com/office/drawing/2014/main" id="{B4359659-9662-3343-D7CD-FCF5E24E7C19}"/>
-                </a:ext>
-              </a:extLst>
-            </p:cNvPr>
-            <p:cNvCxnSpPr>
-              <a:cxnSpLocks/>
-            </p:cNvCxnSpPr>
-            <p:nvPr/>
-          </p:nvCxnSpPr>
-          <p:spPr>
-            <a:xfrm flipV="1">
-              <a:off x="5055157" y="2674937"/>
-              <a:ext cx="0" cy="2087627"/>
-            </a:xfrm>
-            <a:prstGeom prst="straightConnector1">
-              <a:avLst/>
-            </a:prstGeom>
-            <a:ln w="12700">
-              <a:solidFill>
-                <a:schemeClr val="tx1"/>
-              </a:solidFill>
-              <a:tailEnd type="triangle"/>
-            </a:ln>
-          </p:spPr>
-          <p:style>
-            <a:lnRef idx="1">
-              <a:schemeClr val="accent1"/>
-            </a:lnRef>
-            <a:fillRef idx="0">
-              <a:schemeClr val="accent1"/>
-            </a:fillRef>
-            <a:effectRef idx="0">
-              <a:schemeClr val="accent1"/>
-            </a:effectRef>
-            <a:fontRef idx="minor">
-              <a:schemeClr val="tx1"/>
-            </a:fontRef>
-          </p:style>
-        </p:cxnSp>
-      </p:grpSp>
-      <p:grpSp>
-        <p:nvGrpSpPr>
-          <p:cNvPr id="310" name="Group 309">
-            <a:extLst>
-              <a:ext uri="{FF2B5EF4-FFF2-40B4-BE49-F238E27FC236}">
-                <a16:creationId xmlns:a16="http://schemas.microsoft.com/office/drawing/2014/main" id="{DBE60EB4-0D5E-8A83-11B7-996049C74CBF}"/>
-              </a:ext>
-            </a:extLst>
-          </p:cNvPr>
-          <p:cNvGrpSpPr/>
-          <p:nvPr/>
-        </p:nvGrpSpPr>
-        <p:grpSpPr>
-          <a:xfrm>
-            <a:off x="-97114" y="20418"/>
-            <a:ext cx="4727685" cy="5357817"/>
-            <a:chOff x="0" y="266204"/>
-            <a:chExt cx="4727685" cy="5357817"/>
-          </a:xfrm>
-        </p:grpSpPr>
-        <p:grpSp>
-          <p:nvGrpSpPr>
-            <p:cNvPr id="328" name="Group 327">
-              <a:extLst>
-                <a:ext uri="{FF2B5EF4-FFF2-40B4-BE49-F238E27FC236}">
-                  <a16:creationId xmlns:a16="http://schemas.microsoft.com/office/drawing/2014/main" id="{3B17BD3F-92BD-4CE9-8DEE-9FAF47486F0A}"/>
-                </a:ext>
-              </a:extLst>
-            </p:cNvPr>
-            <p:cNvGrpSpPr/>
-            <p:nvPr/>
-          </p:nvGrpSpPr>
-          <p:grpSpPr>
-            <a:xfrm>
-              <a:off x="0" y="266204"/>
-              <a:ext cx="4548080" cy="1607575"/>
-              <a:chOff x="-636479" y="-287681"/>
-              <a:chExt cx="4548080" cy="1607575"/>
-            </a:xfrm>
-          </p:grpSpPr>
-          <p:pic>
-            <p:nvPicPr>
-              <p:cNvPr id="338" name="Picture 337">
-                <a:extLst>
-                  <a:ext uri="{FF2B5EF4-FFF2-40B4-BE49-F238E27FC236}">
-                    <a16:creationId xmlns:a16="http://schemas.microsoft.com/office/drawing/2014/main" id="{A4AD06FA-9AC8-0A76-C27D-8002F16C8733}"/>
-                  </a:ext>
-                </a:extLst>
-              </p:cNvPr>
-              <p:cNvPicPr>
-                <a:picLocks noChangeAspect="1"/>
-              </p:cNvPicPr>
-              <p:nvPr/>
-            </p:nvPicPr>
-            <p:blipFill rotWithShape="1">
-              <a:blip r:embed="rId8"/>
-              <a:srcRect l="12517" t="28504" r="9387" b="44807"/>
-              <a:stretch/>
-            </p:blipFill>
-            <p:spPr>
-              <a:xfrm>
-                <a:off x="-254000" y="0"/>
-                <a:ext cx="4165600" cy="1067719"/>
-              </a:xfrm>
-              <a:prstGeom prst="rect">
-                <a:avLst/>
-              </a:prstGeom>
-            </p:spPr>
-          </p:pic>
-          <p:grpSp>
-            <p:nvGrpSpPr>
-              <p:cNvPr id="339" name="Group 338">
-                <a:extLst>
-                  <a:ext uri="{FF2B5EF4-FFF2-40B4-BE49-F238E27FC236}">
-                    <a16:creationId xmlns:a16="http://schemas.microsoft.com/office/drawing/2014/main" id="{679EC3CF-B814-28D2-DC12-425B22227E0A}"/>
-                  </a:ext>
-                </a:extLst>
-              </p:cNvPr>
-              <p:cNvGrpSpPr/>
-              <p:nvPr/>
-            </p:nvGrpSpPr>
-            <p:grpSpPr>
-              <a:xfrm>
-                <a:off x="-636479" y="25758"/>
-                <a:ext cx="396305" cy="1000335"/>
-                <a:chOff x="-572979" y="38458"/>
-                <a:chExt cx="396305" cy="1000335"/>
-              </a:xfrm>
-            </p:grpSpPr>
-            <p:cxnSp>
-              <p:nvCxnSpPr>
-                <p:cNvPr id="345" name="直接连接符 90">
-                  <a:extLst>
-                    <a:ext uri="{FF2B5EF4-FFF2-40B4-BE49-F238E27FC236}">
-                      <a16:creationId xmlns:a16="http://schemas.microsoft.com/office/drawing/2014/main" id="{78E57522-E4F7-6077-9E5E-8189331A0503}"/>
+                      <a16:creationId xmlns:a16="http://schemas.microsoft.com/office/drawing/2014/main" id="{BE45F308-1935-1C76-F183-E07163A95874}"/>
                     </a:ext>
                   </a:extLst>
                 </p:cNvPr>
@@ -5864,8 +6062,8 @@
               </p:nvCxnSpPr>
               <p:spPr>
                 <a:xfrm>
-                  <a:off x="-390215" y="1038793"/>
-                  <a:ext cx="213541" cy="0"/>
+                  <a:off x="3892897" y="1087438"/>
+                  <a:ext cx="1" cy="232456"/>
                 </a:xfrm>
                 <a:prstGeom prst="line">
                   <a:avLst/>
@@ -5893,10 +6091,10 @@
             </p:cxnSp>
             <p:cxnSp>
               <p:nvCxnSpPr>
-                <p:cNvPr id="346" name="直接连接符 91">
+                <p:cNvPr id="341" name="直接连接符 88">
                   <a:extLst>
                     <a:ext uri="{FF2B5EF4-FFF2-40B4-BE49-F238E27FC236}">
-                      <a16:creationId xmlns:a16="http://schemas.microsoft.com/office/drawing/2014/main" id="{C9F7FCD4-A1D2-2244-8EDA-05B60AC46AEA}"/>
+                      <a16:creationId xmlns:a16="http://schemas.microsoft.com/office/drawing/2014/main" id="{2B9CFCC5-AB4E-E6B8-E43F-3F434929CD5C}"/>
                     </a:ext>
                   </a:extLst>
                 </p:cNvPr>
@@ -5907,51 +6105,8 @@
               </p:nvCxnSpPr>
               <p:spPr>
                 <a:xfrm>
-                  <a:off x="-390215" y="38458"/>
-                  <a:ext cx="213541" cy="0"/>
-                </a:xfrm>
-                <a:prstGeom prst="line">
-                  <a:avLst/>
-                </a:prstGeom>
-                <a:ln w="19050">
-                  <a:solidFill>
-                    <a:schemeClr val="tx1"/>
-                  </a:solidFill>
-                </a:ln>
-              </p:spPr>
-              <p:style>
-                <a:lnRef idx="1">
-                  <a:schemeClr val="accent1"/>
-                </a:lnRef>
-                <a:fillRef idx="0">
-                  <a:schemeClr val="accent1"/>
-                </a:fillRef>
-                <a:effectRef idx="0">
-                  <a:schemeClr val="accent1"/>
-                </a:effectRef>
-                <a:fontRef idx="minor">
-                  <a:schemeClr val="tx1"/>
-                </a:fontRef>
-              </p:style>
-            </p:cxnSp>
-            <p:cxnSp>
-              <p:nvCxnSpPr>
-                <p:cNvPr id="347" name="直接连接符 92">
-                  <a:extLst>
-                    <a:ext uri="{FF2B5EF4-FFF2-40B4-BE49-F238E27FC236}">
-                      <a16:creationId xmlns:a16="http://schemas.microsoft.com/office/drawing/2014/main" id="{8D02A329-278B-F656-6F02-35BB18B817FF}"/>
-                    </a:ext>
-                  </a:extLst>
-                </p:cNvPr>
-                <p:cNvCxnSpPr>
-                  <a:cxnSpLocks/>
-                </p:cNvCxnSpPr>
-                <p:nvPr/>
-              </p:nvCxnSpPr>
-              <p:spPr>
-                <a:xfrm flipV="1">
-                  <a:off x="-268903" y="47789"/>
-                  <a:ext cx="0" cy="972342"/>
+                  <a:off x="-204241" y="1236297"/>
+                  <a:ext cx="4097138" cy="0"/>
                 </a:xfrm>
                 <a:prstGeom prst="line">
                   <a:avLst/>
@@ -5981,10 +6136,10 @@
             </p:cxnSp>
             <p:sp>
               <p:nvSpPr>
-                <p:cNvPr id="348" name="文本框 9">
+                <p:cNvPr id="342" name="文本框 9">
                   <a:extLst>
                     <a:ext uri="{FF2B5EF4-FFF2-40B4-BE49-F238E27FC236}">
-                      <a16:creationId xmlns:a16="http://schemas.microsoft.com/office/drawing/2014/main" id="{C21F6A61-73D3-D8D2-35D1-1F54C8A32664}"/>
+                      <a16:creationId xmlns:a16="http://schemas.microsoft.com/office/drawing/2014/main" id="{DF7002F3-3643-ED93-1E2F-1ACF2D2756AB}"/>
                     </a:ext>
                   </a:extLst>
                 </p:cNvPr>
@@ -5992,9 +6147,9 @@
                 <p:nvPr/>
               </p:nvSpPr>
               <p:spPr>
-                <a:xfrm rot="16200000">
-                  <a:off x="-786980" y="329960"/>
-                  <a:ext cx="766555" cy="338554"/>
+                <a:xfrm>
+                  <a:off x="1527826" y="959758"/>
+                  <a:ext cx="870751" cy="338554"/>
                 </a:xfrm>
                 <a:prstGeom prst="rect">
                   <a:avLst/>
@@ -6016,7 +6171,96 @@
                       <a:latin typeface="Calibri" panose="020F0502020204030204" pitchFamily="34" charset="0"/>
                       <a:cs typeface="Calibri" panose="020F0502020204030204" pitchFamily="34" charset="0"/>
                     </a:rPr>
-                    <a:t>26 mm</a:t>
+                    <a:t>102 mm</a:t>
+                  </a:r>
+                  <a:endParaRPr lang="zh-CN" altLang="en-US" sz="1600" dirty="0">
+                    <a:latin typeface="Calibri" panose="020F0502020204030204" pitchFamily="34" charset="0"/>
+                    <a:cs typeface="Calibri" panose="020F0502020204030204" pitchFamily="34" charset="0"/>
+                  </a:endParaRPr>
+                </a:p>
+              </p:txBody>
+            </p:sp>
+            <p:cxnSp>
+              <p:nvCxnSpPr>
+                <p:cNvPr id="343" name="直接连接符 94">
+                  <a:extLst>
+                    <a:ext uri="{FF2B5EF4-FFF2-40B4-BE49-F238E27FC236}">
+                      <a16:creationId xmlns:a16="http://schemas.microsoft.com/office/drawing/2014/main" id="{BEA722C7-F7B0-7B47-A8D4-FE946AAE788D}"/>
+                    </a:ext>
+                  </a:extLst>
+                </p:cNvPr>
+                <p:cNvCxnSpPr>
+                  <a:cxnSpLocks/>
+                </p:cNvCxnSpPr>
+                <p:nvPr/>
+              </p:nvCxnSpPr>
+              <p:spPr>
+                <a:xfrm>
+                  <a:off x="-209323" y="1061027"/>
+                  <a:ext cx="1" cy="232456"/>
+                </a:xfrm>
+                <a:prstGeom prst="line">
+                  <a:avLst/>
+                </a:prstGeom>
+                <a:ln w="19050">
+                  <a:solidFill>
+                    <a:schemeClr val="tx1"/>
+                  </a:solidFill>
+                </a:ln>
+              </p:spPr>
+              <p:style>
+                <a:lnRef idx="1">
+                  <a:schemeClr val="accent1"/>
+                </a:lnRef>
+                <a:fillRef idx="0">
+                  <a:schemeClr val="accent1"/>
+                </a:fillRef>
+                <a:effectRef idx="0">
+                  <a:schemeClr val="accent1"/>
+                </a:effectRef>
+                <a:fontRef idx="minor">
+                  <a:schemeClr val="tx1"/>
+                </a:fontRef>
+              </p:style>
+            </p:cxnSp>
+            <p:sp>
+              <p:nvSpPr>
+                <p:cNvPr id="344" name="文本框 9">
+                  <a:extLst>
+                    <a:ext uri="{FF2B5EF4-FFF2-40B4-BE49-F238E27FC236}">
+                      <a16:creationId xmlns:a16="http://schemas.microsoft.com/office/drawing/2014/main" id="{96A1CFE1-AB27-3D99-4E29-A3B2562F70BB}"/>
+                    </a:ext>
+                  </a:extLst>
+                </p:cNvPr>
+                <p:cNvSpPr txBox="1"/>
+                <p:nvPr/>
+              </p:nvSpPr>
+              <p:spPr>
+                <a:xfrm>
+                  <a:off x="-240173" y="-287681"/>
+                  <a:ext cx="4151774" cy="338554"/>
+                </a:xfrm>
+                <a:prstGeom prst="rect">
+                  <a:avLst/>
+                </a:prstGeom>
+                <a:noFill/>
+                <a:ln>
+                  <a:noFill/>
+                </a:ln>
+              </p:spPr>
+              <p:txBody>
+                <a:bodyPr wrap="square" rtlCol="0">
+                  <a:spAutoFit/>
+                </a:bodyPr>
+                <a:lstStyle/>
+                <a:p>
+                  <a:pPr algn="ctr"/>
+                  <a:r>
+                    <a:rPr lang="en-US" altLang="zh-CN" sz="1600" dirty="0">
+                      <a:latin typeface="Calibri" panose="020F0502020204030204" pitchFamily="34" charset="0"/>
+                      <a:cs typeface="Calibri" panose="020F0502020204030204" pitchFamily="34" charset="0"/>
+                    </a:rPr>
+                    <a:t>Raster path, total dwell time = 8.15 min</a:t>
                   </a:r>
                   <a:endParaRPr lang="zh-CN" altLang="en-US" sz="1600" dirty="0">
                     <a:latin typeface="Calibri" panose="020F0502020204030204" pitchFamily="34" charset="0"/>
@@ -6026,100 +6270,204 @@
               </p:txBody>
             </p:sp>
           </p:grpSp>
-          <p:cxnSp>
-            <p:nvCxnSpPr>
-              <p:cNvPr id="340" name="直接连接符 87">
+          <p:grpSp>
+            <p:nvGrpSpPr>
+              <p:cNvPr id="329" name="Group 328">
                 <a:extLst>
                   <a:ext uri="{FF2B5EF4-FFF2-40B4-BE49-F238E27FC236}">
-                    <a16:creationId xmlns:a16="http://schemas.microsoft.com/office/drawing/2014/main" id="{BE45F308-1935-1C76-F183-E07163A95874}"/>
+                    <a16:creationId xmlns:a16="http://schemas.microsoft.com/office/drawing/2014/main" id="{1914CCDD-1406-326B-4A9B-CECB73AF7F03}"/>
                   </a:ext>
                 </a:extLst>
               </p:cNvPr>
-              <p:cNvCxnSpPr>
-                <a:cxnSpLocks/>
-              </p:cNvCxnSpPr>
+              <p:cNvGrpSpPr/>
               <p:nvPr/>
-            </p:nvCxnSpPr>
-            <p:spPr>
+            </p:nvGrpSpPr>
+            <p:grpSpPr>
               <a:xfrm>
-                <a:off x="3892897" y="1087438"/>
-                <a:ext cx="1" cy="232456"/>
+                <a:off x="363707" y="2159787"/>
+                <a:ext cx="4165669" cy="1355400"/>
+                <a:chOff x="-258454" y="1418250"/>
+                <a:chExt cx="4165669" cy="1355400"/>
               </a:xfrm>
-              <a:prstGeom prst="line">
-                <a:avLst/>
-              </a:prstGeom>
-              <a:ln w="19050">
-                <a:solidFill>
-                  <a:schemeClr val="tx1"/>
-                </a:solidFill>
-              </a:ln>
-            </p:spPr>
-            <p:style>
-              <a:lnRef idx="1">
-                <a:schemeClr val="accent1"/>
-              </a:lnRef>
-              <a:fillRef idx="0">
-                <a:schemeClr val="accent1"/>
-              </a:fillRef>
-              <a:effectRef idx="0">
-                <a:schemeClr val="accent1"/>
-              </a:effectRef>
-              <a:fontRef idx="minor">
-                <a:schemeClr val="tx1"/>
-              </a:fontRef>
-            </p:style>
-          </p:cxnSp>
-          <p:cxnSp>
-            <p:nvCxnSpPr>
-              <p:cNvPr id="341" name="直接连接符 88">
+            </p:grpSpPr>
+            <p:pic>
+              <p:nvPicPr>
+                <p:cNvPr id="336" name="Picture 335">
+                  <a:extLst>
+                    <a:ext uri="{FF2B5EF4-FFF2-40B4-BE49-F238E27FC236}">
+                      <a16:creationId xmlns:a16="http://schemas.microsoft.com/office/drawing/2014/main" id="{93C793EB-ABBF-5CD4-3425-5CC33CEAA1C4}"/>
+                    </a:ext>
+                  </a:extLst>
+                </p:cNvPr>
+                <p:cNvPicPr>
+                  <a:picLocks noChangeAspect="1"/>
+                </p:cNvPicPr>
+                <p:nvPr/>
+              </p:nvPicPr>
+              <p:blipFill rotWithShape="1">
+                <a:blip r:embed="rId9"/>
+                <a:srcRect l="12653" t="28504" r="9252" b="44807"/>
+                <a:stretch/>
+              </p:blipFill>
+              <p:spPr>
+                <a:xfrm>
+                  <a:off x="-258385" y="1705931"/>
+                  <a:ext cx="4165600" cy="1067719"/>
+                </a:xfrm>
+                <a:prstGeom prst="rect">
+                  <a:avLst/>
+                </a:prstGeom>
+              </p:spPr>
+            </p:pic>
+            <p:sp>
+              <p:nvSpPr>
+                <p:cNvPr id="337" name="文本框 9">
+                  <a:extLst>
+                    <a:ext uri="{FF2B5EF4-FFF2-40B4-BE49-F238E27FC236}">
+                      <a16:creationId xmlns:a16="http://schemas.microsoft.com/office/drawing/2014/main" id="{1C2B54E5-3D54-A59C-6A57-E23B630EFCFD}"/>
+                    </a:ext>
+                  </a:extLst>
+                </p:cNvPr>
+                <p:cNvSpPr txBox="1"/>
+                <p:nvPr/>
+              </p:nvSpPr>
+              <p:spPr>
+                <a:xfrm>
+                  <a:off x="-258454" y="1418250"/>
+                  <a:ext cx="4130401" cy="338554"/>
+                </a:xfrm>
+                <a:prstGeom prst="rect">
+                  <a:avLst/>
+                </a:prstGeom>
+                <a:noFill/>
+                <a:ln>
+                  <a:noFill/>
+                </a:ln>
+              </p:spPr>
+              <p:txBody>
+                <a:bodyPr wrap="square" rtlCol="0">
+                  <a:spAutoFit/>
+                </a:bodyPr>
+                <a:lstStyle/>
+                <a:p>
+                  <a:pPr algn="ctr"/>
+                  <a:r>
+                    <a:rPr lang="en-US" altLang="zh-CN" sz="1600" dirty="0">
+                      <a:latin typeface="Calibri" panose="020F0502020204030204" pitchFamily="34" charset="0"/>
+                      <a:cs typeface="Calibri" panose="020F0502020204030204" pitchFamily="34" charset="0"/>
+                    </a:rPr>
+                    <a:t>Maze path, total dwell time = 8.17 min</a:t>
+                  </a:r>
+                  <a:endParaRPr lang="zh-CN" altLang="en-US" sz="1600" dirty="0">
+                    <a:latin typeface="Calibri" panose="020F0502020204030204" pitchFamily="34" charset="0"/>
+                    <a:cs typeface="Calibri" panose="020F0502020204030204" pitchFamily="34" charset="0"/>
+                  </a:endParaRPr>
+                </a:p>
+              </p:txBody>
+            </p:sp>
+          </p:grpSp>
+          <p:grpSp>
+            <p:nvGrpSpPr>
+              <p:cNvPr id="330" name="Group 329">
                 <a:extLst>
                   <a:ext uri="{FF2B5EF4-FFF2-40B4-BE49-F238E27FC236}">
-                    <a16:creationId xmlns:a16="http://schemas.microsoft.com/office/drawing/2014/main" id="{2B9CFCC5-AB4E-E6B8-E43F-3F434929CD5C}"/>
+                    <a16:creationId xmlns:a16="http://schemas.microsoft.com/office/drawing/2014/main" id="{4C229166-1780-3066-183E-DE28230EE350}"/>
                   </a:ext>
                 </a:extLst>
               </p:cNvPr>
-              <p:cNvCxnSpPr>
-                <a:cxnSpLocks/>
-              </p:cNvCxnSpPr>
+              <p:cNvGrpSpPr/>
               <p:nvPr/>
-            </p:nvCxnSpPr>
-            <p:spPr>
+            </p:nvGrpSpPr>
+            <p:grpSpPr>
               <a:xfrm>
-                <a:off x="-204241" y="1236297"/>
-                <a:ext cx="4097138" cy="0"/>
+                <a:off x="338554" y="3801194"/>
+                <a:ext cx="4186263" cy="1510354"/>
+                <a:chOff x="-221035" y="2826355"/>
+                <a:chExt cx="4186263" cy="1510354"/>
               </a:xfrm>
-              <a:prstGeom prst="line">
-                <a:avLst/>
-              </a:prstGeom>
-              <a:ln w="19050">
-                <a:solidFill>
-                  <a:schemeClr val="tx1"/>
-                </a:solidFill>
-                <a:headEnd type="stealth"/>
-                <a:tailEnd type="stealth"/>
-              </a:ln>
-            </p:spPr>
-            <p:style>
-              <a:lnRef idx="1">
-                <a:schemeClr val="accent1"/>
-              </a:lnRef>
-              <a:fillRef idx="0">
-                <a:schemeClr val="accent1"/>
-              </a:fillRef>
-              <a:effectRef idx="0">
-                <a:schemeClr val="accent1"/>
-              </a:effectRef>
-              <a:fontRef idx="minor">
-                <a:schemeClr val="tx1"/>
-              </a:fontRef>
-            </p:style>
-          </p:cxnSp>
+            </p:grpSpPr>
+            <p:sp>
+              <p:nvSpPr>
+                <p:cNvPr id="334" name="文本框 9">
+                  <a:extLst>
+                    <a:ext uri="{FF2B5EF4-FFF2-40B4-BE49-F238E27FC236}">
+                      <a16:creationId xmlns:a16="http://schemas.microsoft.com/office/drawing/2014/main" id="{F8939EEA-6D08-19D7-FA58-CA06A0AC2B74}"/>
+                    </a:ext>
+                  </a:extLst>
+                </p:cNvPr>
+                <p:cNvSpPr txBox="1"/>
+                <p:nvPr/>
+              </p:nvSpPr>
+              <p:spPr>
+                <a:xfrm>
+                  <a:off x="-221035" y="2826355"/>
+                  <a:ext cx="4165600" cy="338554"/>
+                </a:xfrm>
+                <a:prstGeom prst="rect">
+                  <a:avLst/>
+                </a:prstGeom>
+                <a:noFill/>
+                <a:ln>
+                  <a:noFill/>
+                </a:ln>
+              </p:spPr>
+              <p:txBody>
+                <a:bodyPr wrap="square" rtlCol="0">
+                  <a:spAutoFit/>
+                </a:bodyPr>
+                <a:lstStyle/>
+                <a:p>
+                  <a:pPr algn="ctr"/>
+                  <a:r>
+                    <a:rPr lang="en-US" altLang="zh-CN" sz="1600" dirty="0">
+                      <a:latin typeface="Calibri" panose="020F0502020204030204" pitchFamily="34" charset="0"/>
+                      <a:cs typeface="Calibri" panose="020F0502020204030204" pitchFamily="34" charset="0"/>
+                    </a:rPr>
+                    <a:t>RAP, total dwell time = 7.64 min</a:t>
+                  </a:r>
+                  <a:endParaRPr lang="zh-CN" altLang="en-US" sz="1600" dirty="0">
+                    <a:latin typeface="Calibri" panose="020F0502020204030204" pitchFamily="34" charset="0"/>
+                    <a:cs typeface="Calibri" panose="020F0502020204030204" pitchFamily="34" charset="0"/>
+                  </a:endParaRPr>
+                </a:p>
+              </p:txBody>
+            </p:sp>
+            <p:pic>
+              <p:nvPicPr>
+                <p:cNvPr id="335" name="Picture 334">
+                  <a:extLst>
+                    <a:ext uri="{FF2B5EF4-FFF2-40B4-BE49-F238E27FC236}">
+                      <a16:creationId xmlns:a16="http://schemas.microsoft.com/office/drawing/2014/main" id="{21493B36-30BE-6936-B60C-8D99B9706C50}"/>
+                    </a:ext>
+                  </a:extLst>
+                </p:cNvPr>
+                <p:cNvPicPr>
+                  <a:picLocks noChangeAspect="1"/>
+                </p:cNvPicPr>
+                <p:nvPr/>
+              </p:nvPicPr>
+              <p:blipFill rotWithShape="1">
+                <a:blip r:embed="rId10"/>
+                <a:srcRect l="12857" t="28730" r="9048" b="40476"/>
+                <a:stretch/>
+              </p:blipFill>
+              <p:spPr>
+                <a:xfrm>
+                  <a:off x="-200372" y="3104809"/>
+                  <a:ext cx="4165600" cy="1231900"/>
+                </a:xfrm>
+                <a:prstGeom prst="rect">
+                  <a:avLst/>
+                </a:prstGeom>
+              </p:spPr>
+            </p:pic>
+          </p:grpSp>
           <p:sp>
             <p:nvSpPr>
-              <p:cNvPr id="342" name="文本框 9">
+              <p:cNvPr id="331" name="文本框 9">
                 <a:extLst>
                   <a:ext uri="{FF2B5EF4-FFF2-40B4-BE49-F238E27FC236}">
-                    <a16:creationId xmlns:a16="http://schemas.microsoft.com/office/drawing/2014/main" id="{DF7002F3-3643-ED93-1E2F-1ACF2D2756AB}"/>
+                    <a16:creationId xmlns:a16="http://schemas.microsoft.com/office/drawing/2014/main" id="{B6336BF4-584E-694D-80D0-D2075B49BDBF}"/>
                   </a:ext>
                 </a:extLst>
               </p:cNvPr>
@@ -6128,97 +6476,8 @@
             </p:nvSpPr>
             <p:spPr>
               <a:xfrm>
-                <a:off x="1527826" y="959758"/>
-                <a:ext cx="870751" cy="338554"/>
-              </a:xfrm>
-              <a:prstGeom prst="rect">
-                <a:avLst/>
-              </a:prstGeom>
-              <a:noFill/>
-              <a:ln>
-                <a:noFill/>
-              </a:ln>
-            </p:spPr>
-            <p:txBody>
-              <a:bodyPr wrap="none" rtlCol="0">
-                <a:spAutoFit/>
-              </a:bodyPr>
-              <a:lstStyle/>
-              <a:p>
-                <a:pPr algn="ctr"/>
-                <a:r>
-                  <a:rPr lang="en-US" altLang="zh-CN" sz="1600" dirty="0">
-                    <a:latin typeface="Calibri" panose="020F0502020204030204" pitchFamily="34" charset="0"/>
-                    <a:cs typeface="Calibri" panose="020F0502020204030204" pitchFamily="34" charset="0"/>
-                  </a:rPr>
-                  <a:t>102 mm</a:t>
-                </a:r>
-                <a:endParaRPr lang="zh-CN" altLang="en-US" sz="1600" dirty="0">
-                  <a:latin typeface="Calibri" panose="020F0502020204030204" pitchFamily="34" charset="0"/>
-                  <a:cs typeface="Calibri" panose="020F0502020204030204" pitchFamily="34" charset="0"/>
-                </a:endParaRPr>
-              </a:p>
-            </p:txBody>
-          </p:sp>
-          <p:cxnSp>
-            <p:nvCxnSpPr>
-              <p:cNvPr id="343" name="直接连接符 94">
-                <a:extLst>
-                  <a:ext uri="{FF2B5EF4-FFF2-40B4-BE49-F238E27FC236}">
-                    <a16:creationId xmlns:a16="http://schemas.microsoft.com/office/drawing/2014/main" id="{BEA722C7-F7B0-7B47-A8D4-FE946AAE788D}"/>
-                  </a:ext>
-                </a:extLst>
-              </p:cNvPr>
-              <p:cNvCxnSpPr>
-                <a:cxnSpLocks/>
-              </p:cNvCxnSpPr>
-              <p:nvPr/>
-            </p:nvCxnSpPr>
-            <p:spPr>
-              <a:xfrm>
-                <a:off x="-209323" y="1061027"/>
-                <a:ext cx="1" cy="232456"/>
-              </a:xfrm>
-              <a:prstGeom prst="line">
-                <a:avLst/>
-              </a:prstGeom>
-              <a:ln w="19050">
-                <a:solidFill>
-                  <a:schemeClr val="tx1"/>
-                </a:solidFill>
-              </a:ln>
-            </p:spPr>
-            <p:style>
-              <a:lnRef idx="1">
-                <a:schemeClr val="accent1"/>
-              </a:lnRef>
-              <a:fillRef idx="0">
-                <a:schemeClr val="accent1"/>
-              </a:fillRef>
-              <a:effectRef idx="0">
-                <a:schemeClr val="accent1"/>
-              </a:effectRef>
-              <a:fontRef idx="minor">
-                <a:schemeClr val="tx1"/>
-              </a:fontRef>
-            </p:style>
-          </p:cxnSp>
-          <p:sp>
-            <p:nvSpPr>
-              <p:cNvPr id="344" name="文本框 9">
-                <a:extLst>
-                  <a:ext uri="{FF2B5EF4-FFF2-40B4-BE49-F238E27FC236}">
-                    <a16:creationId xmlns:a16="http://schemas.microsoft.com/office/drawing/2014/main" id="{96A1CFE1-AB27-3D99-4E29-A3B2562F70BB}"/>
-                  </a:ext>
-                </a:extLst>
-              </p:cNvPr>
-              <p:cNvSpPr txBox="1"/>
-              <p:nvPr/>
-            </p:nvSpPr>
-            <p:spPr>
-              <a:xfrm>
-                <a:off x="-240173" y="-287681"/>
-                <a:ext cx="4151774" cy="338554"/>
+                <a:off x="139005" y="5316244"/>
+                <a:ext cx="474940" cy="307777"/>
               </a:xfrm>
               <a:prstGeom prst="rect">
                 <a:avLst/>
@@ -6236,75 +6495,25 @@
               <a:p>
                 <a:pPr algn="ctr"/>
                 <a:r>
-                  <a:rPr lang="en-US" altLang="zh-CN" sz="1600" dirty="0">
+                  <a:rPr lang="en-US" altLang="zh-CN" sz="1400" dirty="0">
                     <a:latin typeface="Calibri" panose="020F0502020204030204" pitchFamily="34" charset="0"/>
                     <a:cs typeface="Calibri" panose="020F0502020204030204" pitchFamily="34" charset="0"/>
                   </a:rPr>
-                  <a:t>Raster path, total dwell time = 8.15 min</a:t>
+                  <a:t>0.1</a:t>
                 </a:r>
-                <a:endParaRPr lang="zh-CN" altLang="en-US" sz="1600" dirty="0">
+                <a:endParaRPr lang="zh-CN" altLang="en-US" sz="1400" dirty="0">
                   <a:latin typeface="Calibri" panose="020F0502020204030204" pitchFamily="34" charset="0"/>
                   <a:cs typeface="Calibri" panose="020F0502020204030204" pitchFamily="34" charset="0"/>
                 </a:endParaRPr>
               </a:p>
             </p:txBody>
           </p:sp>
-        </p:grpSp>
-        <p:grpSp>
-          <p:nvGrpSpPr>
-            <p:cNvPr id="329" name="Group 328">
-              <a:extLst>
-                <a:ext uri="{FF2B5EF4-FFF2-40B4-BE49-F238E27FC236}">
-                  <a16:creationId xmlns:a16="http://schemas.microsoft.com/office/drawing/2014/main" id="{1914CCDD-1406-326B-4A9B-CECB73AF7F03}"/>
-                </a:ext>
-              </a:extLst>
-            </p:cNvPr>
-            <p:cNvGrpSpPr/>
-            <p:nvPr/>
-          </p:nvGrpSpPr>
-          <p:grpSpPr>
-            <a:xfrm>
-              <a:off x="363707" y="2159787"/>
-              <a:ext cx="4165669" cy="1355400"/>
-              <a:chOff x="-258454" y="1418250"/>
-              <a:chExt cx="4165669" cy="1355400"/>
-            </a:xfrm>
-          </p:grpSpPr>
-          <p:pic>
-            <p:nvPicPr>
-              <p:cNvPr id="336" name="Picture 335">
+          <p:sp>
+            <p:nvSpPr>
+              <p:cNvPr id="332" name="文本框 9">
                 <a:extLst>
                   <a:ext uri="{FF2B5EF4-FFF2-40B4-BE49-F238E27FC236}">
-                    <a16:creationId xmlns:a16="http://schemas.microsoft.com/office/drawing/2014/main" id="{93C793EB-ABBF-5CD4-3425-5CC33CEAA1C4}"/>
-                  </a:ext>
-                </a:extLst>
-              </p:cNvPr>
-              <p:cNvPicPr>
-                <a:picLocks noChangeAspect="1"/>
-              </p:cNvPicPr>
-              <p:nvPr/>
-            </p:nvPicPr>
-            <p:blipFill rotWithShape="1">
-              <a:blip r:embed="rId9"/>
-              <a:srcRect l="12653" t="28504" r="9252" b="44807"/>
-              <a:stretch/>
-            </p:blipFill>
-            <p:spPr>
-              <a:xfrm>
-                <a:off x="-258385" y="1705931"/>
-                <a:ext cx="4165600" cy="1067719"/>
-              </a:xfrm>
-              <a:prstGeom prst="rect">
-                <a:avLst/>
-              </a:prstGeom>
-            </p:spPr>
-          </p:pic>
-          <p:sp>
-            <p:nvSpPr>
-              <p:cNvPr id="337" name="文本框 9">
-                <a:extLst>
-                  <a:ext uri="{FF2B5EF4-FFF2-40B4-BE49-F238E27FC236}">
-                    <a16:creationId xmlns:a16="http://schemas.microsoft.com/office/drawing/2014/main" id="{1C2B54E5-3D54-A59C-6A57-E23B630EFCFD}"/>
+                    <a16:creationId xmlns:a16="http://schemas.microsoft.com/office/drawing/2014/main" id="{FC7FAF90-8CB3-6E9F-A3ED-185CBCB0865F}"/>
                   </a:ext>
                 </a:extLst>
               </p:cNvPr>
@@ -6313,8 +6522,8 @@
             </p:nvSpPr>
             <p:spPr>
               <a:xfrm>
-                <a:off x="-258454" y="1418250"/>
-                <a:ext cx="4130401" cy="338554"/>
+                <a:off x="4252745" y="5316244"/>
+                <a:ext cx="474940" cy="307777"/>
               </a:xfrm>
               <a:prstGeom prst="rect">
                 <a:avLst/>
@@ -6332,46 +6541,25 @@
               <a:p>
                 <a:pPr algn="ctr"/>
                 <a:r>
-                  <a:rPr lang="en-US" altLang="zh-CN" sz="1600" dirty="0">
+                  <a:rPr lang="en-US" altLang="zh-CN" sz="1400" dirty="0">
                     <a:latin typeface="Calibri" panose="020F0502020204030204" pitchFamily="34" charset="0"/>
                     <a:cs typeface="Calibri" panose="020F0502020204030204" pitchFamily="34" charset="0"/>
                   </a:rPr>
-                  <a:t>Maze path, total dwell time = 8.17 min</a:t>
+                  <a:t>0.3</a:t>
                 </a:r>
-                <a:endParaRPr lang="zh-CN" altLang="en-US" sz="1600" dirty="0">
+                <a:endParaRPr lang="zh-CN" altLang="en-US" sz="1400" dirty="0">
                   <a:latin typeface="Calibri" panose="020F0502020204030204" pitchFamily="34" charset="0"/>
                   <a:cs typeface="Calibri" panose="020F0502020204030204" pitchFamily="34" charset="0"/>
                 </a:endParaRPr>
               </a:p>
             </p:txBody>
           </p:sp>
-        </p:grpSp>
-        <p:grpSp>
-          <p:nvGrpSpPr>
-            <p:cNvPr id="330" name="Group 329">
-              <a:extLst>
-                <a:ext uri="{FF2B5EF4-FFF2-40B4-BE49-F238E27FC236}">
-                  <a16:creationId xmlns:a16="http://schemas.microsoft.com/office/drawing/2014/main" id="{4C229166-1780-3066-183E-DE28230EE350}"/>
-                </a:ext>
-              </a:extLst>
-            </p:cNvPr>
-            <p:cNvGrpSpPr/>
-            <p:nvPr/>
-          </p:nvGrpSpPr>
-          <p:grpSpPr>
-            <a:xfrm>
-              <a:off x="338554" y="3801194"/>
-              <a:ext cx="4186263" cy="1510354"/>
-              <a:chOff x="-221035" y="2826355"/>
-              <a:chExt cx="4186263" cy="1510354"/>
-            </a:xfrm>
-          </p:grpSpPr>
           <p:sp>
             <p:nvSpPr>
-              <p:cNvPr id="334" name="文本框 9">
+              <p:cNvPr id="333" name="文本框 9">
                 <a:extLst>
                   <a:ext uri="{FF2B5EF4-FFF2-40B4-BE49-F238E27FC236}">
-                    <a16:creationId xmlns:a16="http://schemas.microsoft.com/office/drawing/2014/main" id="{F8939EEA-6D08-19D7-FA58-CA06A0AC2B74}"/>
+                    <a16:creationId xmlns:a16="http://schemas.microsoft.com/office/drawing/2014/main" id="{E0F71818-1AF2-CBDA-31B1-0B5DB551EE70}"/>
                   </a:ext>
                 </a:extLst>
               </p:cNvPr>
@@ -6380,8 +6568,8 @@
             </p:nvSpPr>
             <p:spPr>
               <a:xfrm>
-                <a:off x="-221035" y="2826355"/>
-                <a:ext cx="4165600" cy="338554"/>
+                <a:off x="2124740" y="5316244"/>
+                <a:ext cx="474940" cy="307777"/>
               </a:xfrm>
               <a:prstGeom prst="rect">
                 <a:avLst/>
@@ -6399,187 +6587,20 @@
               <a:p>
                 <a:pPr algn="ctr"/>
                 <a:r>
-                  <a:rPr lang="en-US" altLang="zh-CN" sz="1600" dirty="0">
+                  <a:rPr lang="en-US" altLang="zh-CN" sz="1400" dirty="0">
                     <a:latin typeface="Calibri" panose="020F0502020204030204" pitchFamily="34" charset="0"/>
                     <a:cs typeface="Calibri" panose="020F0502020204030204" pitchFamily="34" charset="0"/>
                   </a:rPr>
-                  <a:t>RAP, total dwell time = 7.64 min</a:t>
+                  <a:t>[ s ]</a:t>
                 </a:r>
-                <a:endParaRPr lang="zh-CN" altLang="en-US" sz="1600" dirty="0">
+                <a:endParaRPr lang="zh-CN" altLang="en-US" sz="1400" dirty="0">
                   <a:latin typeface="Calibri" panose="020F0502020204030204" pitchFamily="34" charset="0"/>
                   <a:cs typeface="Calibri" panose="020F0502020204030204" pitchFamily="34" charset="0"/>
                 </a:endParaRPr>
               </a:p>
             </p:txBody>
           </p:sp>
-          <p:pic>
-            <p:nvPicPr>
-              <p:cNvPr id="335" name="Picture 334">
-                <a:extLst>
-                  <a:ext uri="{FF2B5EF4-FFF2-40B4-BE49-F238E27FC236}">
-                    <a16:creationId xmlns:a16="http://schemas.microsoft.com/office/drawing/2014/main" id="{21493B36-30BE-6936-B60C-8D99B9706C50}"/>
-                  </a:ext>
-                </a:extLst>
-              </p:cNvPr>
-              <p:cNvPicPr>
-                <a:picLocks noChangeAspect="1"/>
-              </p:cNvPicPr>
-              <p:nvPr/>
-            </p:nvPicPr>
-            <p:blipFill rotWithShape="1">
-              <a:blip r:embed="rId10"/>
-              <a:srcRect l="12857" t="28730" r="9048" b="40476"/>
-              <a:stretch/>
-            </p:blipFill>
-            <p:spPr>
-              <a:xfrm>
-                <a:off x="-200372" y="3104809"/>
-                <a:ext cx="4165600" cy="1231900"/>
-              </a:xfrm>
-              <a:prstGeom prst="rect">
-                <a:avLst/>
-              </a:prstGeom>
-            </p:spPr>
-          </p:pic>
         </p:grpSp>
-        <p:sp>
-          <p:nvSpPr>
-            <p:cNvPr id="331" name="文本框 9">
-              <a:extLst>
-                <a:ext uri="{FF2B5EF4-FFF2-40B4-BE49-F238E27FC236}">
-                  <a16:creationId xmlns:a16="http://schemas.microsoft.com/office/drawing/2014/main" id="{B6336BF4-584E-694D-80D0-D2075B49BDBF}"/>
-                </a:ext>
-              </a:extLst>
-            </p:cNvPr>
-            <p:cNvSpPr txBox="1"/>
-            <p:nvPr/>
-          </p:nvSpPr>
-          <p:spPr>
-            <a:xfrm>
-              <a:off x="139005" y="5316244"/>
-              <a:ext cx="474940" cy="307777"/>
-            </a:xfrm>
-            <a:prstGeom prst="rect">
-              <a:avLst/>
-            </a:prstGeom>
-            <a:noFill/>
-            <a:ln>
-              <a:noFill/>
-            </a:ln>
-          </p:spPr>
-          <p:txBody>
-            <a:bodyPr wrap="square" rtlCol="0">
-              <a:spAutoFit/>
-            </a:bodyPr>
-            <a:lstStyle/>
-            <a:p>
-              <a:pPr algn="ctr"/>
-              <a:r>
-                <a:rPr lang="en-US" altLang="zh-CN" sz="1400" dirty="0">
-                  <a:latin typeface="Calibri" panose="020F0502020204030204" pitchFamily="34" charset="0"/>
-                  <a:cs typeface="Calibri" panose="020F0502020204030204" pitchFamily="34" charset="0"/>
-                </a:rPr>
-                <a:t>0.1</a:t>
-              </a:r>
-              <a:endParaRPr lang="zh-CN" altLang="en-US" sz="1400" dirty="0">
-                <a:latin typeface="Calibri" panose="020F0502020204030204" pitchFamily="34" charset="0"/>
-                <a:cs typeface="Calibri" panose="020F0502020204030204" pitchFamily="34" charset="0"/>
-              </a:endParaRPr>
-            </a:p>
-          </p:txBody>
-        </p:sp>
-        <p:sp>
-          <p:nvSpPr>
-            <p:cNvPr id="332" name="文本框 9">
-              <a:extLst>
-                <a:ext uri="{FF2B5EF4-FFF2-40B4-BE49-F238E27FC236}">
-                  <a16:creationId xmlns:a16="http://schemas.microsoft.com/office/drawing/2014/main" id="{FC7FAF90-8CB3-6E9F-A3ED-185CBCB0865F}"/>
-                </a:ext>
-              </a:extLst>
-            </p:cNvPr>
-            <p:cNvSpPr txBox="1"/>
-            <p:nvPr/>
-          </p:nvSpPr>
-          <p:spPr>
-            <a:xfrm>
-              <a:off x="4252745" y="5316244"/>
-              <a:ext cx="474940" cy="307777"/>
-            </a:xfrm>
-            <a:prstGeom prst="rect">
-              <a:avLst/>
-            </a:prstGeom>
-            <a:noFill/>
-            <a:ln>
-              <a:noFill/>
-            </a:ln>
-          </p:spPr>
-          <p:txBody>
-            <a:bodyPr wrap="square" rtlCol="0">
-              <a:spAutoFit/>
-            </a:bodyPr>
-            <a:lstStyle/>
-            <a:p>
-              <a:pPr algn="ctr"/>
-              <a:r>
-                <a:rPr lang="en-US" altLang="zh-CN" sz="1400" dirty="0">
-                  <a:latin typeface="Calibri" panose="020F0502020204030204" pitchFamily="34" charset="0"/>
-                  <a:cs typeface="Calibri" panose="020F0502020204030204" pitchFamily="34" charset="0"/>
-                </a:rPr>
-                <a:t>0.3</a:t>
-              </a:r>
-              <a:endParaRPr lang="zh-CN" altLang="en-US" sz="1400" dirty="0">
-                <a:latin typeface="Calibri" panose="020F0502020204030204" pitchFamily="34" charset="0"/>
-                <a:cs typeface="Calibri" panose="020F0502020204030204" pitchFamily="34" charset="0"/>
-              </a:endParaRPr>
-            </a:p>
-          </p:txBody>
-        </p:sp>
-        <p:sp>
-          <p:nvSpPr>
-            <p:cNvPr id="333" name="文本框 9">
-              <a:extLst>
-                <a:ext uri="{FF2B5EF4-FFF2-40B4-BE49-F238E27FC236}">
-                  <a16:creationId xmlns:a16="http://schemas.microsoft.com/office/drawing/2014/main" id="{E0F71818-1AF2-CBDA-31B1-0B5DB551EE70}"/>
-                </a:ext>
-              </a:extLst>
-            </p:cNvPr>
-            <p:cNvSpPr txBox="1"/>
-            <p:nvPr/>
-          </p:nvSpPr>
-          <p:spPr>
-            <a:xfrm>
-              <a:off x="2124740" y="5316244"/>
-              <a:ext cx="474940" cy="307777"/>
-            </a:xfrm>
-            <a:prstGeom prst="rect">
-              <a:avLst/>
-            </a:prstGeom>
-            <a:noFill/>
-            <a:ln>
-              <a:noFill/>
-            </a:ln>
-          </p:spPr>
-          <p:txBody>
-            <a:bodyPr wrap="square" rtlCol="0">
-              <a:spAutoFit/>
-            </a:bodyPr>
-            <a:lstStyle/>
-            <a:p>
-              <a:pPr algn="ctr"/>
-              <a:r>
-                <a:rPr lang="en-US" altLang="zh-CN" sz="1400" dirty="0">
-                  <a:latin typeface="Calibri" panose="020F0502020204030204" pitchFamily="34" charset="0"/>
-                  <a:cs typeface="Calibri" panose="020F0502020204030204" pitchFamily="34" charset="0"/>
-                </a:rPr>
-                <a:t>[ s ]</a:t>
-              </a:r>
-              <a:endParaRPr lang="zh-CN" altLang="en-US" sz="1400" dirty="0">
-                <a:latin typeface="Calibri" panose="020F0502020204030204" pitchFamily="34" charset="0"/>
-                <a:cs typeface="Calibri" panose="020F0502020204030204" pitchFamily="34" charset="0"/>
-              </a:endParaRPr>
-            </a:p>
-          </p:txBody>
-        </p:sp>
       </p:grpSp>
     </p:spTree>
     <p:extLst>

--- a/paper/fig-ppt/path_vs_path.pptx
+++ b/paper/fig-ppt/path_vs_path.pptx
@@ -197,7 +197,7 @@
           <a:p>
             <a:fld id="{6A34D86B-73AB-4A61-9A67-210F5AB62B87}" type="datetimeFigureOut">
               <a:rPr lang="en-US" smtClean="0"/>
-              <a:t>9/7/2022</a:t>
+              <a:t>9/12/2022</a:t>
             </a:fld>
             <a:endParaRPr lang="en-US"/>
           </a:p>
@@ -684,7 +684,7 @@
           <a:p>
             <a:fld id="{18CE8224-B6CD-4EC1-B2F6-28138A15A3A0}" type="datetimeFigureOut">
               <a:rPr lang="zh-CN" altLang="en-US" smtClean="0"/>
-              <a:t>2022/9/7</a:t>
+              <a:t>2022/9/12</a:t>
             </a:fld>
             <a:endParaRPr lang="zh-CN" altLang="en-US"/>
           </a:p>
@@ -854,7 +854,7 @@
           <a:p>
             <a:fld id="{18CE8224-B6CD-4EC1-B2F6-28138A15A3A0}" type="datetimeFigureOut">
               <a:rPr lang="zh-CN" altLang="en-US" smtClean="0"/>
-              <a:t>2022/9/7</a:t>
+              <a:t>2022/9/12</a:t>
             </a:fld>
             <a:endParaRPr lang="zh-CN" altLang="en-US"/>
           </a:p>
@@ -1034,7 +1034,7 @@
           <a:p>
             <a:fld id="{18CE8224-B6CD-4EC1-B2F6-28138A15A3A0}" type="datetimeFigureOut">
               <a:rPr lang="zh-CN" altLang="en-US" smtClean="0"/>
-              <a:t>2022/9/7</a:t>
+              <a:t>2022/9/12</a:t>
             </a:fld>
             <a:endParaRPr lang="zh-CN" altLang="en-US"/>
           </a:p>
@@ -1204,7 +1204,7 @@
           <a:p>
             <a:fld id="{18CE8224-B6CD-4EC1-B2F6-28138A15A3A0}" type="datetimeFigureOut">
               <a:rPr lang="zh-CN" altLang="en-US" smtClean="0"/>
-              <a:t>2022/9/7</a:t>
+              <a:t>2022/9/12</a:t>
             </a:fld>
             <a:endParaRPr lang="zh-CN" altLang="en-US"/>
           </a:p>
@@ -1450,7 +1450,7 @@
           <a:p>
             <a:fld id="{18CE8224-B6CD-4EC1-B2F6-28138A15A3A0}" type="datetimeFigureOut">
               <a:rPr lang="zh-CN" altLang="en-US" smtClean="0"/>
-              <a:t>2022/9/7</a:t>
+              <a:t>2022/9/12</a:t>
             </a:fld>
             <a:endParaRPr lang="zh-CN" altLang="en-US"/>
           </a:p>
@@ -1682,7 +1682,7 @@
           <a:p>
             <a:fld id="{18CE8224-B6CD-4EC1-B2F6-28138A15A3A0}" type="datetimeFigureOut">
               <a:rPr lang="zh-CN" altLang="en-US" smtClean="0"/>
-              <a:t>2022/9/7</a:t>
+              <a:t>2022/9/12</a:t>
             </a:fld>
             <a:endParaRPr lang="zh-CN" altLang="en-US"/>
           </a:p>
@@ -2049,7 +2049,7 @@
           <a:p>
             <a:fld id="{18CE8224-B6CD-4EC1-B2F6-28138A15A3A0}" type="datetimeFigureOut">
               <a:rPr lang="zh-CN" altLang="en-US" smtClean="0"/>
-              <a:t>2022/9/7</a:t>
+              <a:t>2022/9/12</a:t>
             </a:fld>
             <a:endParaRPr lang="zh-CN" altLang="en-US"/>
           </a:p>
@@ -2167,7 +2167,7 @@
           <a:p>
             <a:fld id="{18CE8224-B6CD-4EC1-B2F6-28138A15A3A0}" type="datetimeFigureOut">
               <a:rPr lang="zh-CN" altLang="en-US" smtClean="0"/>
-              <a:t>2022/9/7</a:t>
+              <a:t>2022/9/12</a:t>
             </a:fld>
             <a:endParaRPr lang="zh-CN" altLang="en-US"/>
           </a:p>
@@ -2262,7 +2262,7 @@
           <a:p>
             <a:fld id="{18CE8224-B6CD-4EC1-B2F6-28138A15A3A0}" type="datetimeFigureOut">
               <a:rPr lang="zh-CN" altLang="en-US" smtClean="0"/>
-              <a:t>2022/9/7</a:t>
+              <a:t>2022/9/12</a:t>
             </a:fld>
             <a:endParaRPr lang="zh-CN" altLang="en-US"/>
           </a:p>
@@ -2539,7 +2539,7 @@
           <a:p>
             <a:fld id="{18CE8224-B6CD-4EC1-B2F6-28138A15A3A0}" type="datetimeFigureOut">
               <a:rPr lang="zh-CN" altLang="en-US" smtClean="0"/>
-              <a:t>2022/9/7</a:t>
+              <a:t>2022/9/12</a:t>
             </a:fld>
             <a:endParaRPr lang="zh-CN" altLang="en-US"/>
           </a:p>
@@ -2796,7 +2796,7 @@
           <a:p>
             <a:fld id="{18CE8224-B6CD-4EC1-B2F6-28138A15A3A0}" type="datetimeFigureOut">
               <a:rPr lang="zh-CN" altLang="en-US" smtClean="0"/>
-              <a:t>2022/9/7</a:t>
+              <a:t>2022/9/12</a:t>
             </a:fld>
             <a:endParaRPr lang="zh-CN" altLang="en-US"/>
           </a:p>
@@ -3009,7 +3009,7 @@
           <a:p>
             <a:fld id="{18CE8224-B6CD-4EC1-B2F6-28138A15A3A0}" type="datetimeFigureOut">
               <a:rPr lang="zh-CN" altLang="en-US" smtClean="0"/>
-              <a:t>2022/9/7</a:t>
+              <a:t>2022/9/12</a:t>
             </a:fld>
             <a:endParaRPr lang="zh-CN" altLang="en-US"/>
           </a:p>
@@ -4202,7 +4202,21 @@
                       <a:latin typeface="Calibri" panose="020F0502020204030204" pitchFamily="34" charset="0"/>
                       <a:cs typeface="Calibri" panose="020F0502020204030204" pitchFamily="34" charset="0"/>
                     </a:rPr>
-                    <a:t>Maze path, residual RMS = 0.26 nm</a:t>
+                    <a:t>Maze path, residual RMS </a:t>
+                  </a:r>
+                  <a:r>
+                    <a:rPr lang="en-US" altLang="zh-CN" sz="1600">
+                      <a:latin typeface="Calibri" panose="020F0502020204030204" pitchFamily="34" charset="0"/>
+                      <a:cs typeface="Calibri" panose="020F0502020204030204" pitchFamily="34" charset="0"/>
+                    </a:rPr>
+                    <a:t>= 0.22 </a:t>
+                  </a:r>
+                  <a:r>
+                    <a:rPr lang="en-US" altLang="zh-CN" sz="1600" dirty="0">
+                      <a:latin typeface="Calibri" panose="020F0502020204030204" pitchFamily="34" charset="0"/>
+                      <a:cs typeface="Calibri" panose="020F0502020204030204" pitchFamily="34" charset="0"/>
+                    </a:rPr>
+                    <a:t>nm</a:t>
                   </a:r>
                   <a:endParaRPr lang="zh-CN" altLang="en-US" sz="1600" dirty="0">
                     <a:latin typeface="Calibri" panose="020F0502020204030204" pitchFamily="34" charset="0"/>
